--- a/slides/Lecture16.pptx
+++ b/slides/Lecture16.pptx
@@ -5,18 +5,26 @@
     <p:sldMasterId id="2147483693" r:id="rId1"/>
   </p:sldMasterIdLst>
   <p:notesMasterIdLst>
-    <p:notesMasterId r:id="rId8"/>
+    <p:notesMasterId r:id="rId16"/>
   </p:notesMasterIdLst>
   <p:handoutMasterIdLst>
-    <p:handoutMasterId r:id="rId9"/>
+    <p:handoutMasterId r:id="rId17"/>
   </p:handoutMasterIdLst>
   <p:sldIdLst>
     <p:sldId id="332" r:id="rId2"/>
     <p:sldId id="337" r:id="rId3"/>
     <p:sldId id="338" r:id="rId4"/>
-    <p:sldId id="340" r:id="rId5"/>
-    <p:sldId id="341" r:id="rId6"/>
-    <p:sldId id="339" r:id="rId7"/>
+    <p:sldId id="339" r:id="rId5"/>
+    <p:sldId id="340" r:id="rId6"/>
+    <p:sldId id="348" r:id="rId7"/>
+    <p:sldId id="349" r:id="rId8"/>
+    <p:sldId id="341" r:id="rId9"/>
+    <p:sldId id="342" r:id="rId10"/>
+    <p:sldId id="343" r:id="rId11"/>
+    <p:sldId id="344" r:id="rId12"/>
+    <p:sldId id="345" r:id="rId13"/>
+    <p:sldId id="346" r:id="rId14"/>
+    <p:sldId id="347" r:id="rId15"/>
   </p:sldIdLst>
   <p:sldSz cx="9144000" cy="6858000" type="screen4x3"/>
   <p:notesSz cx="6858000" cy="9144000"/>
@@ -1146,6 +1154,279 @@
     <p:extLst>
       <p:ext uri="{BB962C8B-B14F-4D97-AF65-F5344CB8AC3E}">
         <p14:creationId xmlns:p14="http://schemas.microsoft.com/office/powerpoint/2010/main" val="4087750934"/>
+      </p:ext>
+    </p:extLst>
+  </p:cSld>
+  <p:clrMapOvr>
+    <a:masterClrMapping/>
+  </p:clrMapOvr>
+</p:notes>
+</file>
+
+<file path=ppt/notesSlides/notesSlide2.xml><?xml version="1.0" encoding="utf-8"?>
+<p:notes xmlns:a="http://schemas.openxmlformats.org/drawingml/2006/main" xmlns:r="http://schemas.openxmlformats.org/officeDocument/2006/relationships" xmlns:p="http://schemas.openxmlformats.org/presentationml/2006/main">
+  <p:cSld>
+    <p:spTree>
+      <p:nvGrpSpPr>
+        <p:cNvPr id="1" name=""/>
+        <p:cNvGrpSpPr/>
+        <p:nvPr/>
+      </p:nvGrpSpPr>
+      <p:grpSpPr>
+        <a:xfrm>
+          <a:off x="0" y="0"/>
+          <a:ext cx="0" cy="0"/>
+          <a:chOff x="0" y="0"/>
+          <a:chExt cx="0" cy="0"/>
+        </a:xfrm>
+      </p:grpSpPr>
+      <p:sp>
+        <p:nvSpPr>
+          <p:cNvPr id="7" name="Rectangle 7"/>
+          <p:cNvSpPr>
+            <a:spLocks noGrp="1" noChangeArrowheads="1"/>
+          </p:cNvSpPr>
+          <p:nvPr>
+            <p:ph type="sldNum" sz="quarter" idx="5"/>
+          </p:nvPr>
+        </p:nvSpPr>
+        <p:spPr>
+          <a:ln/>
+        </p:spPr>
+        <p:txBody>
+          <a:bodyPr/>
+          <a:lstStyle/>
+          <a:p>
+            <a:fld id="{C9C7A8D8-2274-4445-BF95-2F5D5722108A}" type="slidenum">
+              <a:rPr lang="en-US" altLang="en-US"/>
+              <a:pPr/>
+              <a:t>9</a:t>
+            </a:fld>
+            <a:endParaRPr lang="en-US" altLang="en-US"/>
+          </a:p>
+        </p:txBody>
+      </p:sp>
+      <p:sp>
+        <p:nvSpPr>
+          <p:cNvPr id="842754" name="Rectangle 2"/>
+          <p:cNvSpPr>
+            <a:spLocks noGrp="1" noRot="1" noChangeAspect="1" noChangeArrowheads="1" noTextEdit="1"/>
+          </p:cNvSpPr>
+          <p:nvPr>
+            <p:ph type="sldImg"/>
+          </p:nvPr>
+        </p:nvSpPr>
+        <p:spPr>
+          <a:ln/>
+        </p:spPr>
+      </p:sp>
+      <p:sp>
+        <p:nvSpPr>
+          <p:cNvPr id="842755" name="Rectangle 3"/>
+          <p:cNvSpPr>
+            <a:spLocks noGrp="1" noChangeArrowheads="1"/>
+          </p:cNvSpPr>
+          <p:nvPr>
+            <p:ph type="body" idx="1"/>
+          </p:nvPr>
+        </p:nvSpPr>
+        <p:spPr/>
+        <p:txBody>
+          <a:bodyPr/>
+          <a:lstStyle/>
+          <a:p>
+            <a:endParaRPr lang="en-US" altLang="en-US" dirty="0"/>
+          </a:p>
+        </p:txBody>
+      </p:sp>
+    </p:spTree>
+    <p:extLst>
+      <p:ext uri="{BB962C8B-B14F-4D97-AF65-F5344CB8AC3E}">
+        <p14:creationId xmlns:p14="http://schemas.microsoft.com/office/powerpoint/2010/main" val="344583697"/>
+      </p:ext>
+    </p:extLst>
+  </p:cSld>
+  <p:clrMapOvr>
+    <a:masterClrMapping/>
+  </p:clrMapOvr>
+</p:notes>
+</file>
+
+<file path=ppt/notesSlides/notesSlide3.xml><?xml version="1.0" encoding="utf-8"?>
+<p:notes xmlns:a="http://schemas.openxmlformats.org/drawingml/2006/main" xmlns:r="http://schemas.openxmlformats.org/officeDocument/2006/relationships" xmlns:p="http://schemas.openxmlformats.org/presentationml/2006/main">
+  <p:cSld>
+    <p:spTree>
+      <p:nvGrpSpPr>
+        <p:cNvPr id="1" name=""/>
+        <p:cNvGrpSpPr/>
+        <p:nvPr/>
+      </p:nvGrpSpPr>
+      <p:grpSpPr>
+        <a:xfrm>
+          <a:off x="0" y="0"/>
+          <a:ext cx="0" cy="0"/>
+          <a:chOff x="0" y="0"/>
+          <a:chExt cx="0" cy="0"/>
+        </a:xfrm>
+      </p:grpSpPr>
+      <p:sp>
+        <p:nvSpPr>
+          <p:cNvPr id="7" name="Rectangle 7"/>
+          <p:cNvSpPr>
+            <a:spLocks noGrp="1" noChangeArrowheads="1"/>
+          </p:cNvSpPr>
+          <p:nvPr>
+            <p:ph type="sldNum" sz="quarter" idx="5"/>
+          </p:nvPr>
+        </p:nvSpPr>
+        <p:spPr>
+          <a:ln/>
+        </p:spPr>
+        <p:txBody>
+          <a:bodyPr/>
+          <a:lstStyle/>
+          <a:p>
+            <a:fld id="{403CCCA3-B755-411A-9594-B0DE3B036D8A}" type="slidenum">
+              <a:rPr lang="en-US" altLang="en-US"/>
+              <a:pPr/>
+              <a:t>10</a:t>
+            </a:fld>
+            <a:endParaRPr lang="en-US" altLang="en-US"/>
+          </a:p>
+        </p:txBody>
+      </p:sp>
+      <p:sp>
+        <p:nvSpPr>
+          <p:cNvPr id="843778" name="Rectangle 2"/>
+          <p:cNvSpPr>
+            <a:spLocks noGrp="1" noRot="1" noChangeAspect="1" noChangeArrowheads="1" noTextEdit="1"/>
+          </p:cNvSpPr>
+          <p:nvPr>
+            <p:ph type="sldImg"/>
+          </p:nvPr>
+        </p:nvSpPr>
+        <p:spPr>
+          <a:ln/>
+        </p:spPr>
+      </p:sp>
+      <p:sp>
+        <p:nvSpPr>
+          <p:cNvPr id="843779" name="Rectangle 3"/>
+          <p:cNvSpPr>
+            <a:spLocks noGrp="1" noChangeArrowheads="1"/>
+          </p:cNvSpPr>
+          <p:nvPr>
+            <p:ph type="body" idx="1"/>
+          </p:nvPr>
+        </p:nvSpPr>
+        <p:spPr/>
+        <p:txBody>
+          <a:bodyPr/>
+          <a:lstStyle/>
+          <a:p>
+            <a:r>
+              <a:rPr lang="en-US" altLang="en-US"/>
+              <a:t>Analogously, the postorder traversal can be specialized for binary trees. </a:t>
+            </a:r>
+          </a:p>
+        </p:txBody>
+      </p:sp>
+    </p:spTree>
+    <p:extLst>
+      <p:ext uri="{BB962C8B-B14F-4D97-AF65-F5344CB8AC3E}">
+        <p14:creationId xmlns:p14="http://schemas.microsoft.com/office/powerpoint/2010/main" val="4041385449"/>
+      </p:ext>
+    </p:extLst>
+  </p:cSld>
+  <p:clrMapOvr>
+    <a:masterClrMapping/>
+  </p:clrMapOvr>
+</p:notes>
+</file>
+
+<file path=ppt/notesSlides/notesSlide4.xml><?xml version="1.0" encoding="utf-8"?>
+<p:notes xmlns:a="http://schemas.openxmlformats.org/drawingml/2006/main" xmlns:r="http://schemas.openxmlformats.org/officeDocument/2006/relationships" xmlns:p="http://schemas.openxmlformats.org/presentationml/2006/main">
+  <p:cSld>
+    <p:spTree>
+      <p:nvGrpSpPr>
+        <p:cNvPr id="1" name=""/>
+        <p:cNvGrpSpPr/>
+        <p:nvPr/>
+      </p:nvGrpSpPr>
+      <p:grpSpPr>
+        <a:xfrm>
+          <a:off x="0" y="0"/>
+          <a:ext cx="0" cy="0"/>
+          <a:chOff x="0" y="0"/>
+          <a:chExt cx="0" cy="0"/>
+        </a:xfrm>
+      </p:grpSpPr>
+      <p:sp>
+        <p:nvSpPr>
+          <p:cNvPr id="7" name="Rectangle 7"/>
+          <p:cNvSpPr>
+            <a:spLocks noGrp="1" noChangeArrowheads="1"/>
+          </p:cNvSpPr>
+          <p:nvPr>
+            <p:ph type="sldNum" sz="quarter" idx="5"/>
+          </p:nvPr>
+        </p:nvSpPr>
+        <p:spPr>
+          <a:ln/>
+        </p:spPr>
+        <p:txBody>
+          <a:bodyPr/>
+          <a:lstStyle/>
+          <a:p>
+            <a:fld id="{9F8D1306-A31F-4F7B-985C-4D53ACE652E5}" type="slidenum">
+              <a:rPr lang="en-US" altLang="en-US"/>
+              <a:pPr/>
+              <a:t>11</a:t>
+            </a:fld>
+            <a:endParaRPr lang="en-US" altLang="en-US"/>
+          </a:p>
+        </p:txBody>
+      </p:sp>
+      <p:sp>
+        <p:nvSpPr>
+          <p:cNvPr id="841730" name="Rectangle 2"/>
+          <p:cNvSpPr>
+            <a:spLocks noGrp="1" noRot="1" noChangeAspect="1" noChangeArrowheads="1" noTextEdit="1"/>
+          </p:cNvSpPr>
+          <p:nvPr>
+            <p:ph type="sldImg"/>
+          </p:nvPr>
+        </p:nvSpPr>
+        <p:spPr>
+          <a:ln/>
+        </p:spPr>
+      </p:sp>
+      <p:sp>
+        <p:nvSpPr>
+          <p:cNvPr id="841731" name="Rectangle 3"/>
+          <p:cNvSpPr>
+            <a:spLocks noGrp="1" noChangeArrowheads="1"/>
+          </p:cNvSpPr>
+          <p:nvPr>
+            <p:ph type="body" idx="1"/>
+          </p:nvPr>
+        </p:nvSpPr>
+        <p:spPr/>
+        <p:txBody>
+          <a:bodyPr/>
+          <a:lstStyle/>
+          <a:p>
+            <a:r>
+              <a:rPr lang="en-US" altLang="en-US"/>
+              <a:t>In this traversal, we visit a node between the recursive traversals of its left and right subtrees. </a:t>
+            </a:r>
+          </a:p>
+        </p:txBody>
+      </p:sp>
+    </p:spTree>
+    <p:extLst>
+      <p:ext uri="{BB962C8B-B14F-4D97-AF65-F5344CB8AC3E}">
+        <p14:creationId xmlns:p14="http://schemas.microsoft.com/office/powerpoint/2010/main" val="3069969343"/>
       </p:ext>
     </p:extLst>
   </p:cSld>
@@ -8675,25 +8956,89 @@
           <a:bodyPr/>
           <a:lstStyle/>
           <a:p>
+            <a:r>
+              <a:rPr lang="en-US" altLang="en-US" dirty="0" smtClean="0"/>
+              <a:t>Binary </a:t>
+            </a:r>
+            <a:r>
+              <a:rPr lang="en-US" altLang="en-US" dirty="0" smtClean="0"/>
+              <a:t>trees case studies:</a:t>
+            </a:r>
+          </a:p>
+          <a:p>
+            <a:pPr lvl="1"/>
+            <a:r>
+              <a:rPr lang="en-US" altLang="en-US" dirty="0" smtClean="0"/>
+              <a:t>Depth first values problem </a:t>
+            </a:r>
+          </a:p>
+          <a:p>
+            <a:pPr lvl="2"/>
+            <a:r>
+              <a:rPr lang="en-US" altLang="en-US" dirty="0" smtClean="0"/>
+              <a:t>Depth First Search (DFS)</a:t>
+            </a:r>
+          </a:p>
+          <a:p>
+            <a:pPr lvl="1"/>
+            <a:r>
+              <a:rPr lang="en-US" altLang="en-US" dirty="0" smtClean="0"/>
+              <a:t>Breadth first values problem</a:t>
+            </a:r>
+            <a:endParaRPr lang="en-US" altLang="en-US" dirty="0"/>
+          </a:p>
+          <a:p>
+            <a:pPr lvl="2"/>
+            <a:r>
+              <a:rPr lang="en-US" altLang="en-US" dirty="0" smtClean="0"/>
+              <a:t>Breadth First Search (BFS)</a:t>
+            </a:r>
+            <a:endParaRPr lang="en-US" altLang="en-US" dirty="0"/>
+          </a:p>
+          <a:p>
+            <a:pPr lvl="1"/>
+            <a:r>
+              <a:rPr lang="en-US" altLang="en-US" dirty="0" smtClean="0"/>
+              <a:t>Tree “includes” </a:t>
+            </a:r>
+            <a:r>
+              <a:rPr lang="en-US" altLang="en-US" dirty="0" smtClean="0"/>
+              <a:t>problem</a:t>
+            </a:r>
+          </a:p>
+          <a:p>
+            <a:pPr lvl="1"/>
+            <a:r>
+              <a:rPr lang="en-US" altLang="en-US" dirty="0" smtClean="0"/>
+              <a:t>Tree “sum” problem</a:t>
+            </a:r>
+          </a:p>
+          <a:p>
+            <a:pPr lvl="1"/>
+            <a:r>
+              <a:rPr lang="en-US" altLang="en-US" dirty="0" smtClean="0"/>
+              <a:t>Tree “min” problem</a:t>
+            </a:r>
+          </a:p>
+          <a:p>
+            <a:pPr lvl="1"/>
+            <a:r>
+              <a:rPr lang="en-US" altLang="en-US" dirty="0" smtClean="0"/>
+              <a:t>Max path sum problem</a:t>
+            </a:r>
             <a:endParaRPr lang="en-US" altLang="en-US" dirty="0" smtClean="0"/>
           </a:p>
           <a:p>
             <a:r>
               <a:rPr lang="en-US" altLang="en-US" dirty="0" smtClean="0"/>
-              <a:t>Binary search trees</a:t>
-            </a:r>
-          </a:p>
-          <a:p>
-            <a:endParaRPr lang="en-US" altLang="en-US" dirty="0" smtClean="0"/>
+              <a:t>Binary tree traversal algorithms</a:t>
+            </a:r>
           </a:p>
           <a:p>
             <a:r>
               <a:rPr lang="en-US" altLang="en-US" dirty="0" smtClean="0"/>
-              <a:t>Binary search tree case studies</a:t>
-            </a:r>
-          </a:p>
-          <a:p>
-            <a:endParaRPr lang="en-US" altLang="en-US" dirty="0" smtClean="0"/>
+              <a:t>Full/complete binary trees</a:t>
+            </a:r>
           </a:p>
         </p:txBody>
       </p:sp>
@@ -8717,6 +9062,4126 @@
 </p:sld>
 </file>
 
+<file path=ppt/slides/slide10.xml><?xml version="1.0" encoding="utf-8"?>
+<p:sld xmlns:a="http://schemas.openxmlformats.org/drawingml/2006/main" xmlns:r="http://schemas.openxmlformats.org/officeDocument/2006/relationships" xmlns:p="http://schemas.openxmlformats.org/presentationml/2006/main">
+  <p:cSld>
+    <p:spTree>
+      <p:nvGrpSpPr>
+        <p:cNvPr id="1" name=""/>
+        <p:cNvGrpSpPr/>
+        <p:nvPr/>
+      </p:nvGrpSpPr>
+      <p:grpSpPr>
+        <a:xfrm>
+          <a:off x="0" y="0"/>
+          <a:ext cx="0" cy="0"/>
+          <a:chOff x="0" y="0"/>
+          <a:chExt cx="0" cy="0"/>
+        </a:xfrm>
+      </p:grpSpPr>
+      <p:sp>
+        <p:nvSpPr>
+          <p:cNvPr id="831490" name="Rectangle 2"/>
+          <p:cNvSpPr>
+            <a:spLocks noGrp="1" noChangeArrowheads="1"/>
+          </p:cNvSpPr>
+          <p:nvPr>
+            <p:ph type="title"/>
+          </p:nvPr>
+        </p:nvSpPr>
+        <p:spPr>
+          <a:xfrm>
+            <a:off x="0" y="0"/>
+            <a:ext cx="8001000" cy="1417638"/>
+          </a:xfrm>
+        </p:spPr>
+        <p:txBody>
+          <a:bodyPr/>
+          <a:lstStyle/>
+          <a:p>
+            <a:r>
+              <a:rPr lang="en-US" altLang="en-US" dirty="0" smtClean="0"/>
+              <a:t>Post-order </a:t>
+            </a:r>
+            <a:r>
+              <a:rPr lang="en-US" altLang="en-US" dirty="0"/>
+              <a:t>traversal</a:t>
+            </a:r>
+          </a:p>
+        </p:txBody>
+      </p:sp>
+      <p:sp>
+        <p:nvSpPr>
+          <p:cNvPr id="831491" name="Rectangle 3"/>
+          <p:cNvSpPr>
+            <a:spLocks noGrp="1" noChangeArrowheads="1"/>
+          </p:cNvSpPr>
+          <p:nvPr>
+            <p:ph type="body" idx="1"/>
+          </p:nvPr>
+        </p:nvSpPr>
+        <p:spPr>
+          <a:xfrm>
+            <a:off x="0" y="1600200"/>
+            <a:ext cx="9144000" cy="5257800"/>
+          </a:xfrm>
+        </p:spPr>
+        <p:txBody>
+          <a:bodyPr/>
+          <a:lstStyle/>
+          <a:p>
+            <a:r>
+              <a:rPr lang="en-US" altLang="en-US" dirty="0"/>
+              <a:t>In a </a:t>
+            </a:r>
+            <a:r>
+              <a:rPr lang="en-US" altLang="en-US" dirty="0" smtClean="0"/>
+              <a:t>post-order </a:t>
+            </a:r>
+            <a:r>
+              <a:rPr lang="en-US" altLang="en-US" dirty="0"/>
+              <a:t>traversal</a:t>
+            </a:r>
+          </a:p>
+          <a:p>
+            <a:pPr lvl="1"/>
+            <a:r>
+              <a:rPr lang="en-US" altLang="en-US" dirty="0"/>
+              <a:t> a node is visited after its left subtree </a:t>
+            </a:r>
+          </a:p>
+          <a:p>
+            <a:pPr lvl="1"/>
+            <a:endParaRPr lang="en-US" altLang="en-US" dirty="0"/>
+          </a:p>
+          <a:p>
+            <a:pPr lvl="1"/>
+            <a:r>
+              <a:rPr lang="en-US" altLang="en-US" dirty="0"/>
+              <a:t>And after its right subtree</a:t>
+            </a:r>
+          </a:p>
+        </p:txBody>
+      </p:sp>
+      <p:sp>
+        <p:nvSpPr>
+          <p:cNvPr id="831492" name="Text Box 4"/>
+          <p:cNvSpPr txBox="1">
+            <a:spLocks noChangeArrowheads="1"/>
+          </p:cNvSpPr>
+          <p:nvPr/>
+        </p:nvSpPr>
+        <p:spPr bwMode="auto">
+          <a:xfrm>
+            <a:off x="1828800" y="3733800"/>
+            <a:ext cx="4953000" cy="2438400"/>
+          </a:xfrm>
+          <a:prstGeom prst="rect">
+            <a:avLst/>
+          </a:prstGeom>
+          <a:noFill/>
+          <a:ln w="9525">
+            <a:solidFill>
+              <a:srgbClr val="000000"/>
+            </a:solidFill>
+            <a:miter lim="800000"/>
+            <a:headEnd/>
+            <a:tailEnd/>
+          </a:ln>
+          <a:effectLst/>
+          <a:extLst>
+            <a:ext uri="{909E8E84-426E-40DD-AFC4-6F175D3DCCD1}">
+              <a14:hiddenFill xmlns:a14="http://schemas.microsoft.com/office/drawing/2010/main">
+                <a:solidFill>
+                  <a:schemeClr val="accent1"/>
+                </a:solidFill>
+              </a14:hiddenFill>
+            </a:ext>
+            <a:ext uri="{AF507438-7753-43E0-B8FC-AC1667EBCBE1}">
+              <a14:hiddenEffects xmlns:a14="http://schemas.microsoft.com/office/drawing/2010/main">
+                <a:effectLst>
+                  <a:outerShdw dist="35921" dir="2700000" algn="ctr" rotWithShape="0">
+                    <a:schemeClr val="bg2"/>
+                  </a:outerShdw>
+                </a:effectLst>
+              </a14:hiddenEffects>
+            </a:ext>
+          </a:extLst>
+        </p:spPr>
+        <p:txBody>
+          <a:bodyPr>
+            <a:spAutoFit/>
+          </a:bodyPr>
+          <a:lstStyle/>
+          <a:p>
+            <a:pPr>
+              <a:lnSpc>
+                <a:spcPct val="90000"/>
+              </a:lnSpc>
+              <a:spcBef>
+                <a:spcPct val="20000"/>
+              </a:spcBef>
+              <a:buClr>
+                <a:schemeClr val="hlink"/>
+              </a:buClr>
+              <a:buSzPct val="110000"/>
+              <a:buFont typeface="Wingdings" panose="05000000000000000000" pitchFamily="2" charset="2"/>
+              <a:buNone/>
+            </a:pPr>
+            <a:r>
+              <a:rPr lang="en-US" altLang="en-US" sz="2400" b="1">
+                <a:solidFill>
+                  <a:srgbClr val="000000"/>
+                </a:solidFill>
+                <a:latin typeface="Times New Roman" panose="02020603050405020304" pitchFamily="18" charset="0"/>
+              </a:rPr>
+              <a:t>Algorithm</a:t>
+            </a:r>
+            <a:r>
+              <a:rPr lang="en-US" altLang="en-US" sz="2400">
+                <a:latin typeface="Times New Roman" panose="02020603050405020304" pitchFamily="18" charset="0"/>
+              </a:rPr>
+              <a:t> </a:t>
+            </a:r>
+            <a:r>
+              <a:rPr lang="en-US" altLang="en-US" sz="2400" b="1" i="1">
+                <a:solidFill>
+                  <a:schemeClr val="tx2"/>
+                </a:solidFill>
+                <a:latin typeface="Times New Roman" panose="02020603050405020304" pitchFamily="18" charset="0"/>
+              </a:rPr>
+              <a:t>PostOrder</a:t>
+            </a:r>
+            <a:r>
+              <a:rPr lang="en-US" altLang="en-US" sz="2400">
+                <a:solidFill>
+                  <a:schemeClr val="tx2"/>
+                </a:solidFill>
+                <a:latin typeface="Times New Roman" panose="02020603050405020304" pitchFamily="18" charset="0"/>
+              </a:rPr>
+              <a:t>(</a:t>
+            </a:r>
+            <a:r>
+              <a:rPr lang="en-US" altLang="en-US" sz="2400" b="1" i="1">
+                <a:solidFill>
+                  <a:schemeClr val="tx2"/>
+                </a:solidFill>
+                <a:latin typeface="Times New Roman" panose="02020603050405020304" pitchFamily="18" charset="0"/>
+              </a:rPr>
+              <a:t>T</a:t>
+            </a:r>
+            <a:r>
+              <a:rPr lang="en-US" altLang="en-US" sz="2400">
+                <a:solidFill>
+                  <a:schemeClr val="tx2"/>
+                </a:solidFill>
+                <a:latin typeface="Times New Roman" panose="02020603050405020304" pitchFamily="18" charset="0"/>
+              </a:rPr>
+              <a:t>,</a:t>
+            </a:r>
+            <a:r>
+              <a:rPr lang="en-US" altLang="en-US" sz="2400" b="1" i="1">
+                <a:solidFill>
+                  <a:schemeClr val="tx2"/>
+                </a:solidFill>
+                <a:latin typeface="Times New Roman" panose="02020603050405020304" pitchFamily="18" charset="0"/>
+              </a:rPr>
+              <a:t>v</a:t>
+            </a:r>
+            <a:r>
+              <a:rPr lang="en-US" altLang="en-US" sz="2400">
+                <a:solidFill>
+                  <a:schemeClr val="tx2"/>
+                </a:solidFill>
+                <a:latin typeface="Times New Roman" panose="02020603050405020304" pitchFamily="18" charset="0"/>
+              </a:rPr>
+              <a:t>)</a:t>
+            </a:r>
+          </a:p>
+          <a:p>
+            <a:pPr lvl="1">
+              <a:lnSpc>
+                <a:spcPct val="90000"/>
+              </a:lnSpc>
+              <a:spcBef>
+                <a:spcPct val="20000"/>
+              </a:spcBef>
+              <a:buClr>
+                <a:schemeClr val="tx1"/>
+              </a:buClr>
+              <a:buSzPct val="60000"/>
+              <a:buFont typeface="Wingdings" panose="05000000000000000000" pitchFamily="2" charset="2"/>
+              <a:buNone/>
+            </a:pPr>
+            <a:r>
+              <a:rPr lang="en-US" altLang="en-US" sz="2400" b="1">
+                <a:solidFill>
+                  <a:srgbClr val="000000"/>
+                </a:solidFill>
+                <a:latin typeface="Times New Roman" panose="02020603050405020304" pitchFamily="18" charset="0"/>
+              </a:rPr>
+              <a:t>if</a:t>
+            </a:r>
+            <a:r>
+              <a:rPr lang="en-US" altLang="en-US" sz="2400">
+                <a:latin typeface="Times New Roman" panose="02020603050405020304" pitchFamily="18" charset="0"/>
+              </a:rPr>
+              <a:t> </a:t>
+            </a:r>
+            <a:r>
+              <a:rPr lang="en-US" altLang="en-US" sz="2400" i="1">
+                <a:solidFill>
+                  <a:schemeClr val="accent2"/>
+                </a:solidFill>
+                <a:latin typeface="Times New Roman" panose="02020603050405020304" pitchFamily="18" charset="0"/>
+              </a:rPr>
+              <a:t>T.hasLeft(v)</a:t>
+            </a:r>
+            <a:endParaRPr lang="en-US" altLang="en-US" sz="2400" b="1" i="1">
+              <a:solidFill>
+                <a:schemeClr val="accent2"/>
+              </a:solidFill>
+              <a:latin typeface="Times New Roman" panose="02020603050405020304" pitchFamily="18" charset="0"/>
+            </a:endParaRPr>
+          </a:p>
+          <a:p>
+            <a:pPr lvl="1">
+              <a:lnSpc>
+                <a:spcPct val="90000"/>
+              </a:lnSpc>
+              <a:spcBef>
+                <a:spcPct val="20000"/>
+              </a:spcBef>
+              <a:buClr>
+                <a:schemeClr val="tx1"/>
+              </a:buClr>
+              <a:buSzPct val="60000"/>
+              <a:buFont typeface="Wingdings" panose="05000000000000000000" pitchFamily="2" charset="2"/>
+              <a:buNone/>
+            </a:pPr>
+            <a:r>
+              <a:rPr lang="en-US" altLang="en-US" sz="2400" b="1" i="1">
+                <a:solidFill>
+                  <a:schemeClr val="accent2"/>
+                </a:solidFill>
+                <a:latin typeface="Times New Roman" panose="02020603050405020304" pitchFamily="18" charset="0"/>
+              </a:rPr>
+              <a:t>	PostOrder</a:t>
+            </a:r>
+            <a:r>
+              <a:rPr lang="en-US" altLang="en-US" sz="2400">
+                <a:solidFill>
+                  <a:schemeClr val="accent2"/>
+                </a:solidFill>
+                <a:latin typeface="Times New Roman" panose="02020603050405020304" pitchFamily="18" charset="0"/>
+              </a:rPr>
+              <a:t>(</a:t>
+            </a:r>
+            <a:r>
+              <a:rPr lang="en-US" altLang="en-US" sz="2400" b="1" i="1">
+                <a:solidFill>
+                  <a:schemeClr val="accent2"/>
+                </a:solidFill>
+                <a:latin typeface="Times New Roman" panose="02020603050405020304" pitchFamily="18" charset="0"/>
+              </a:rPr>
+              <a:t>T,T.left(v)</a:t>
+            </a:r>
+            <a:r>
+              <a:rPr lang="en-US" altLang="en-US" sz="2400">
+                <a:solidFill>
+                  <a:schemeClr val="accent2"/>
+                </a:solidFill>
+                <a:latin typeface="Times New Roman" panose="02020603050405020304" pitchFamily="18" charset="0"/>
+              </a:rPr>
+              <a:t>)</a:t>
+            </a:r>
+            <a:endParaRPr lang="en-US" altLang="en-US" sz="2400">
+              <a:latin typeface="Times New Roman" panose="02020603050405020304" pitchFamily="18" charset="0"/>
+            </a:endParaRPr>
+          </a:p>
+          <a:p>
+            <a:pPr lvl="1">
+              <a:lnSpc>
+                <a:spcPct val="90000"/>
+              </a:lnSpc>
+              <a:spcBef>
+                <a:spcPct val="20000"/>
+              </a:spcBef>
+              <a:buClr>
+                <a:schemeClr val="hlink"/>
+              </a:buClr>
+              <a:buSzPct val="110000"/>
+              <a:buFont typeface="Wingdings" panose="05000000000000000000" pitchFamily="2" charset="2"/>
+              <a:buNone/>
+            </a:pPr>
+            <a:r>
+              <a:rPr lang="en-US" altLang="en-US" sz="2400" b="1">
+                <a:solidFill>
+                  <a:srgbClr val="000000"/>
+                </a:solidFill>
+                <a:latin typeface="Times New Roman" panose="02020603050405020304" pitchFamily="18" charset="0"/>
+              </a:rPr>
+              <a:t>if</a:t>
+            </a:r>
+            <a:r>
+              <a:rPr lang="en-US" altLang="en-US" sz="2400">
+                <a:latin typeface="Times New Roman" panose="02020603050405020304" pitchFamily="18" charset="0"/>
+              </a:rPr>
+              <a:t> </a:t>
+            </a:r>
+            <a:r>
+              <a:rPr lang="en-US" altLang="en-US" sz="2400" i="1">
+                <a:solidFill>
+                  <a:schemeClr val="accent2"/>
+                </a:solidFill>
+                <a:latin typeface="Times New Roman" panose="02020603050405020304" pitchFamily="18" charset="0"/>
+              </a:rPr>
+              <a:t>T.hasRight(v)</a:t>
+            </a:r>
+            <a:endParaRPr lang="en-US" altLang="en-US" sz="2400" b="1" i="1">
+              <a:solidFill>
+                <a:schemeClr val="accent2"/>
+              </a:solidFill>
+              <a:latin typeface="Times New Roman" panose="02020603050405020304" pitchFamily="18" charset="0"/>
+            </a:endParaRPr>
+          </a:p>
+          <a:p>
+            <a:pPr lvl="1">
+              <a:lnSpc>
+                <a:spcPct val="90000"/>
+              </a:lnSpc>
+              <a:spcBef>
+                <a:spcPct val="20000"/>
+              </a:spcBef>
+              <a:buClr>
+                <a:schemeClr val="tx1"/>
+              </a:buClr>
+              <a:buSzPct val="60000"/>
+              <a:buFont typeface="Wingdings" panose="05000000000000000000" pitchFamily="2" charset="2"/>
+              <a:buNone/>
+            </a:pPr>
+            <a:r>
+              <a:rPr lang="en-US" altLang="en-US" sz="2400">
+                <a:solidFill>
+                  <a:schemeClr val="accent2"/>
+                </a:solidFill>
+                <a:latin typeface="Times New Roman" panose="02020603050405020304" pitchFamily="18" charset="0"/>
+              </a:rPr>
+              <a:t>	</a:t>
+            </a:r>
+            <a:r>
+              <a:rPr lang="en-US" altLang="en-US" sz="2400" b="1" i="1">
+                <a:solidFill>
+                  <a:schemeClr val="accent2"/>
+                </a:solidFill>
+                <a:latin typeface="Times New Roman" panose="02020603050405020304" pitchFamily="18" charset="0"/>
+              </a:rPr>
+              <a:t>PostOrder</a:t>
+            </a:r>
+            <a:r>
+              <a:rPr lang="en-US" altLang="en-US" sz="2400">
+                <a:solidFill>
+                  <a:schemeClr val="accent2"/>
+                </a:solidFill>
+                <a:latin typeface="Times New Roman" panose="02020603050405020304" pitchFamily="18" charset="0"/>
+              </a:rPr>
+              <a:t>(</a:t>
+            </a:r>
+            <a:r>
+              <a:rPr lang="en-US" altLang="en-US" sz="2400" b="1" i="1">
+                <a:solidFill>
+                  <a:schemeClr val="accent2"/>
+                </a:solidFill>
+                <a:latin typeface="Times New Roman" panose="02020603050405020304" pitchFamily="18" charset="0"/>
+              </a:rPr>
+              <a:t>T,T.right(v)</a:t>
+            </a:r>
+            <a:r>
+              <a:rPr lang="en-US" altLang="en-US" sz="2400">
+                <a:solidFill>
+                  <a:schemeClr val="accent2"/>
+                </a:solidFill>
+                <a:latin typeface="Times New Roman" panose="02020603050405020304" pitchFamily="18" charset="0"/>
+              </a:rPr>
+              <a:t>)</a:t>
+            </a:r>
+            <a:endParaRPr lang="en-US" altLang="en-US" sz="2400">
+              <a:latin typeface="Times New Roman" panose="02020603050405020304" pitchFamily="18" charset="0"/>
+            </a:endParaRPr>
+          </a:p>
+          <a:p>
+            <a:pPr lvl="1">
+              <a:lnSpc>
+                <a:spcPct val="90000"/>
+              </a:lnSpc>
+              <a:spcBef>
+                <a:spcPct val="20000"/>
+              </a:spcBef>
+              <a:buClr>
+                <a:schemeClr val="tx1"/>
+              </a:buClr>
+              <a:buSzPct val="60000"/>
+              <a:buFont typeface="Wingdings" panose="05000000000000000000" pitchFamily="2" charset="2"/>
+              <a:buNone/>
+            </a:pPr>
+            <a:r>
+              <a:rPr lang="en-US" altLang="en-US" sz="2400" b="1" i="1">
+                <a:solidFill>
+                  <a:schemeClr val="accent2"/>
+                </a:solidFill>
+                <a:latin typeface="Times New Roman" panose="02020603050405020304" pitchFamily="18" charset="0"/>
+              </a:rPr>
+              <a:t>visit</a:t>
+            </a:r>
+            <a:r>
+              <a:rPr lang="en-US" altLang="en-US" sz="2400">
+                <a:solidFill>
+                  <a:schemeClr val="accent2"/>
+                </a:solidFill>
+                <a:latin typeface="Times New Roman" panose="02020603050405020304" pitchFamily="18" charset="0"/>
+              </a:rPr>
+              <a:t>(</a:t>
+            </a:r>
+            <a:r>
+              <a:rPr lang="en-US" altLang="en-US" sz="2400" b="1" i="1">
+                <a:solidFill>
+                  <a:schemeClr val="accent2"/>
+                </a:solidFill>
+                <a:latin typeface="Times New Roman" panose="02020603050405020304" pitchFamily="18" charset="0"/>
+              </a:rPr>
+              <a:t>v</a:t>
+            </a:r>
+            <a:r>
+              <a:rPr lang="en-US" altLang="en-US" sz="2400">
+                <a:solidFill>
+                  <a:schemeClr val="accent2"/>
+                </a:solidFill>
+                <a:latin typeface="Times New Roman" panose="02020603050405020304" pitchFamily="18" charset="0"/>
+              </a:rPr>
+              <a:t>)</a:t>
+            </a:r>
+          </a:p>
+        </p:txBody>
+      </p:sp>
+    </p:spTree>
+    <p:extLst>
+      <p:ext uri="{BB962C8B-B14F-4D97-AF65-F5344CB8AC3E}">
+        <p14:creationId xmlns:p14="http://schemas.microsoft.com/office/powerpoint/2010/main" val="4105302655"/>
+      </p:ext>
+    </p:extLst>
+  </p:cSld>
+  <p:clrMapOvr>
+    <a:masterClrMapping/>
+  </p:clrMapOvr>
+</p:sld>
+</file>
+
+<file path=ppt/slides/slide11.xml><?xml version="1.0" encoding="utf-8"?>
+<p:sld xmlns:a="http://schemas.openxmlformats.org/drawingml/2006/main" xmlns:r="http://schemas.openxmlformats.org/officeDocument/2006/relationships" xmlns:p="http://schemas.openxmlformats.org/presentationml/2006/main">
+  <p:cSld>
+    <p:spTree>
+      <p:nvGrpSpPr>
+        <p:cNvPr id="1" name=""/>
+        <p:cNvGrpSpPr/>
+        <p:nvPr/>
+      </p:nvGrpSpPr>
+      <p:grpSpPr>
+        <a:xfrm>
+          <a:off x="0" y="0"/>
+          <a:ext cx="0" cy="0"/>
+          <a:chOff x="0" y="0"/>
+          <a:chExt cx="0" cy="0"/>
+        </a:xfrm>
+      </p:grpSpPr>
+      <p:sp>
+        <p:nvSpPr>
+          <p:cNvPr id="829442" name="Rectangle 2"/>
+          <p:cNvSpPr>
+            <a:spLocks noGrp="1" noChangeArrowheads="1"/>
+          </p:cNvSpPr>
+          <p:nvPr>
+            <p:ph type="title"/>
+          </p:nvPr>
+        </p:nvSpPr>
+        <p:spPr>
+          <a:xfrm>
+            <a:off x="0" y="0"/>
+            <a:ext cx="8001000" cy="1417638"/>
+          </a:xfrm>
+        </p:spPr>
+        <p:txBody>
+          <a:bodyPr/>
+          <a:lstStyle/>
+          <a:p>
+            <a:r>
+              <a:rPr lang="en-US" altLang="en-US" dirty="0" smtClean="0"/>
+              <a:t>In-order </a:t>
+            </a:r>
+            <a:r>
+              <a:rPr lang="en-US" altLang="en-US" dirty="0"/>
+              <a:t>traversal</a:t>
+            </a:r>
+          </a:p>
+        </p:txBody>
+      </p:sp>
+      <p:sp>
+        <p:nvSpPr>
+          <p:cNvPr id="829443" name="Rectangle 3"/>
+          <p:cNvSpPr>
+            <a:spLocks noGrp="1" noChangeArrowheads="1"/>
+          </p:cNvSpPr>
+          <p:nvPr>
+            <p:ph type="body" idx="1"/>
+          </p:nvPr>
+        </p:nvSpPr>
+        <p:spPr>
+          <a:xfrm>
+            <a:off x="0" y="1600200"/>
+            <a:ext cx="9144000" cy="5257800"/>
+          </a:xfrm>
+        </p:spPr>
+        <p:txBody>
+          <a:bodyPr/>
+          <a:lstStyle/>
+          <a:p>
+            <a:r>
+              <a:rPr lang="en-US" altLang="en-US" dirty="0"/>
+              <a:t>In an </a:t>
+            </a:r>
+            <a:r>
+              <a:rPr lang="en-US" altLang="en-US" dirty="0" smtClean="0"/>
+              <a:t>in-order </a:t>
+            </a:r>
+            <a:r>
+              <a:rPr lang="en-US" altLang="en-US" dirty="0"/>
+              <a:t>traversal</a:t>
+            </a:r>
+          </a:p>
+          <a:p>
+            <a:pPr lvl="1"/>
+            <a:r>
+              <a:rPr lang="en-US" altLang="en-US" dirty="0"/>
+              <a:t> a node is visited after its left subtree </a:t>
+            </a:r>
+          </a:p>
+          <a:p>
+            <a:pPr lvl="1"/>
+            <a:endParaRPr lang="en-US" altLang="en-US" dirty="0"/>
+          </a:p>
+          <a:p>
+            <a:pPr lvl="1"/>
+            <a:r>
+              <a:rPr lang="en-US" altLang="en-US" dirty="0"/>
+              <a:t>And before its right subtree</a:t>
+            </a:r>
+          </a:p>
+        </p:txBody>
+      </p:sp>
+      <p:sp>
+        <p:nvSpPr>
+          <p:cNvPr id="829444" name="Text Box 4"/>
+          <p:cNvSpPr txBox="1">
+            <a:spLocks noChangeArrowheads="1"/>
+          </p:cNvSpPr>
+          <p:nvPr/>
+        </p:nvSpPr>
+        <p:spPr bwMode="auto">
+          <a:xfrm>
+            <a:off x="1828800" y="3733800"/>
+            <a:ext cx="4953000" cy="2840038"/>
+          </a:xfrm>
+          <a:prstGeom prst="rect">
+            <a:avLst/>
+          </a:prstGeom>
+          <a:noFill/>
+          <a:ln w="9525">
+            <a:solidFill>
+              <a:srgbClr val="000000"/>
+            </a:solidFill>
+            <a:miter lim="800000"/>
+            <a:headEnd/>
+            <a:tailEnd/>
+          </a:ln>
+          <a:effectLst/>
+          <a:extLst>
+            <a:ext uri="{909E8E84-426E-40DD-AFC4-6F175D3DCCD1}">
+              <a14:hiddenFill xmlns:a14="http://schemas.microsoft.com/office/drawing/2010/main">
+                <a:solidFill>
+                  <a:schemeClr val="accent1"/>
+                </a:solidFill>
+              </a14:hiddenFill>
+            </a:ext>
+            <a:ext uri="{AF507438-7753-43E0-B8FC-AC1667EBCBE1}">
+              <a14:hiddenEffects xmlns:a14="http://schemas.microsoft.com/office/drawing/2010/main">
+                <a:effectLst>
+                  <a:outerShdw dist="35921" dir="2700000" algn="ctr" rotWithShape="0">
+                    <a:schemeClr val="bg2"/>
+                  </a:outerShdw>
+                </a:effectLst>
+              </a14:hiddenEffects>
+            </a:ext>
+          </a:extLst>
+        </p:spPr>
+        <p:txBody>
+          <a:bodyPr>
+            <a:spAutoFit/>
+          </a:bodyPr>
+          <a:lstStyle/>
+          <a:p>
+            <a:pPr>
+              <a:lnSpc>
+                <a:spcPct val="90000"/>
+              </a:lnSpc>
+              <a:spcBef>
+                <a:spcPct val="20000"/>
+              </a:spcBef>
+              <a:buClr>
+                <a:schemeClr val="hlink"/>
+              </a:buClr>
+              <a:buSzPct val="110000"/>
+              <a:buFont typeface="Wingdings" panose="05000000000000000000" pitchFamily="2" charset="2"/>
+              <a:buNone/>
+            </a:pPr>
+            <a:r>
+              <a:rPr lang="en-US" altLang="en-US" sz="2400" b="1">
+                <a:solidFill>
+                  <a:srgbClr val="000000"/>
+                </a:solidFill>
+                <a:latin typeface="Times New Roman" panose="02020603050405020304" pitchFamily="18" charset="0"/>
+              </a:rPr>
+              <a:t>Algorithm</a:t>
+            </a:r>
+            <a:r>
+              <a:rPr lang="en-US" altLang="en-US" sz="2400">
+                <a:latin typeface="Times New Roman" panose="02020603050405020304" pitchFamily="18" charset="0"/>
+              </a:rPr>
+              <a:t> </a:t>
+            </a:r>
+            <a:r>
+              <a:rPr lang="en-US" altLang="en-US" sz="2400" b="1" i="1">
+                <a:solidFill>
+                  <a:schemeClr val="tx2"/>
+                </a:solidFill>
+                <a:latin typeface="Times New Roman" panose="02020603050405020304" pitchFamily="18" charset="0"/>
+              </a:rPr>
+              <a:t>InOrder</a:t>
+            </a:r>
+            <a:r>
+              <a:rPr lang="en-US" altLang="en-US" sz="2400">
+                <a:solidFill>
+                  <a:schemeClr val="tx2"/>
+                </a:solidFill>
+                <a:latin typeface="Times New Roman" panose="02020603050405020304" pitchFamily="18" charset="0"/>
+              </a:rPr>
+              <a:t>(</a:t>
+            </a:r>
+            <a:r>
+              <a:rPr lang="en-US" altLang="en-US" sz="2400" b="1" i="1">
+                <a:solidFill>
+                  <a:schemeClr val="tx2"/>
+                </a:solidFill>
+                <a:latin typeface="Times New Roman" panose="02020603050405020304" pitchFamily="18" charset="0"/>
+              </a:rPr>
+              <a:t>T,v</a:t>
+            </a:r>
+            <a:r>
+              <a:rPr lang="en-US" altLang="en-US" sz="2400">
+                <a:solidFill>
+                  <a:schemeClr val="tx2"/>
+                </a:solidFill>
+                <a:latin typeface="Times New Roman" panose="02020603050405020304" pitchFamily="18" charset="0"/>
+              </a:rPr>
+              <a:t>)</a:t>
+            </a:r>
+          </a:p>
+          <a:p>
+            <a:pPr lvl="1">
+              <a:lnSpc>
+                <a:spcPct val="90000"/>
+              </a:lnSpc>
+              <a:spcBef>
+                <a:spcPct val="20000"/>
+              </a:spcBef>
+              <a:buClr>
+                <a:schemeClr val="hlink"/>
+              </a:buClr>
+              <a:buSzPct val="110000"/>
+              <a:buFont typeface="Wingdings" panose="05000000000000000000" pitchFamily="2" charset="2"/>
+              <a:buNone/>
+            </a:pPr>
+            <a:r>
+              <a:rPr lang="en-US" altLang="en-US" sz="2400" b="1">
+                <a:solidFill>
+                  <a:srgbClr val="000000"/>
+                </a:solidFill>
+                <a:latin typeface="Times New Roman" panose="02020603050405020304" pitchFamily="18" charset="0"/>
+              </a:rPr>
+              <a:t>if</a:t>
+            </a:r>
+            <a:r>
+              <a:rPr lang="en-US" altLang="en-US" sz="2400">
+                <a:latin typeface="Times New Roman" panose="02020603050405020304" pitchFamily="18" charset="0"/>
+              </a:rPr>
+              <a:t> </a:t>
+            </a:r>
+            <a:r>
+              <a:rPr lang="en-US" altLang="en-US" sz="2400" i="1">
+                <a:solidFill>
+                  <a:schemeClr val="accent2"/>
+                </a:solidFill>
+                <a:latin typeface="Times New Roman" panose="02020603050405020304" pitchFamily="18" charset="0"/>
+              </a:rPr>
+              <a:t>T.hasLeft(v)</a:t>
+            </a:r>
+            <a:endParaRPr lang="en-US" altLang="en-US" sz="2400" b="1" i="1">
+              <a:solidFill>
+                <a:schemeClr val="accent2"/>
+              </a:solidFill>
+              <a:latin typeface="Times New Roman" panose="02020603050405020304" pitchFamily="18" charset="0"/>
+            </a:endParaRPr>
+          </a:p>
+          <a:p>
+            <a:pPr lvl="1">
+              <a:lnSpc>
+                <a:spcPct val="90000"/>
+              </a:lnSpc>
+              <a:spcBef>
+                <a:spcPct val="20000"/>
+              </a:spcBef>
+              <a:buClr>
+                <a:schemeClr val="tx1"/>
+              </a:buClr>
+              <a:buSzPct val="60000"/>
+              <a:buFont typeface="Wingdings" panose="05000000000000000000" pitchFamily="2" charset="2"/>
+              <a:buNone/>
+            </a:pPr>
+            <a:r>
+              <a:rPr lang="en-US" altLang="en-US" sz="2400" b="1" i="1">
+                <a:solidFill>
+                  <a:schemeClr val="accent2"/>
+                </a:solidFill>
+                <a:latin typeface="Times New Roman" panose="02020603050405020304" pitchFamily="18" charset="0"/>
+              </a:rPr>
+              <a:t>	InOrder</a:t>
+            </a:r>
+            <a:r>
+              <a:rPr lang="en-US" altLang="en-US" sz="2400">
+                <a:solidFill>
+                  <a:schemeClr val="accent2"/>
+                </a:solidFill>
+                <a:latin typeface="Times New Roman" panose="02020603050405020304" pitchFamily="18" charset="0"/>
+              </a:rPr>
+              <a:t>(</a:t>
+            </a:r>
+            <a:r>
+              <a:rPr lang="en-US" altLang="en-US" sz="2400" b="1" i="1">
+                <a:solidFill>
+                  <a:schemeClr val="accent2"/>
+                </a:solidFill>
+                <a:latin typeface="Times New Roman" panose="02020603050405020304" pitchFamily="18" charset="0"/>
+              </a:rPr>
+              <a:t>T,T.left(v)</a:t>
+            </a:r>
+            <a:r>
+              <a:rPr lang="en-US" altLang="en-US" sz="2400">
+                <a:solidFill>
+                  <a:schemeClr val="accent2"/>
+                </a:solidFill>
+                <a:latin typeface="Times New Roman" panose="02020603050405020304" pitchFamily="18" charset="0"/>
+              </a:rPr>
+              <a:t>)</a:t>
+            </a:r>
+            <a:endParaRPr lang="en-US" altLang="en-US" sz="2400">
+              <a:latin typeface="Times New Roman" panose="02020603050405020304" pitchFamily="18" charset="0"/>
+            </a:endParaRPr>
+          </a:p>
+          <a:p>
+            <a:pPr lvl="1">
+              <a:lnSpc>
+                <a:spcPct val="90000"/>
+              </a:lnSpc>
+              <a:spcBef>
+                <a:spcPct val="20000"/>
+              </a:spcBef>
+              <a:buClr>
+                <a:schemeClr val="tx1"/>
+              </a:buClr>
+              <a:buSzPct val="60000"/>
+              <a:buFont typeface="Wingdings" panose="05000000000000000000" pitchFamily="2" charset="2"/>
+              <a:buNone/>
+            </a:pPr>
+            <a:r>
+              <a:rPr lang="en-US" altLang="en-US" sz="2400" b="1" i="1">
+                <a:solidFill>
+                  <a:schemeClr val="accent2"/>
+                </a:solidFill>
+                <a:latin typeface="Times New Roman" panose="02020603050405020304" pitchFamily="18" charset="0"/>
+              </a:rPr>
+              <a:t>visit</a:t>
+            </a:r>
+            <a:r>
+              <a:rPr lang="en-US" altLang="en-US" sz="2400">
+                <a:solidFill>
+                  <a:schemeClr val="accent2"/>
+                </a:solidFill>
+                <a:latin typeface="Times New Roman" panose="02020603050405020304" pitchFamily="18" charset="0"/>
+              </a:rPr>
+              <a:t>(</a:t>
+            </a:r>
+            <a:r>
+              <a:rPr lang="en-US" altLang="en-US" sz="2400" b="1" i="1">
+                <a:solidFill>
+                  <a:schemeClr val="accent2"/>
+                </a:solidFill>
+                <a:latin typeface="Times New Roman" panose="02020603050405020304" pitchFamily="18" charset="0"/>
+              </a:rPr>
+              <a:t>v</a:t>
+            </a:r>
+            <a:r>
+              <a:rPr lang="en-US" altLang="en-US" sz="2400">
+                <a:solidFill>
+                  <a:schemeClr val="accent2"/>
+                </a:solidFill>
+                <a:latin typeface="Times New Roman" panose="02020603050405020304" pitchFamily="18" charset="0"/>
+              </a:rPr>
+              <a:t>)</a:t>
+            </a:r>
+          </a:p>
+          <a:p>
+            <a:pPr lvl="1">
+              <a:lnSpc>
+                <a:spcPct val="90000"/>
+              </a:lnSpc>
+              <a:spcBef>
+                <a:spcPct val="20000"/>
+              </a:spcBef>
+              <a:buClr>
+                <a:schemeClr val="hlink"/>
+              </a:buClr>
+              <a:buSzPct val="110000"/>
+              <a:buFont typeface="Wingdings" panose="05000000000000000000" pitchFamily="2" charset="2"/>
+              <a:buNone/>
+            </a:pPr>
+            <a:r>
+              <a:rPr lang="en-US" altLang="en-US" sz="2400" b="1">
+                <a:solidFill>
+                  <a:srgbClr val="000000"/>
+                </a:solidFill>
+                <a:latin typeface="Times New Roman" panose="02020603050405020304" pitchFamily="18" charset="0"/>
+              </a:rPr>
+              <a:t>if</a:t>
+            </a:r>
+            <a:r>
+              <a:rPr lang="en-US" altLang="en-US" sz="2400">
+                <a:latin typeface="Times New Roman" panose="02020603050405020304" pitchFamily="18" charset="0"/>
+              </a:rPr>
+              <a:t> </a:t>
+            </a:r>
+            <a:r>
+              <a:rPr lang="en-US" altLang="en-US" sz="2400" i="1">
+                <a:solidFill>
+                  <a:schemeClr val="accent2"/>
+                </a:solidFill>
+                <a:latin typeface="Times New Roman" panose="02020603050405020304" pitchFamily="18" charset="0"/>
+              </a:rPr>
+              <a:t>T.hasRight(v) </a:t>
+            </a:r>
+            <a:endParaRPr lang="en-US" altLang="en-US" sz="2400" b="1" i="1">
+              <a:solidFill>
+                <a:schemeClr val="accent2"/>
+              </a:solidFill>
+              <a:latin typeface="Times New Roman" panose="02020603050405020304" pitchFamily="18" charset="0"/>
+            </a:endParaRPr>
+          </a:p>
+          <a:p>
+            <a:pPr lvl="1">
+              <a:lnSpc>
+                <a:spcPct val="90000"/>
+              </a:lnSpc>
+              <a:spcBef>
+                <a:spcPct val="20000"/>
+              </a:spcBef>
+              <a:buClr>
+                <a:schemeClr val="tx1"/>
+              </a:buClr>
+              <a:buSzPct val="60000"/>
+              <a:buFont typeface="Wingdings" panose="05000000000000000000" pitchFamily="2" charset="2"/>
+              <a:buNone/>
+            </a:pPr>
+            <a:r>
+              <a:rPr lang="en-US" altLang="en-US" sz="2400">
+                <a:solidFill>
+                  <a:schemeClr val="accent2"/>
+                </a:solidFill>
+                <a:latin typeface="Times New Roman" panose="02020603050405020304" pitchFamily="18" charset="0"/>
+              </a:rPr>
+              <a:t>	</a:t>
+            </a:r>
+            <a:r>
+              <a:rPr lang="en-US" altLang="en-US" sz="2400" b="1" i="1">
+                <a:solidFill>
+                  <a:schemeClr val="accent2"/>
+                </a:solidFill>
+                <a:latin typeface="Times New Roman" panose="02020603050405020304" pitchFamily="18" charset="0"/>
+              </a:rPr>
+              <a:t>InOrder</a:t>
+            </a:r>
+            <a:r>
+              <a:rPr lang="en-US" altLang="en-US" sz="2400">
+                <a:solidFill>
+                  <a:schemeClr val="accent2"/>
+                </a:solidFill>
+                <a:latin typeface="Times New Roman" panose="02020603050405020304" pitchFamily="18" charset="0"/>
+              </a:rPr>
+              <a:t>(</a:t>
+            </a:r>
+            <a:r>
+              <a:rPr lang="en-US" altLang="en-US" sz="2400" b="1" i="1">
+                <a:solidFill>
+                  <a:schemeClr val="accent2"/>
+                </a:solidFill>
+                <a:latin typeface="Times New Roman" panose="02020603050405020304" pitchFamily="18" charset="0"/>
+              </a:rPr>
+              <a:t>T,T.right(v)</a:t>
+            </a:r>
+            <a:r>
+              <a:rPr lang="en-US" altLang="en-US" sz="2400">
+                <a:solidFill>
+                  <a:schemeClr val="accent2"/>
+                </a:solidFill>
+                <a:latin typeface="Times New Roman" panose="02020603050405020304" pitchFamily="18" charset="0"/>
+              </a:rPr>
+              <a:t>)</a:t>
+            </a:r>
+            <a:endParaRPr lang="en-US" altLang="en-US" sz="2400">
+              <a:latin typeface="Times New Roman" panose="02020603050405020304" pitchFamily="18" charset="0"/>
+            </a:endParaRPr>
+          </a:p>
+          <a:p>
+            <a:pPr lvl="1">
+              <a:lnSpc>
+                <a:spcPct val="90000"/>
+              </a:lnSpc>
+              <a:spcBef>
+                <a:spcPct val="20000"/>
+              </a:spcBef>
+              <a:buClr>
+                <a:schemeClr val="tx1"/>
+              </a:buClr>
+              <a:buSzPct val="60000"/>
+              <a:buFont typeface="Wingdings" panose="05000000000000000000" pitchFamily="2" charset="2"/>
+              <a:buNone/>
+            </a:pPr>
+            <a:endParaRPr lang="en-US" altLang="en-US" sz="2400">
+              <a:solidFill>
+                <a:schemeClr val="accent2"/>
+              </a:solidFill>
+              <a:latin typeface="Times New Roman" panose="02020603050405020304" pitchFamily="18" charset="0"/>
+            </a:endParaRPr>
+          </a:p>
+        </p:txBody>
+      </p:sp>
+    </p:spTree>
+    <p:extLst>
+      <p:ext uri="{BB962C8B-B14F-4D97-AF65-F5344CB8AC3E}">
+        <p14:creationId xmlns:p14="http://schemas.microsoft.com/office/powerpoint/2010/main" val="325992746"/>
+      </p:ext>
+    </p:extLst>
+  </p:cSld>
+  <p:clrMapOvr>
+    <a:masterClrMapping/>
+  </p:clrMapOvr>
+</p:sld>
+</file>
+
+<file path=ppt/slides/slide12.xml><?xml version="1.0" encoding="utf-8"?>
+<p:sld xmlns:a="http://schemas.openxmlformats.org/drawingml/2006/main" xmlns:r="http://schemas.openxmlformats.org/officeDocument/2006/relationships" xmlns:p="http://schemas.openxmlformats.org/presentationml/2006/main">
+  <p:cSld>
+    <p:spTree>
+      <p:nvGrpSpPr>
+        <p:cNvPr id="1" name=""/>
+        <p:cNvGrpSpPr/>
+        <p:nvPr/>
+      </p:nvGrpSpPr>
+      <p:grpSpPr>
+        <a:xfrm>
+          <a:off x="0" y="0"/>
+          <a:ext cx="0" cy="0"/>
+          <a:chOff x="0" y="0"/>
+          <a:chExt cx="0" cy="0"/>
+        </a:xfrm>
+      </p:grpSpPr>
+      <p:sp>
+        <p:nvSpPr>
+          <p:cNvPr id="874498" name="Rectangle 2"/>
+          <p:cNvSpPr>
+            <a:spLocks noGrp="1" noChangeArrowheads="1"/>
+          </p:cNvSpPr>
+          <p:nvPr>
+            <p:ph type="title"/>
+          </p:nvPr>
+        </p:nvSpPr>
+        <p:spPr>
+          <a:xfrm>
+            <a:off x="0" y="0"/>
+            <a:ext cx="8001000" cy="1417638"/>
+          </a:xfrm>
+        </p:spPr>
+        <p:txBody>
+          <a:bodyPr/>
+          <a:lstStyle/>
+          <a:p>
+            <a:r>
+              <a:rPr lang="en-US" altLang="en-US" dirty="0" smtClean="0"/>
+              <a:t>Full binary tree</a:t>
+            </a:r>
+            <a:endParaRPr lang="en-US" altLang="en-US" dirty="0"/>
+          </a:p>
+        </p:txBody>
+      </p:sp>
+      <p:sp>
+        <p:nvSpPr>
+          <p:cNvPr id="874499" name="Rectangle 3"/>
+          <p:cNvSpPr>
+            <a:spLocks noGrp="1" noChangeArrowheads="1"/>
+          </p:cNvSpPr>
+          <p:nvPr>
+            <p:ph type="body" idx="1"/>
+          </p:nvPr>
+        </p:nvSpPr>
+        <p:spPr>
+          <a:xfrm>
+            <a:off x="0" y="1447800"/>
+            <a:ext cx="8686800" cy="5138738"/>
+          </a:xfrm>
+        </p:spPr>
+        <p:txBody>
+          <a:bodyPr/>
+          <a:lstStyle/>
+          <a:p>
+            <a:r>
+              <a:rPr lang="en-US" altLang="en-US" dirty="0"/>
+              <a:t>Full binary tree of height k</a:t>
+            </a:r>
+          </a:p>
+          <a:p>
+            <a:pPr lvl="1"/>
+            <a:r>
+              <a:rPr lang="en-US" altLang="en-US" dirty="0"/>
+              <a:t>Binary tree of depth k having 2</a:t>
+            </a:r>
+            <a:r>
+              <a:rPr lang="en-US" altLang="en-US" baseline="30000" dirty="0"/>
+              <a:t>k+1 </a:t>
+            </a:r>
+            <a:r>
+              <a:rPr lang="en-US" altLang="en-US" dirty="0"/>
+              <a:t>-1 nodes</a:t>
+            </a:r>
+          </a:p>
+          <a:p>
+            <a:pPr lvl="1"/>
+            <a:endParaRPr lang="en-US" altLang="en-US" dirty="0"/>
+          </a:p>
+          <a:p>
+            <a:pPr lvl="1"/>
+            <a:r>
+              <a:rPr lang="en-US" altLang="en-US" dirty="0"/>
+              <a:t>Only nodes at depth k are leaves</a:t>
+            </a:r>
+          </a:p>
+          <a:p>
+            <a:pPr lvl="2"/>
+            <a:r>
+              <a:rPr lang="en-US" altLang="en-US" dirty="0"/>
+              <a:t>and all the internal nodes have two children</a:t>
+            </a:r>
+          </a:p>
+          <a:p>
+            <a:pPr lvl="2"/>
+            <a:endParaRPr lang="en-US" altLang="en-US" dirty="0"/>
+          </a:p>
+          <a:p>
+            <a:pPr lvl="1"/>
+            <a:r>
+              <a:rPr lang="en-US" altLang="en-US" dirty="0"/>
+              <a:t>You can number nodes in the tree</a:t>
+            </a:r>
+          </a:p>
+          <a:p>
+            <a:pPr lvl="2"/>
+            <a:r>
+              <a:rPr lang="en-US" altLang="en-US" dirty="0"/>
+              <a:t>Root 1</a:t>
+            </a:r>
+          </a:p>
+          <a:p>
+            <a:pPr lvl="2"/>
+            <a:r>
+              <a:rPr lang="en-US" altLang="en-US" dirty="0"/>
+              <a:t>Nodes at any level are numbered from left to right</a:t>
+            </a:r>
+          </a:p>
+          <a:p>
+            <a:pPr lvl="2"/>
+            <a:r>
+              <a:rPr lang="en-US" altLang="en-US" dirty="0"/>
+              <a:t>Parent of node </a:t>
+            </a:r>
+            <a:r>
+              <a:rPr lang="en-US" altLang="en-US" i="1" dirty="0" err="1"/>
+              <a:t>i</a:t>
+            </a:r>
+            <a:r>
+              <a:rPr lang="en-US" altLang="en-US" dirty="0"/>
+              <a:t> is numbered </a:t>
+            </a:r>
+            <a:r>
+              <a:rPr lang="en-US" altLang="en-US" i="1" dirty="0"/>
+              <a:t>floor(</a:t>
+            </a:r>
+            <a:r>
+              <a:rPr lang="en-US" altLang="en-US" i="1" dirty="0" err="1"/>
+              <a:t>i</a:t>
+            </a:r>
+            <a:r>
+              <a:rPr lang="en-US" altLang="en-US" i="1" dirty="0"/>
+              <a:t>/2)</a:t>
+            </a:r>
+            <a:endParaRPr lang="en-US" altLang="en-US" dirty="0"/>
+          </a:p>
+          <a:p>
+            <a:pPr lvl="2"/>
+            <a:r>
+              <a:rPr lang="en-US" altLang="en-US" dirty="0"/>
+              <a:t>Left child of </a:t>
+            </a:r>
+            <a:r>
+              <a:rPr lang="en-US" altLang="en-US" i="1" dirty="0" err="1"/>
+              <a:t>i</a:t>
+            </a:r>
+            <a:r>
+              <a:rPr lang="en-US" altLang="en-US" dirty="0"/>
+              <a:t> is numbered </a:t>
+            </a:r>
+            <a:r>
+              <a:rPr lang="en-US" altLang="en-US" i="1" dirty="0"/>
+              <a:t>2i</a:t>
+            </a:r>
+          </a:p>
+          <a:p>
+            <a:pPr lvl="2"/>
+            <a:r>
+              <a:rPr lang="en-US" altLang="en-US" dirty="0"/>
+              <a:t>Right child of </a:t>
+            </a:r>
+            <a:r>
+              <a:rPr lang="en-US" altLang="en-US" i="1" dirty="0" err="1"/>
+              <a:t>i</a:t>
+            </a:r>
+            <a:r>
+              <a:rPr lang="en-US" altLang="en-US" i="1" dirty="0"/>
+              <a:t> </a:t>
+            </a:r>
+            <a:r>
+              <a:rPr lang="en-US" altLang="en-US" dirty="0"/>
+              <a:t>is numbered </a:t>
+            </a:r>
+            <a:r>
+              <a:rPr lang="en-US" altLang="en-US" i="1" dirty="0"/>
+              <a:t>2i+1</a:t>
+            </a:r>
+            <a:r>
+              <a:rPr lang="en-US" altLang="en-US" dirty="0"/>
+              <a:t> </a:t>
+            </a:r>
+          </a:p>
+          <a:p>
+            <a:pPr lvl="2"/>
+            <a:endParaRPr lang="en-US" altLang="en-US" dirty="0"/>
+          </a:p>
+        </p:txBody>
+      </p:sp>
+      <p:sp>
+        <p:nvSpPr>
+          <p:cNvPr id="874500" name="Oval 4"/>
+          <p:cNvSpPr>
+            <a:spLocks noChangeArrowheads="1"/>
+          </p:cNvSpPr>
+          <p:nvPr/>
+        </p:nvSpPr>
+        <p:spPr bwMode="auto">
+          <a:xfrm>
+            <a:off x="7239000" y="4800600"/>
+            <a:ext cx="457200" cy="381000"/>
+          </a:xfrm>
+          <a:prstGeom prst="ellipse">
+            <a:avLst/>
+          </a:prstGeom>
+          <a:solidFill>
+            <a:schemeClr val="accent1"/>
+          </a:solidFill>
+          <a:ln w="9525">
+            <a:solidFill>
+              <a:schemeClr val="tx1"/>
+            </a:solidFill>
+            <a:round/>
+            <a:headEnd/>
+            <a:tailEnd/>
+          </a:ln>
+          <a:effectLst/>
+          <a:extLst>
+            <a:ext uri="{AF507438-7753-43E0-B8FC-AC1667EBCBE1}">
+              <a14:hiddenEffects xmlns:a14="http://schemas.microsoft.com/office/drawing/2010/main">
+                <a:effectLst>
+                  <a:outerShdw dist="35921" dir="2700000" algn="ctr" rotWithShape="0">
+                    <a:schemeClr val="bg2"/>
+                  </a:outerShdw>
+                </a:effectLst>
+              </a14:hiddenEffects>
+            </a:ext>
+          </a:extLst>
+        </p:spPr>
+        <p:txBody>
+          <a:bodyPr wrap="none" anchor="ctr"/>
+          <a:lstStyle/>
+          <a:p>
+            <a:pPr algn="ctr"/>
+            <a:r>
+              <a:rPr lang="en-US" altLang="en-US" b="1"/>
+              <a:t>1</a:t>
+            </a:r>
+          </a:p>
+        </p:txBody>
+      </p:sp>
+      <p:sp>
+        <p:nvSpPr>
+          <p:cNvPr id="874501" name="Oval 5"/>
+          <p:cNvSpPr>
+            <a:spLocks noChangeArrowheads="1"/>
+          </p:cNvSpPr>
+          <p:nvPr/>
+        </p:nvSpPr>
+        <p:spPr bwMode="auto">
+          <a:xfrm>
+            <a:off x="6324600" y="5562600"/>
+            <a:ext cx="457200" cy="381000"/>
+          </a:xfrm>
+          <a:prstGeom prst="ellipse">
+            <a:avLst/>
+          </a:prstGeom>
+          <a:solidFill>
+            <a:schemeClr val="accent1"/>
+          </a:solidFill>
+          <a:ln w="9525">
+            <a:solidFill>
+              <a:schemeClr val="tx1"/>
+            </a:solidFill>
+            <a:round/>
+            <a:headEnd/>
+            <a:tailEnd/>
+          </a:ln>
+          <a:effectLst/>
+          <a:extLst>
+            <a:ext uri="{AF507438-7753-43E0-B8FC-AC1667EBCBE1}">
+              <a14:hiddenEffects xmlns:a14="http://schemas.microsoft.com/office/drawing/2010/main">
+                <a:effectLst>
+                  <a:outerShdw dist="35921" dir="2700000" algn="ctr" rotWithShape="0">
+                    <a:schemeClr val="bg2"/>
+                  </a:outerShdw>
+                </a:effectLst>
+              </a14:hiddenEffects>
+            </a:ext>
+          </a:extLst>
+        </p:spPr>
+        <p:txBody>
+          <a:bodyPr wrap="none" anchor="ctr"/>
+          <a:lstStyle/>
+          <a:p>
+            <a:pPr algn="ctr"/>
+            <a:r>
+              <a:rPr lang="en-US" altLang="en-US" b="1"/>
+              <a:t>2</a:t>
+            </a:r>
+          </a:p>
+        </p:txBody>
+      </p:sp>
+      <p:sp>
+        <p:nvSpPr>
+          <p:cNvPr id="874502" name="Oval 6"/>
+          <p:cNvSpPr>
+            <a:spLocks noChangeArrowheads="1"/>
+          </p:cNvSpPr>
+          <p:nvPr/>
+        </p:nvSpPr>
+        <p:spPr bwMode="auto">
+          <a:xfrm>
+            <a:off x="7924800" y="5562600"/>
+            <a:ext cx="457200" cy="381000"/>
+          </a:xfrm>
+          <a:prstGeom prst="ellipse">
+            <a:avLst/>
+          </a:prstGeom>
+          <a:solidFill>
+            <a:schemeClr val="accent1"/>
+          </a:solidFill>
+          <a:ln w="9525">
+            <a:solidFill>
+              <a:schemeClr val="tx1"/>
+            </a:solidFill>
+            <a:round/>
+            <a:headEnd/>
+            <a:tailEnd/>
+          </a:ln>
+          <a:effectLst/>
+          <a:extLst>
+            <a:ext uri="{AF507438-7753-43E0-B8FC-AC1667EBCBE1}">
+              <a14:hiddenEffects xmlns:a14="http://schemas.microsoft.com/office/drawing/2010/main">
+                <a:effectLst>
+                  <a:outerShdw dist="35921" dir="2700000" algn="ctr" rotWithShape="0">
+                    <a:schemeClr val="bg2"/>
+                  </a:outerShdw>
+                </a:effectLst>
+              </a14:hiddenEffects>
+            </a:ext>
+          </a:extLst>
+        </p:spPr>
+        <p:txBody>
+          <a:bodyPr wrap="none" anchor="ctr"/>
+          <a:lstStyle/>
+          <a:p>
+            <a:pPr algn="ctr"/>
+            <a:r>
+              <a:rPr lang="en-US" altLang="en-US" b="1"/>
+              <a:t>3</a:t>
+            </a:r>
+          </a:p>
+        </p:txBody>
+      </p:sp>
+      <p:sp>
+        <p:nvSpPr>
+          <p:cNvPr id="874503" name="Oval 7"/>
+          <p:cNvSpPr>
+            <a:spLocks noChangeArrowheads="1"/>
+          </p:cNvSpPr>
+          <p:nvPr/>
+        </p:nvSpPr>
+        <p:spPr bwMode="auto">
+          <a:xfrm>
+            <a:off x="5638800" y="6248400"/>
+            <a:ext cx="457200" cy="381000"/>
+          </a:xfrm>
+          <a:prstGeom prst="ellipse">
+            <a:avLst/>
+          </a:prstGeom>
+          <a:solidFill>
+            <a:schemeClr val="accent1"/>
+          </a:solidFill>
+          <a:ln w="9525">
+            <a:solidFill>
+              <a:schemeClr val="tx1"/>
+            </a:solidFill>
+            <a:round/>
+            <a:headEnd/>
+            <a:tailEnd/>
+          </a:ln>
+          <a:effectLst/>
+          <a:extLst>
+            <a:ext uri="{AF507438-7753-43E0-B8FC-AC1667EBCBE1}">
+              <a14:hiddenEffects xmlns:a14="http://schemas.microsoft.com/office/drawing/2010/main">
+                <a:effectLst>
+                  <a:outerShdw dist="35921" dir="2700000" algn="ctr" rotWithShape="0">
+                    <a:schemeClr val="bg2"/>
+                  </a:outerShdw>
+                </a:effectLst>
+              </a14:hiddenEffects>
+            </a:ext>
+          </a:extLst>
+        </p:spPr>
+        <p:txBody>
+          <a:bodyPr wrap="none" anchor="ctr"/>
+          <a:lstStyle/>
+          <a:p>
+            <a:pPr algn="ctr"/>
+            <a:r>
+              <a:rPr lang="en-US" altLang="en-US" b="1"/>
+              <a:t>4</a:t>
+            </a:r>
+          </a:p>
+        </p:txBody>
+      </p:sp>
+      <p:sp>
+        <p:nvSpPr>
+          <p:cNvPr id="874504" name="Oval 8"/>
+          <p:cNvSpPr>
+            <a:spLocks noChangeArrowheads="1"/>
+          </p:cNvSpPr>
+          <p:nvPr/>
+        </p:nvSpPr>
+        <p:spPr bwMode="auto">
+          <a:xfrm>
+            <a:off x="6705600" y="6248400"/>
+            <a:ext cx="457200" cy="381000"/>
+          </a:xfrm>
+          <a:prstGeom prst="ellipse">
+            <a:avLst/>
+          </a:prstGeom>
+          <a:solidFill>
+            <a:schemeClr val="accent1"/>
+          </a:solidFill>
+          <a:ln w="9525">
+            <a:solidFill>
+              <a:schemeClr val="tx1"/>
+            </a:solidFill>
+            <a:round/>
+            <a:headEnd/>
+            <a:tailEnd/>
+          </a:ln>
+          <a:effectLst/>
+          <a:extLst>
+            <a:ext uri="{AF507438-7753-43E0-B8FC-AC1667EBCBE1}">
+              <a14:hiddenEffects xmlns:a14="http://schemas.microsoft.com/office/drawing/2010/main">
+                <a:effectLst>
+                  <a:outerShdw dist="35921" dir="2700000" algn="ctr" rotWithShape="0">
+                    <a:schemeClr val="bg2"/>
+                  </a:outerShdw>
+                </a:effectLst>
+              </a14:hiddenEffects>
+            </a:ext>
+          </a:extLst>
+        </p:spPr>
+        <p:txBody>
+          <a:bodyPr wrap="none" anchor="ctr"/>
+          <a:lstStyle/>
+          <a:p>
+            <a:pPr algn="ctr"/>
+            <a:r>
+              <a:rPr lang="en-US" altLang="en-US" b="1"/>
+              <a:t>5</a:t>
+            </a:r>
+          </a:p>
+        </p:txBody>
+      </p:sp>
+      <p:sp>
+        <p:nvSpPr>
+          <p:cNvPr id="874505" name="Oval 9"/>
+          <p:cNvSpPr>
+            <a:spLocks noChangeArrowheads="1"/>
+          </p:cNvSpPr>
+          <p:nvPr/>
+        </p:nvSpPr>
+        <p:spPr bwMode="auto">
+          <a:xfrm>
+            <a:off x="7239000" y="6248400"/>
+            <a:ext cx="457200" cy="381000"/>
+          </a:xfrm>
+          <a:prstGeom prst="ellipse">
+            <a:avLst/>
+          </a:prstGeom>
+          <a:solidFill>
+            <a:schemeClr val="accent1"/>
+          </a:solidFill>
+          <a:ln w="9525">
+            <a:solidFill>
+              <a:schemeClr val="tx1"/>
+            </a:solidFill>
+            <a:round/>
+            <a:headEnd/>
+            <a:tailEnd/>
+          </a:ln>
+          <a:effectLst/>
+          <a:extLst>
+            <a:ext uri="{AF507438-7753-43E0-B8FC-AC1667EBCBE1}">
+              <a14:hiddenEffects xmlns:a14="http://schemas.microsoft.com/office/drawing/2010/main">
+                <a:effectLst>
+                  <a:outerShdw dist="35921" dir="2700000" algn="ctr" rotWithShape="0">
+                    <a:schemeClr val="bg2"/>
+                  </a:outerShdw>
+                </a:effectLst>
+              </a14:hiddenEffects>
+            </a:ext>
+          </a:extLst>
+        </p:spPr>
+        <p:txBody>
+          <a:bodyPr wrap="none" anchor="ctr"/>
+          <a:lstStyle/>
+          <a:p>
+            <a:pPr algn="ctr"/>
+            <a:r>
+              <a:rPr lang="en-US" altLang="en-US" b="1"/>
+              <a:t>6</a:t>
+            </a:r>
+          </a:p>
+        </p:txBody>
+      </p:sp>
+      <p:sp>
+        <p:nvSpPr>
+          <p:cNvPr id="874506" name="Oval 10"/>
+          <p:cNvSpPr>
+            <a:spLocks noChangeArrowheads="1"/>
+          </p:cNvSpPr>
+          <p:nvPr/>
+        </p:nvSpPr>
+        <p:spPr bwMode="auto">
+          <a:xfrm>
+            <a:off x="8458200" y="6248400"/>
+            <a:ext cx="457200" cy="381000"/>
+          </a:xfrm>
+          <a:prstGeom prst="ellipse">
+            <a:avLst/>
+          </a:prstGeom>
+          <a:solidFill>
+            <a:schemeClr val="accent1"/>
+          </a:solidFill>
+          <a:ln w="9525">
+            <a:solidFill>
+              <a:schemeClr val="tx1"/>
+            </a:solidFill>
+            <a:round/>
+            <a:headEnd/>
+            <a:tailEnd/>
+          </a:ln>
+          <a:effectLst/>
+          <a:extLst>
+            <a:ext uri="{AF507438-7753-43E0-B8FC-AC1667EBCBE1}">
+              <a14:hiddenEffects xmlns:a14="http://schemas.microsoft.com/office/drawing/2010/main">
+                <a:effectLst>
+                  <a:outerShdw dist="35921" dir="2700000" algn="ctr" rotWithShape="0">
+                    <a:schemeClr val="bg2"/>
+                  </a:outerShdw>
+                </a:effectLst>
+              </a14:hiddenEffects>
+            </a:ext>
+          </a:extLst>
+        </p:spPr>
+        <p:txBody>
+          <a:bodyPr wrap="none" anchor="ctr"/>
+          <a:lstStyle/>
+          <a:p>
+            <a:pPr algn="ctr"/>
+            <a:r>
+              <a:rPr lang="en-US" altLang="en-US" b="1" dirty="0"/>
+              <a:t>7</a:t>
+            </a:r>
+          </a:p>
+        </p:txBody>
+      </p:sp>
+      <p:sp>
+        <p:nvSpPr>
+          <p:cNvPr id="874507" name="Line 11"/>
+          <p:cNvSpPr>
+            <a:spLocks noChangeShapeType="1"/>
+          </p:cNvSpPr>
+          <p:nvPr/>
+        </p:nvSpPr>
+        <p:spPr bwMode="auto">
+          <a:xfrm flipV="1">
+            <a:off x="6629400" y="5029200"/>
+            <a:ext cx="609600" cy="533400"/>
+          </a:xfrm>
+          <a:prstGeom prst="line">
+            <a:avLst/>
+          </a:prstGeom>
+          <a:noFill/>
+          <a:ln w="28575">
+            <a:solidFill>
+              <a:schemeClr val="tx1"/>
+            </a:solidFill>
+            <a:round/>
+            <a:headEnd/>
+            <a:tailEnd/>
+          </a:ln>
+          <a:effectLst/>
+          <a:extLst>
+            <a:ext uri="{909E8E84-426E-40DD-AFC4-6F175D3DCCD1}">
+              <a14:hiddenFill xmlns:a14="http://schemas.microsoft.com/office/drawing/2010/main">
+                <a:noFill/>
+              </a14:hiddenFill>
+            </a:ext>
+            <a:ext uri="{AF507438-7753-43E0-B8FC-AC1667EBCBE1}">
+              <a14:hiddenEffects xmlns:a14="http://schemas.microsoft.com/office/drawing/2010/main">
+                <a:effectLst>
+                  <a:outerShdw dist="35921" dir="2700000" algn="ctr" rotWithShape="0">
+                    <a:schemeClr val="bg2"/>
+                  </a:outerShdw>
+                </a:effectLst>
+              </a14:hiddenEffects>
+            </a:ext>
+          </a:extLst>
+        </p:spPr>
+        <p:txBody>
+          <a:bodyPr/>
+          <a:lstStyle/>
+          <a:p>
+            <a:endParaRPr lang="en-US"/>
+          </a:p>
+        </p:txBody>
+      </p:sp>
+      <p:sp>
+        <p:nvSpPr>
+          <p:cNvPr id="874508" name="Line 12"/>
+          <p:cNvSpPr>
+            <a:spLocks noChangeShapeType="1"/>
+          </p:cNvSpPr>
+          <p:nvPr/>
+        </p:nvSpPr>
+        <p:spPr bwMode="auto">
+          <a:xfrm flipH="1" flipV="1">
+            <a:off x="7696200" y="5029200"/>
+            <a:ext cx="457200" cy="533400"/>
+          </a:xfrm>
+          <a:prstGeom prst="line">
+            <a:avLst/>
+          </a:prstGeom>
+          <a:noFill/>
+          <a:ln w="28575">
+            <a:solidFill>
+              <a:schemeClr val="tx1"/>
+            </a:solidFill>
+            <a:round/>
+            <a:headEnd/>
+            <a:tailEnd/>
+          </a:ln>
+          <a:effectLst/>
+          <a:extLst>
+            <a:ext uri="{909E8E84-426E-40DD-AFC4-6F175D3DCCD1}">
+              <a14:hiddenFill xmlns:a14="http://schemas.microsoft.com/office/drawing/2010/main">
+                <a:noFill/>
+              </a14:hiddenFill>
+            </a:ext>
+            <a:ext uri="{AF507438-7753-43E0-B8FC-AC1667EBCBE1}">
+              <a14:hiddenEffects xmlns:a14="http://schemas.microsoft.com/office/drawing/2010/main">
+                <a:effectLst>
+                  <a:outerShdw dist="35921" dir="2700000" algn="ctr" rotWithShape="0">
+                    <a:schemeClr val="bg2"/>
+                  </a:outerShdw>
+                </a:effectLst>
+              </a14:hiddenEffects>
+            </a:ext>
+          </a:extLst>
+        </p:spPr>
+        <p:txBody>
+          <a:bodyPr/>
+          <a:lstStyle/>
+          <a:p>
+            <a:endParaRPr lang="en-US"/>
+          </a:p>
+        </p:txBody>
+      </p:sp>
+      <p:sp>
+        <p:nvSpPr>
+          <p:cNvPr id="874509" name="Line 13"/>
+          <p:cNvSpPr>
+            <a:spLocks noChangeShapeType="1"/>
+          </p:cNvSpPr>
+          <p:nvPr/>
+        </p:nvSpPr>
+        <p:spPr bwMode="auto">
+          <a:xfrm flipV="1">
+            <a:off x="5943600" y="5791200"/>
+            <a:ext cx="381000" cy="457200"/>
+          </a:xfrm>
+          <a:prstGeom prst="line">
+            <a:avLst/>
+          </a:prstGeom>
+          <a:noFill/>
+          <a:ln w="28575">
+            <a:solidFill>
+              <a:schemeClr val="tx1"/>
+            </a:solidFill>
+            <a:round/>
+            <a:headEnd/>
+            <a:tailEnd/>
+          </a:ln>
+          <a:effectLst/>
+          <a:extLst>
+            <a:ext uri="{909E8E84-426E-40DD-AFC4-6F175D3DCCD1}">
+              <a14:hiddenFill xmlns:a14="http://schemas.microsoft.com/office/drawing/2010/main">
+                <a:noFill/>
+              </a14:hiddenFill>
+            </a:ext>
+            <a:ext uri="{AF507438-7753-43E0-B8FC-AC1667EBCBE1}">
+              <a14:hiddenEffects xmlns:a14="http://schemas.microsoft.com/office/drawing/2010/main">
+                <a:effectLst>
+                  <a:outerShdw dist="35921" dir="2700000" algn="ctr" rotWithShape="0">
+                    <a:schemeClr val="bg2"/>
+                  </a:outerShdw>
+                </a:effectLst>
+              </a14:hiddenEffects>
+            </a:ext>
+          </a:extLst>
+        </p:spPr>
+        <p:txBody>
+          <a:bodyPr/>
+          <a:lstStyle/>
+          <a:p>
+            <a:endParaRPr lang="en-US"/>
+          </a:p>
+        </p:txBody>
+      </p:sp>
+      <p:sp>
+        <p:nvSpPr>
+          <p:cNvPr id="874510" name="Line 14"/>
+          <p:cNvSpPr>
+            <a:spLocks noChangeShapeType="1"/>
+          </p:cNvSpPr>
+          <p:nvPr/>
+        </p:nvSpPr>
+        <p:spPr bwMode="auto">
+          <a:xfrm>
+            <a:off x="6781800" y="5791200"/>
+            <a:ext cx="152400" cy="457200"/>
+          </a:xfrm>
+          <a:prstGeom prst="line">
+            <a:avLst/>
+          </a:prstGeom>
+          <a:noFill/>
+          <a:ln w="28575">
+            <a:solidFill>
+              <a:schemeClr val="tx1"/>
+            </a:solidFill>
+            <a:round/>
+            <a:headEnd/>
+            <a:tailEnd/>
+          </a:ln>
+          <a:effectLst/>
+          <a:extLst>
+            <a:ext uri="{909E8E84-426E-40DD-AFC4-6F175D3DCCD1}">
+              <a14:hiddenFill xmlns:a14="http://schemas.microsoft.com/office/drawing/2010/main">
+                <a:noFill/>
+              </a14:hiddenFill>
+            </a:ext>
+            <a:ext uri="{AF507438-7753-43E0-B8FC-AC1667EBCBE1}">
+              <a14:hiddenEffects xmlns:a14="http://schemas.microsoft.com/office/drawing/2010/main">
+                <a:effectLst>
+                  <a:outerShdw dist="35921" dir="2700000" algn="ctr" rotWithShape="0">
+                    <a:schemeClr val="bg2"/>
+                  </a:outerShdw>
+                </a:effectLst>
+              </a14:hiddenEffects>
+            </a:ext>
+          </a:extLst>
+        </p:spPr>
+        <p:txBody>
+          <a:bodyPr/>
+          <a:lstStyle/>
+          <a:p>
+            <a:endParaRPr lang="en-US"/>
+          </a:p>
+        </p:txBody>
+      </p:sp>
+      <p:sp>
+        <p:nvSpPr>
+          <p:cNvPr id="874511" name="Line 15"/>
+          <p:cNvSpPr>
+            <a:spLocks noChangeShapeType="1"/>
+          </p:cNvSpPr>
+          <p:nvPr/>
+        </p:nvSpPr>
+        <p:spPr bwMode="auto">
+          <a:xfrm flipV="1">
+            <a:off x="7543800" y="5791200"/>
+            <a:ext cx="381000" cy="457200"/>
+          </a:xfrm>
+          <a:prstGeom prst="line">
+            <a:avLst/>
+          </a:prstGeom>
+          <a:noFill/>
+          <a:ln w="28575">
+            <a:solidFill>
+              <a:schemeClr val="tx1"/>
+            </a:solidFill>
+            <a:round/>
+            <a:headEnd/>
+            <a:tailEnd/>
+          </a:ln>
+          <a:effectLst/>
+          <a:extLst>
+            <a:ext uri="{909E8E84-426E-40DD-AFC4-6F175D3DCCD1}">
+              <a14:hiddenFill xmlns:a14="http://schemas.microsoft.com/office/drawing/2010/main">
+                <a:noFill/>
+              </a14:hiddenFill>
+            </a:ext>
+            <a:ext uri="{AF507438-7753-43E0-B8FC-AC1667EBCBE1}">
+              <a14:hiddenEffects xmlns:a14="http://schemas.microsoft.com/office/drawing/2010/main">
+                <a:effectLst>
+                  <a:outerShdw dist="35921" dir="2700000" algn="ctr" rotWithShape="0">
+                    <a:schemeClr val="bg2"/>
+                  </a:outerShdw>
+                </a:effectLst>
+              </a14:hiddenEffects>
+            </a:ext>
+          </a:extLst>
+        </p:spPr>
+        <p:txBody>
+          <a:bodyPr/>
+          <a:lstStyle/>
+          <a:p>
+            <a:endParaRPr lang="en-US"/>
+          </a:p>
+        </p:txBody>
+      </p:sp>
+      <p:sp>
+        <p:nvSpPr>
+          <p:cNvPr id="874512" name="Line 16"/>
+          <p:cNvSpPr>
+            <a:spLocks noChangeShapeType="1"/>
+          </p:cNvSpPr>
+          <p:nvPr/>
+        </p:nvSpPr>
+        <p:spPr bwMode="auto">
+          <a:xfrm>
+            <a:off x="8382000" y="5715000"/>
+            <a:ext cx="304800" cy="533400"/>
+          </a:xfrm>
+          <a:prstGeom prst="line">
+            <a:avLst/>
+          </a:prstGeom>
+          <a:noFill/>
+          <a:ln w="28575">
+            <a:solidFill>
+              <a:schemeClr val="tx1"/>
+            </a:solidFill>
+            <a:round/>
+            <a:headEnd/>
+            <a:tailEnd/>
+          </a:ln>
+          <a:effectLst/>
+          <a:extLst>
+            <a:ext uri="{909E8E84-426E-40DD-AFC4-6F175D3DCCD1}">
+              <a14:hiddenFill xmlns:a14="http://schemas.microsoft.com/office/drawing/2010/main">
+                <a:noFill/>
+              </a14:hiddenFill>
+            </a:ext>
+            <a:ext uri="{AF507438-7753-43E0-B8FC-AC1667EBCBE1}">
+              <a14:hiddenEffects xmlns:a14="http://schemas.microsoft.com/office/drawing/2010/main">
+                <a:effectLst>
+                  <a:outerShdw dist="35921" dir="2700000" algn="ctr" rotWithShape="0">
+                    <a:schemeClr val="bg2"/>
+                  </a:outerShdw>
+                </a:effectLst>
+              </a14:hiddenEffects>
+            </a:ext>
+          </a:extLst>
+        </p:spPr>
+        <p:txBody>
+          <a:bodyPr/>
+          <a:lstStyle/>
+          <a:p>
+            <a:endParaRPr lang="en-US"/>
+          </a:p>
+        </p:txBody>
+      </p:sp>
+    </p:spTree>
+    <p:extLst>
+      <p:ext uri="{BB962C8B-B14F-4D97-AF65-F5344CB8AC3E}">
+        <p14:creationId xmlns:p14="http://schemas.microsoft.com/office/powerpoint/2010/main" val="4094986613"/>
+      </p:ext>
+    </p:extLst>
+  </p:cSld>
+  <p:clrMapOvr>
+    <a:masterClrMapping/>
+  </p:clrMapOvr>
+</p:sld>
+</file>
+
+<file path=ppt/slides/slide13.xml><?xml version="1.0" encoding="utf-8"?>
+<p:sld xmlns:a="http://schemas.openxmlformats.org/drawingml/2006/main" xmlns:r="http://schemas.openxmlformats.org/officeDocument/2006/relationships" xmlns:p="http://schemas.openxmlformats.org/presentationml/2006/main">
+  <p:cSld>
+    <p:spTree>
+      <p:nvGrpSpPr>
+        <p:cNvPr id="1" name=""/>
+        <p:cNvGrpSpPr/>
+        <p:nvPr/>
+      </p:nvGrpSpPr>
+      <p:grpSpPr>
+        <a:xfrm>
+          <a:off x="0" y="0"/>
+          <a:ext cx="0" cy="0"/>
+          <a:chOff x="0" y="0"/>
+          <a:chExt cx="0" cy="0"/>
+        </a:xfrm>
+      </p:grpSpPr>
+      <p:sp>
+        <p:nvSpPr>
+          <p:cNvPr id="875522" name="Rectangle 2"/>
+          <p:cNvSpPr>
+            <a:spLocks noGrp="1" noChangeArrowheads="1"/>
+          </p:cNvSpPr>
+          <p:nvPr>
+            <p:ph type="title"/>
+          </p:nvPr>
+        </p:nvSpPr>
+        <p:spPr>
+          <a:xfrm>
+            <a:off x="0" y="0"/>
+            <a:ext cx="8001000" cy="1417638"/>
+          </a:xfrm>
+        </p:spPr>
+        <p:txBody>
+          <a:bodyPr/>
+          <a:lstStyle/>
+          <a:p>
+            <a:r>
+              <a:rPr lang="en-US" altLang="en-US" dirty="0" smtClean="0"/>
+              <a:t>Complete binary tree</a:t>
+            </a:r>
+            <a:endParaRPr lang="en-US" altLang="en-US" dirty="0"/>
+          </a:p>
+        </p:txBody>
+      </p:sp>
+      <p:sp>
+        <p:nvSpPr>
+          <p:cNvPr id="875523" name="Rectangle 3"/>
+          <p:cNvSpPr>
+            <a:spLocks noGrp="1" noChangeArrowheads="1"/>
+          </p:cNvSpPr>
+          <p:nvPr>
+            <p:ph type="body" idx="1"/>
+          </p:nvPr>
+        </p:nvSpPr>
+        <p:spPr>
+          <a:xfrm>
+            <a:off x="0" y="1752599"/>
+            <a:ext cx="9144000" cy="5105401"/>
+          </a:xfrm>
+        </p:spPr>
+        <p:txBody>
+          <a:bodyPr/>
+          <a:lstStyle/>
+          <a:p>
+            <a:r>
+              <a:rPr lang="en-US" altLang="en-US" dirty="0"/>
+              <a:t>A complete binary tree</a:t>
+            </a:r>
+            <a:r>
+              <a:rPr lang="en-US" altLang="en-US" dirty="0">
+                <a:solidFill>
+                  <a:srgbClr val="FF0000"/>
+                </a:solidFill>
+              </a:rPr>
+              <a:t> </a:t>
+            </a:r>
+            <a:r>
+              <a:rPr lang="en-US" altLang="en-US" dirty="0"/>
+              <a:t>of height k with n nodes</a:t>
+            </a:r>
+          </a:p>
+          <a:p>
+            <a:pPr lvl="1"/>
+            <a:r>
+              <a:rPr lang="en-US" altLang="en-US" dirty="0"/>
+              <a:t>Its nodes corresponds to the nodes </a:t>
+            </a:r>
+          </a:p>
+          <a:p>
+            <a:pPr lvl="1"/>
+            <a:endParaRPr lang="en-US" altLang="en-US" dirty="0"/>
+          </a:p>
+          <a:p>
+            <a:pPr lvl="1"/>
+            <a:r>
+              <a:rPr lang="en-US" altLang="en-US" dirty="0"/>
+              <a:t>numbered one to n</a:t>
+            </a:r>
+            <a:r>
+              <a:rPr lang="en-US" altLang="en-US" dirty="0">
+                <a:solidFill>
+                  <a:srgbClr val="FF0000"/>
+                </a:solidFill>
+              </a:rPr>
+              <a:t> </a:t>
+            </a:r>
+            <a:r>
+              <a:rPr lang="en-US" altLang="en-US" dirty="0"/>
+              <a:t>in the full binary tree of height k</a:t>
+            </a:r>
+          </a:p>
+          <a:p>
+            <a:pPr lvl="2"/>
+            <a:endParaRPr lang="en-US" altLang="en-US" dirty="0"/>
+          </a:p>
+        </p:txBody>
+      </p:sp>
+      <p:sp>
+        <p:nvSpPr>
+          <p:cNvPr id="875524" name="Oval 4"/>
+          <p:cNvSpPr>
+            <a:spLocks noChangeArrowheads="1"/>
+          </p:cNvSpPr>
+          <p:nvPr/>
+        </p:nvSpPr>
+        <p:spPr bwMode="auto">
+          <a:xfrm>
+            <a:off x="1752600" y="3962400"/>
+            <a:ext cx="457200" cy="381000"/>
+          </a:xfrm>
+          <a:prstGeom prst="ellipse">
+            <a:avLst/>
+          </a:prstGeom>
+          <a:solidFill>
+            <a:schemeClr val="accent1"/>
+          </a:solidFill>
+          <a:ln w="9525">
+            <a:solidFill>
+              <a:schemeClr val="tx1"/>
+            </a:solidFill>
+            <a:round/>
+            <a:headEnd/>
+            <a:tailEnd/>
+          </a:ln>
+          <a:effectLst/>
+          <a:extLst>
+            <a:ext uri="{AF507438-7753-43E0-B8FC-AC1667EBCBE1}">
+              <a14:hiddenEffects xmlns:a14="http://schemas.microsoft.com/office/drawing/2010/main">
+                <a:effectLst>
+                  <a:outerShdw dist="35921" dir="2700000" algn="ctr" rotWithShape="0">
+                    <a:schemeClr val="bg2"/>
+                  </a:outerShdw>
+                </a:effectLst>
+              </a14:hiddenEffects>
+            </a:ext>
+          </a:extLst>
+        </p:spPr>
+        <p:txBody>
+          <a:bodyPr wrap="none" anchor="ctr"/>
+          <a:lstStyle/>
+          <a:p>
+            <a:pPr algn="ctr"/>
+            <a:r>
+              <a:rPr lang="en-US" altLang="en-US" b="1"/>
+              <a:t>1</a:t>
+            </a:r>
+          </a:p>
+        </p:txBody>
+      </p:sp>
+      <p:sp>
+        <p:nvSpPr>
+          <p:cNvPr id="875525" name="Oval 5"/>
+          <p:cNvSpPr>
+            <a:spLocks noChangeArrowheads="1"/>
+          </p:cNvSpPr>
+          <p:nvPr/>
+        </p:nvSpPr>
+        <p:spPr bwMode="auto">
+          <a:xfrm>
+            <a:off x="838200" y="4724400"/>
+            <a:ext cx="457200" cy="381000"/>
+          </a:xfrm>
+          <a:prstGeom prst="ellipse">
+            <a:avLst/>
+          </a:prstGeom>
+          <a:solidFill>
+            <a:schemeClr val="accent1"/>
+          </a:solidFill>
+          <a:ln w="9525">
+            <a:solidFill>
+              <a:schemeClr val="tx1"/>
+            </a:solidFill>
+            <a:round/>
+            <a:headEnd/>
+            <a:tailEnd/>
+          </a:ln>
+          <a:effectLst/>
+          <a:extLst>
+            <a:ext uri="{AF507438-7753-43E0-B8FC-AC1667EBCBE1}">
+              <a14:hiddenEffects xmlns:a14="http://schemas.microsoft.com/office/drawing/2010/main">
+                <a:effectLst>
+                  <a:outerShdw dist="35921" dir="2700000" algn="ctr" rotWithShape="0">
+                    <a:schemeClr val="bg2"/>
+                  </a:outerShdw>
+                </a:effectLst>
+              </a14:hiddenEffects>
+            </a:ext>
+          </a:extLst>
+        </p:spPr>
+        <p:txBody>
+          <a:bodyPr wrap="none" anchor="ctr"/>
+          <a:lstStyle/>
+          <a:p>
+            <a:pPr algn="ctr"/>
+            <a:r>
+              <a:rPr lang="en-US" altLang="en-US" b="1"/>
+              <a:t>2</a:t>
+            </a:r>
+          </a:p>
+        </p:txBody>
+      </p:sp>
+      <p:sp>
+        <p:nvSpPr>
+          <p:cNvPr id="875526" name="Oval 6"/>
+          <p:cNvSpPr>
+            <a:spLocks noChangeArrowheads="1"/>
+          </p:cNvSpPr>
+          <p:nvPr/>
+        </p:nvSpPr>
+        <p:spPr bwMode="auto">
+          <a:xfrm>
+            <a:off x="2438400" y="4724400"/>
+            <a:ext cx="457200" cy="381000"/>
+          </a:xfrm>
+          <a:prstGeom prst="ellipse">
+            <a:avLst/>
+          </a:prstGeom>
+          <a:solidFill>
+            <a:schemeClr val="accent1"/>
+          </a:solidFill>
+          <a:ln w="9525">
+            <a:solidFill>
+              <a:schemeClr val="tx1"/>
+            </a:solidFill>
+            <a:round/>
+            <a:headEnd/>
+            <a:tailEnd/>
+          </a:ln>
+          <a:effectLst/>
+          <a:extLst>
+            <a:ext uri="{AF507438-7753-43E0-B8FC-AC1667EBCBE1}">
+              <a14:hiddenEffects xmlns:a14="http://schemas.microsoft.com/office/drawing/2010/main">
+                <a:effectLst>
+                  <a:outerShdw dist="35921" dir="2700000" algn="ctr" rotWithShape="0">
+                    <a:schemeClr val="bg2"/>
+                  </a:outerShdw>
+                </a:effectLst>
+              </a14:hiddenEffects>
+            </a:ext>
+          </a:extLst>
+        </p:spPr>
+        <p:txBody>
+          <a:bodyPr wrap="none" anchor="ctr"/>
+          <a:lstStyle/>
+          <a:p>
+            <a:pPr algn="ctr"/>
+            <a:r>
+              <a:rPr lang="en-US" altLang="en-US" b="1"/>
+              <a:t>3</a:t>
+            </a:r>
+          </a:p>
+        </p:txBody>
+      </p:sp>
+      <p:sp>
+        <p:nvSpPr>
+          <p:cNvPr id="875527" name="Oval 7"/>
+          <p:cNvSpPr>
+            <a:spLocks noChangeArrowheads="1"/>
+          </p:cNvSpPr>
+          <p:nvPr/>
+        </p:nvSpPr>
+        <p:spPr bwMode="auto">
+          <a:xfrm>
+            <a:off x="152400" y="5410200"/>
+            <a:ext cx="457200" cy="381000"/>
+          </a:xfrm>
+          <a:prstGeom prst="ellipse">
+            <a:avLst/>
+          </a:prstGeom>
+          <a:solidFill>
+            <a:schemeClr val="accent1"/>
+          </a:solidFill>
+          <a:ln w="9525">
+            <a:solidFill>
+              <a:schemeClr val="tx1"/>
+            </a:solidFill>
+            <a:round/>
+            <a:headEnd/>
+            <a:tailEnd/>
+          </a:ln>
+          <a:effectLst/>
+          <a:extLst>
+            <a:ext uri="{AF507438-7753-43E0-B8FC-AC1667EBCBE1}">
+              <a14:hiddenEffects xmlns:a14="http://schemas.microsoft.com/office/drawing/2010/main">
+                <a:effectLst>
+                  <a:outerShdw dist="35921" dir="2700000" algn="ctr" rotWithShape="0">
+                    <a:schemeClr val="bg2"/>
+                  </a:outerShdw>
+                </a:effectLst>
+              </a14:hiddenEffects>
+            </a:ext>
+          </a:extLst>
+        </p:spPr>
+        <p:txBody>
+          <a:bodyPr wrap="none" anchor="ctr"/>
+          <a:lstStyle/>
+          <a:p>
+            <a:pPr algn="ctr"/>
+            <a:r>
+              <a:rPr lang="en-US" altLang="en-US" b="1"/>
+              <a:t>4</a:t>
+            </a:r>
+          </a:p>
+        </p:txBody>
+      </p:sp>
+      <p:sp>
+        <p:nvSpPr>
+          <p:cNvPr id="875528" name="Oval 8"/>
+          <p:cNvSpPr>
+            <a:spLocks noChangeArrowheads="1"/>
+          </p:cNvSpPr>
+          <p:nvPr/>
+        </p:nvSpPr>
+        <p:spPr bwMode="auto">
+          <a:xfrm>
+            <a:off x="1219200" y="5410200"/>
+            <a:ext cx="457200" cy="381000"/>
+          </a:xfrm>
+          <a:prstGeom prst="ellipse">
+            <a:avLst/>
+          </a:prstGeom>
+          <a:solidFill>
+            <a:schemeClr val="accent1"/>
+          </a:solidFill>
+          <a:ln w="9525">
+            <a:solidFill>
+              <a:schemeClr val="tx1"/>
+            </a:solidFill>
+            <a:round/>
+            <a:headEnd/>
+            <a:tailEnd/>
+          </a:ln>
+          <a:effectLst/>
+          <a:extLst>
+            <a:ext uri="{AF507438-7753-43E0-B8FC-AC1667EBCBE1}">
+              <a14:hiddenEffects xmlns:a14="http://schemas.microsoft.com/office/drawing/2010/main">
+                <a:effectLst>
+                  <a:outerShdw dist="35921" dir="2700000" algn="ctr" rotWithShape="0">
+                    <a:schemeClr val="bg2"/>
+                  </a:outerShdw>
+                </a:effectLst>
+              </a14:hiddenEffects>
+            </a:ext>
+          </a:extLst>
+        </p:spPr>
+        <p:txBody>
+          <a:bodyPr wrap="none" anchor="ctr"/>
+          <a:lstStyle/>
+          <a:p>
+            <a:pPr algn="ctr"/>
+            <a:r>
+              <a:rPr lang="en-US" altLang="en-US" b="1"/>
+              <a:t>5</a:t>
+            </a:r>
+          </a:p>
+        </p:txBody>
+      </p:sp>
+      <p:sp>
+        <p:nvSpPr>
+          <p:cNvPr id="875529" name="Oval 9"/>
+          <p:cNvSpPr>
+            <a:spLocks noChangeArrowheads="1"/>
+          </p:cNvSpPr>
+          <p:nvPr/>
+        </p:nvSpPr>
+        <p:spPr bwMode="auto">
+          <a:xfrm>
+            <a:off x="1752600" y="5410200"/>
+            <a:ext cx="457200" cy="381000"/>
+          </a:xfrm>
+          <a:prstGeom prst="ellipse">
+            <a:avLst/>
+          </a:prstGeom>
+          <a:solidFill>
+            <a:schemeClr val="accent1"/>
+          </a:solidFill>
+          <a:ln w="9525">
+            <a:solidFill>
+              <a:schemeClr val="tx1"/>
+            </a:solidFill>
+            <a:round/>
+            <a:headEnd/>
+            <a:tailEnd/>
+          </a:ln>
+          <a:effectLst/>
+          <a:extLst>
+            <a:ext uri="{AF507438-7753-43E0-B8FC-AC1667EBCBE1}">
+              <a14:hiddenEffects xmlns:a14="http://schemas.microsoft.com/office/drawing/2010/main">
+                <a:effectLst>
+                  <a:outerShdw dist="35921" dir="2700000" algn="ctr" rotWithShape="0">
+                    <a:schemeClr val="bg2"/>
+                  </a:outerShdw>
+                </a:effectLst>
+              </a14:hiddenEffects>
+            </a:ext>
+          </a:extLst>
+        </p:spPr>
+        <p:txBody>
+          <a:bodyPr wrap="none" anchor="ctr"/>
+          <a:lstStyle/>
+          <a:p>
+            <a:pPr algn="ctr"/>
+            <a:r>
+              <a:rPr lang="en-US" altLang="en-US" b="1"/>
+              <a:t>6</a:t>
+            </a:r>
+          </a:p>
+        </p:txBody>
+      </p:sp>
+      <p:sp>
+        <p:nvSpPr>
+          <p:cNvPr id="875530" name="Oval 10"/>
+          <p:cNvSpPr>
+            <a:spLocks noChangeArrowheads="1"/>
+          </p:cNvSpPr>
+          <p:nvPr/>
+        </p:nvSpPr>
+        <p:spPr bwMode="auto">
+          <a:xfrm>
+            <a:off x="2895600" y="5410200"/>
+            <a:ext cx="457200" cy="381000"/>
+          </a:xfrm>
+          <a:prstGeom prst="ellipse">
+            <a:avLst/>
+          </a:prstGeom>
+          <a:solidFill>
+            <a:schemeClr val="accent1"/>
+          </a:solidFill>
+          <a:ln w="9525">
+            <a:solidFill>
+              <a:schemeClr val="tx1"/>
+            </a:solidFill>
+            <a:round/>
+            <a:headEnd/>
+            <a:tailEnd/>
+          </a:ln>
+          <a:effectLst/>
+          <a:extLst>
+            <a:ext uri="{AF507438-7753-43E0-B8FC-AC1667EBCBE1}">
+              <a14:hiddenEffects xmlns:a14="http://schemas.microsoft.com/office/drawing/2010/main">
+                <a:effectLst>
+                  <a:outerShdw dist="35921" dir="2700000" algn="ctr" rotWithShape="0">
+                    <a:schemeClr val="bg2"/>
+                  </a:outerShdw>
+                </a:effectLst>
+              </a14:hiddenEffects>
+            </a:ext>
+          </a:extLst>
+        </p:spPr>
+        <p:txBody>
+          <a:bodyPr wrap="none" anchor="ctr"/>
+          <a:lstStyle/>
+          <a:p>
+            <a:pPr algn="ctr"/>
+            <a:r>
+              <a:rPr lang="en-US" altLang="en-US" b="1"/>
+              <a:t>7</a:t>
+            </a:r>
+          </a:p>
+        </p:txBody>
+      </p:sp>
+      <p:sp>
+        <p:nvSpPr>
+          <p:cNvPr id="875531" name="Line 11"/>
+          <p:cNvSpPr>
+            <a:spLocks noChangeShapeType="1"/>
+          </p:cNvSpPr>
+          <p:nvPr/>
+        </p:nvSpPr>
+        <p:spPr bwMode="auto">
+          <a:xfrm flipV="1">
+            <a:off x="1143000" y="4191000"/>
+            <a:ext cx="609600" cy="533400"/>
+          </a:xfrm>
+          <a:prstGeom prst="line">
+            <a:avLst/>
+          </a:prstGeom>
+          <a:noFill/>
+          <a:ln w="28575">
+            <a:solidFill>
+              <a:schemeClr val="tx1"/>
+            </a:solidFill>
+            <a:round/>
+            <a:headEnd/>
+            <a:tailEnd/>
+          </a:ln>
+          <a:effectLst/>
+          <a:extLst>
+            <a:ext uri="{909E8E84-426E-40DD-AFC4-6F175D3DCCD1}">
+              <a14:hiddenFill xmlns:a14="http://schemas.microsoft.com/office/drawing/2010/main">
+                <a:noFill/>
+              </a14:hiddenFill>
+            </a:ext>
+            <a:ext uri="{AF507438-7753-43E0-B8FC-AC1667EBCBE1}">
+              <a14:hiddenEffects xmlns:a14="http://schemas.microsoft.com/office/drawing/2010/main">
+                <a:effectLst>
+                  <a:outerShdw dist="35921" dir="2700000" algn="ctr" rotWithShape="0">
+                    <a:schemeClr val="bg2"/>
+                  </a:outerShdw>
+                </a:effectLst>
+              </a14:hiddenEffects>
+            </a:ext>
+          </a:extLst>
+        </p:spPr>
+        <p:txBody>
+          <a:bodyPr/>
+          <a:lstStyle/>
+          <a:p>
+            <a:endParaRPr lang="en-US"/>
+          </a:p>
+        </p:txBody>
+      </p:sp>
+      <p:sp>
+        <p:nvSpPr>
+          <p:cNvPr id="875532" name="Line 12"/>
+          <p:cNvSpPr>
+            <a:spLocks noChangeShapeType="1"/>
+          </p:cNvSpPr>
+          <p:nvPr/>
+        </p:nvSpPr>
+        <p:spPr bwMode="auto">
+          <a:xfrm flipH="1" flipV="1">
+            <a:off x="2209800" y="4191000"/>
+            <a:ext cx="457200" cy="533400"/>
+          </a:xfrm>
+          <a:prstGeom prst="line">
+            <a:avLst/>
+          </a:prstGeom>
+          <a:noFill/>
+          <a:ln w="28575">
+            <a:solidFill>
+              <a:schemeClr val="tx1"/>
+            </a:solidFill>
+            <a:round/>
+            <a:headEnd/>
+            <a:tailEnd/>
+          </a:ln>
+          <a:effectLst/>
+          <a:extLst>
+            <a:ext uri="{909E8E84-426E-40DD-AFC4-6F175D3DCCD1}">
+              <a14:hiddenFill xmlns:a14="http://schemas.microsoft.com/office/drawing/2010/main">
+                <a:noFill/>
+              </a14:hiddenFill>
+            </a:ext>
+            <a:ext uri="{AF507438-7753-43E0-B8FC-AC1667EBCBE1}">
+              <a14:hiddenEffects xmlns:a14="http://schemas.microsoft.com/office/drawing/2010/main">
+                <a:effectLst>
+                  <a:outerShdw dist="35921" dir="2700000" algn="ctr" rotWithShape="0">
+                    <a:schemeClr val="bg2"/>
+                  </a:outerShdw>
+                </a:effectLst>
+              </a14:hiddenEffects>
+            </a:ext>
+          </a:extLst>
+        </p:spPr>
+        <p:txBody>
+          <a:bodyPr/>
+          <a:lstStyle/>
+          <a:p>
+            <a:endParaRPr lang="en-US"/>
+          </a:p>
+        </p:txBody>
+      </p:sp>
+      <p:sp>
+        <p:nvSpPr>
+          <p:cNvPr id="875533" name="Line 13"/>
+          <p:cNvSpPr>
+            <a:spLocks noChangeShapeType="1"/>
+          </p:cNvSpPr>
+          <p:nvPr/>
+        </p:nvSpPr>
+        <p:spPr bwMode="auto">
+          <a:xfrm flipV="1">
+            <a:off x="457200" y="4953000"/>
+            <a:ext cx="381000" cy="457200"/>
+          </a:xfrm>
+          <a:prstGeom prst="line">
+            <a:avLst/>
+          </a:prstGeom>
+          <a:noFill/>
+          <a:ln w="28575">
+            <a:solidFill>
+              <a:schemeClr val="tx1"/>
+            </a:solidFill>
+            <a:round/>
+            <a:headEnd/>
+            <a:tailEnd/>
+          </a:ln>
+          <a:effectLst/>
+          <a:extLst>
+            <a:ext uri="{909E8E84-426E-40DD-AFC4-6F175D3DCCD1}">
+              <a14:hiddenFill xmlns:a14="http://schemas.microsoft.com/office/drawing/2010/main">
+                <a:noFill/>
+              </a14:hiddenFill>
+            </a:ext>
+            <a:ext uri="{AF507438-7753-43E0-B8FC-AC1667EBCBE1}">
+              <a14:hiddenEffects xmlns:a14="http://schemas.microsoft.com/office/drawing/2010/main">
+                <a:effectLst>
+                  <a:outerShdw dist="35921" dir="2700000" algn="ctr" rotWithShape="0">
+                    <a:schemeClr val="bg2"/>
+                  </a:outerShdw>
+                </a:effectLst>
+              </a14:hiddenEffects>
+            </a:ext>
+          </a:extLst>
+        </p:spPr>
+        <p:txBody>
+          <a:bodyPr/>
+          <a:lstStyle/>
+          <a:p>
+            <a:endParaRPr lang="en-US"/>
+          </a:p>
+        </p:txBody>
+      </p:sp>
+      <p:sp>
+        <p:nvSpPr>
+          <p:cNvPr id="875534" name="Line 14"/>
+          <p:cNvSpPr>
+            <a:spLocks noChangeShapeType="1"/>
+          </p:cNvSpPr>
+          <p:nvPr/>
+        </p:nvSpPr>
+        <p:spPr bwMode="auto">
+          <a:xfrm>
+            <a:off x="1295400" y="4953000"/>
+            <a:ext cx="152400" cy="457200"/>
+          </a:xfrm>
+          <a:prstGeom prst="line">
+            <a:avLst/>
+          </a:prstGeom>
+          <a:noFill/>
+          <a:ln w="28575">
+            <a:solidFill>
+              <a:schemeClr val="tx1"/>
+            </a:solidFill>
+            <a:round/>
+            <a:headEnd/>
+            <a:tailEnd/>
+          </a:ln>
+          <a:effectLst/>
+          <a:extLst>
+            <a:ext uri="{909E8E84-426E-40DD-AFC4-6F175D3DCCD1}">
+              <a14:hiddenFill xmlns:a14="http://schemas.microsoft.com/office/drawing/2010/main">
+                <a:noFill/>
+              </a14:hiddenFill>
+            </a:ext>
+            <a:ext uri="{AF507438-7753-43E0-B8FC-AC1667EBCBE1}">
+              <a14:hiddenEffects xmlns:a14="http://schemas.microsoft.com/office/drawing/2010/main">
+                <a:effectLst>
+                  <a:outerShdw dist="35921" dir="2700000" algn="ctr" rotWithShape="0">
+                    <a:schemeClr val="bg2"/>
+                  </a:outerShdw>
+                </a:effectLst>
+              </a14:hiddenEffects>
+            </a:ext>
+          </a:extLst>
+        </p:spPr>
+        <p:txBody>
+          <a:bodyPr/>
+          <a:lstStyle/>
+          <a:p>
+            <a:endParaRPr lang="en-US"/>
+          </a:p>
+        </p:txBody>
+      </p:sp>
+      <p:sp>
+        <p:nvSpPr>
+          <p:cNvPr id="875535" name="Line 15"/>
+          <p:cNvSpPr>
+            <a:spLocks noChangeShapeType="1"/>
+          </p:cNvSpPr>
+          <p:nvPr/>
+        </p:nvSpPr>
+        <p:spPr bwMode="auto">
+          <a:xfrm flipV="1">
+            <a:off x="2057400" y="4953000"/>
+            <a:ext cx="381000" cy="457200"/>
+          </a:xfrm>
+          <a:prstGeom prst="line">
+            <a:avLst/>
+          </a:prstGeom>
+          <a:noFill/>
+          <a:ln w="28575">
+            <a:solidFill>
+              <a:schemeClr val="tx1"/>
+            </a:solidFill>
+            <a:round/>
+            <a:headEnd/>
+            <a:tailEnd/>
+          </a:ln>
+          <a:effectLst/>
+          <a:extLst>
+            <a:ext uri="{909E8E84-426E-40DD-AFC4-6F175D3DCCD1}">
+              <a14:hiddenFill xmlns:a14="http://schemas.microsoft.com/office/drawing/2010/main">
+                <a:noFill/>
+              </a14:hiddenFill>
+            </a:ext>
+            <a:ext uri="{AF507438-7753-43E0-B8FC-AC1667EBCBE1}">
+              <a14:hiddenEffects xmlns:a14="http://schemas.microsoft.com/office/drawing/2010/main">
+                <a:effectLst>
+                  <a:outerShdw dist="35921" dir="2700000" algn="ctr" rotWithShape="0">
+                    <a:schemeClr val="bg2"/>
+                  </a:outerShdw>
+                </a:effectLst>
+              </a14:hiddenEffects>
+            </a:ext>
+          </a:extLst>
+        </p:spPr>
+        <p:txBody>
+          <a:bodyPr/>
+          <a:lstStyle/>
+          <a:p>
+            <a:endParaRPr lang="en-US"/>
+          </a:p>
+        </p:txBody>
+      </p:sp>
+      <p:sp>
+        <p:nvSpPr>
+          <p:cNvPr id="875536" name="Line 16"/>
+          <p:cNvSpPr>
+            <a:spLocks noChangeShapeType="1"/>
+          </p:cNvSpPr>
+          <p:nvPr/>
+        </p:nvSpPr>
+        <p:spPr bwMode="auto">
+          <a:xfrm>
+            <a:off x="2895600" y="4876800"/>
+            <a:ext cx="304800" cy="533400"/>
+          </a:xfrm>
+          <a:prstGeom prst="line">
+            <a:avLst/>
+          </a:prstGeom>
+          <a:noFill/>
+          <a:ln w="28575">
+            <a:solidFill>
+              <a:schemeClr val="tx1"/>
+            </a:solidFill>
+            <a:round/>
+            <a:headEnd/>
+            <a:tailEnd/>
+          </a:ln>
+          <a:effectLst/>
+          <a:extLst>
+            <a:ext uri="{909E8E84-426E-40DD-AFC4-6F175D3DCCD1}">
+              <a14:hiddenFill xmlns:a14="http://schemas.microsoft.com/office/drawing/2010/main">
+                <a:noFill/>
+              </a14:hiddenFill>
+            </a:ext>
+            <a:ext uri="{AF507438-7753-43E0-B8FC-AC1667EBCBE1}">
+              <a14:hiddenEffects xmlns:a14="http://schemas.microsoft.com/office/drawing/2010/main">
+                <a:effectLst>
+                  <a:outerShdw dist="35921" dir="2700000" algn="ctr" rotWithShape="0">
+                    <a:schemeClr val="bg2"/>
+                  </a:outerShdw>
+                </a:effectLst>
+              </a14:hiddenEffects>
+            </a:ext>
+          </a:extLst>
+        </p:spPr>
+        <p:txBody>
+          <a:bodyPr/>
+          <a:lstStyle/>
+          <a:p>
+            <a:endParaRPr lang="en-US"/>
+          </a:p>
+        </p:txBody>
+      </p:sp>
+      <p:sp>
+        <p:nvSpPr>
+          <p:cNvPr id="875537" name="Text Box 17"/>
+          <p:cNvSpPr txBox="1">
+            <a:spLocks noChangeArrowheads="1"/>
+          </p:cNvSpPr>
+          <p:nvPr/>
+        </p:nvSpPr>
+        <p:spPr bwMode="auto">
+          <a:xfrm>
+            <a:off x="755650" y="5980113"/>
+            <a:ext cx="2101850" cy="366712"/>
+          </a:xfrm>
+          <a:prstGeom prst="rect">
+            <a:avLst/>
+          </a:prstGeom>
+          <a:noFill/>
+          <a:ln>
+            <a:noFill/>
+          </a:ln>
+          <a:effectLst/>
+          <a:extLst>
+            <a:ext uri="{909E8E84-426E-40DD-AFC4-6F175D3DCCD1}">
+              <a14:hiddenFill xmlns:a14="http://schemas.microsoft.com/office/drawing/2010/main">
+                <a:solidFill>
+                  <a:schemeClr val="accent1"/>
+                </a:solidFill>
+              </a14:hiddenFill>
+            </a:ext>
+            <a:ext uri="{91240B29-F687-4F45-9708-019B960494DF}">
+              <a14:hiddenLine xmlns:a14="http://schemas.microsoft.com/office/drawing/2010/main" w="9525">
+                <a:solidFill>
+                  <a:schemeClr val="tx1"/>
+                </a:solidFill>
+                <a:miter lim="800000"/>
+                <a:headEnd/>
+                <a:tailEnd/>
+              </a14:hiddenLine>
+            </a:ext>
+            <a:ext uri="{AF507438-7753-43E0-B8FC-AC1667EBCBE1}">
+              <a14:hiddenEffects xmlns:a14="http://schemas.microsoft.com/office/drawing/2010/main">
+                <a:effectLst>
+                  <a:outerShdw dist="35921" dir="2700000" algn="ctr" rotWithShape="0">
+                    <a:schemeClr val="bg2"/>
+                  </a:outerShdw>
+                </a:effectLst>
+              </a14:hiddenEffects>
+            </a:ext>
+          </a:extLst>
+        </p:spPr>
+        <p:txBody>
+          <a:bodyPr wrap="none">
+            <a:spAutoFit/>
+          </a:bodyPr>
+          <a:lstStyle/>
+          <a:p>
+            <a:r>
+              <a:rPr lang="en-US" altLang="en-US" b="1"/>
+              <a:t>FULL/COMPLETE</a:t>
+            </a:r>
+          </a:p>
+        </p:txBody>
+      </p:sp>
+      <p:sp>
+        <p:nvSpPr>
+          <p:cNvPr id="875538" name="Oval 18"/>
+          <p:cNvSpPr>
+            <a:spLocks noChangeArrowheads="1"/>
+          </p:cNvSpPr>
+          <p:nvPr/>
+        </p:nvSpPr>
+        <p:spPr bwMode="auto">
+          <a:xfrm>
+            <a:off x="5181600" y="3962400"/>
+            <a:ext cx="457200" cy="381000"/>
+          </a:xfrm>
+          <a:prstGeom prst="ellipse">
+            <a:avLst/>
+          </a:prstGeom>
+          <a:solidFill>
+            <a:schemeClr val="accent1"/>
+          </a:solidFill>
+          <a:ln w="9525">
+            <a:solidFill>
+              <a:schemeClr val="tx1"/>
+            </a:solidFill>
+            <a:round/>
+            <a:headEnd/>
+            <a:tailEnd/>
+          </a:ln>
+          <a:effectLst/>
+          <a:extLst>
+            <a:ext uri="{AF507438-7753-43E0-B8FC-AC1667EBCBE1}">
+              <a14:hiddenEffects xmlns:a14="http://schemas.microsoft.com/office/drawing/2010/main">
+                <a:effectLst>
+                  <a:outerShdw dist="35921" dir="2700000" algn="ctr" rotWithShape="0">
+                    <a:schemeClr val="bg2"/>
+                  </a:outerShdw>
+                </a:effectLst>
+              </a14:hiddenEffects>
+            </a:ext>
+          </a:extLst>
+        </p:spPr>
+        <p:txBody>
+          <a:bodyPr wrap="none" anchor="ctr"/>
+          <a:lstStyle/>
+          <a:p>
+            <a:pPr algn="ctr"/>
+            <a:r>
+              <a:rPr lang="en-US" altLang="en-US" b="1"/>
+              <a:t>1</a:t>
+            </a:r>
+          </a:p>
+        </p:txBody>
+      </p:sp>
+      <p:sp>
+        <p:nvSpPr>
+          <p:cNvPr id="875539" name="Oval 19"/>
+          <p:cNvSpPr>
+            <a:spLocks noChangeArrowheads="1"/>
+          </p:cNvSpPr>
+          <p:nvPr/>
+        </p:nvSpPr>
+        <p:spPr bwMode="auto">
+          <a:xfrm>
+            <a:off x="4267200" y="4724400"/>
+            <a:ext cx="457200" cy="381000"/>
+          </a:xfrm>
+          <a:prstGeom prst="ellipse">
+            <a:avLst/>
+          </a:prstGeom>
+          <a:solidFill>
+            <a:schemeClr val="accent1"/>
+          </a:solidFill>
+          <a:ln w="9525">
+            <a:solidFill>
+              <a:schemeClr val="tx1"/>
+            </a:solidFill>
+            <a:round/>
+            <a:headEnd/>
+            <a:tailEnd/>
+          </a:ln>
+          <a:effectLst/>
+          <a:extLst>
+            <a:ext uri="{AF507438-7753-43E0-B8FC-AC1667EBCBE1}">
+              <a14:hiddenEffects xmlns:a14="http://schemas.microsoft.com/office/drawing/2010/main">
+                <a:effectLst>
+                  <a:outerShdw dist="35921" dir="2700000" algn="ctr" rotWithShape="0">
+                    <a:schemeClr val="bg2"/>
+                  </a:outerShdw>
+                </a:effectLst>
+              </a14:hiddenEffects>
+            </a:ext>
+          </a:extLst>
+        </p:spPr>
+        <p:txBody>
+          <a:bodyPr wrap="none" anchor="ctr"/>
+          <a:lstStyle/>
+          <a:p>
+            <a:pPr algn="ctr"/>
+            <a:r>
+              <a:rPr lang="en-US" altLang="en-US" b="1"/>
+              <a:t>2</a:t>
+            </a:r>
+          </a:p>
+        </p:txBody>
+      </p:sp>
+      <p:sp>
+        <p:nvSpPr>
+          <p:cNvPr id="875540" name="Oval 20"/>
+          <p:cNvSpPr>
+            <a:spLocks noChangeArrowheads="1"/>
+          </p:cNvSpPr>
+          <p:nvPr/>
+        </p:nvSpPr>
+        <p:spPr bwMode="auto">
+          <a:xfrm>
+            <a:off x="5486400" y="4724400"/>
+            <a:ext cx="457200" cy="381000"/>
+          </a:xfrm>
+          <a:prstGeom prst="ellipse">
+            <a:avLst/>
+          </a:prstGeom>
+          <a:solidFill>
+            <a:schemeClr val="accent1"/>
+          </a:solidFill>
+          <a:ln w="9525">
+            <a:solidFill>
+              <a:schemeClr val="tx1"/>
+            </a:solidFill>
+            <a:round/>
+            <a:headEnd/>
+            <a:tailEnd/>
+          </a:ln>
+          <a:effectLst/>
+          <a:extLst>
+            <a:ext uri="{AF507438-7753-43E0-B8FC-AC1667EBCBE1}">
+              <a14:hiddenEffects xmlns:a14="http://schemas.microsoft.com/office/drawing/2010/main">
+                <a:effectLst>
+                  <a:outerShdw dist="35921" dir="2700000" algn="ctr" rotWithShape="0">
+                    <a:schemeClr val="bg2"/>
+                  </a:outerShdw>
+                </a:effectLst>
+              </a14:hiddenEffects>
+            </a:ext>
+          </a:extLst>
+        </p:spPr>
+        <p:txBody>
+          <a:bodyPr wrap="none" anchor="ctr"/>
+          <a:lstStyle/>
+          <a:p>
+            <a:pPr algn="ctr"/>
+            <a:r>
+              <a:rPr lang="en-US" altLang="en-US" b="1"/>
+              <a:t>3</a:t>
+            </a:r>
+          </a:p>
+        </p:txBody>
+      </p:sp>
+      <p:sp>
+        <p:nvSpPr>
+          <p:cNvPr id="875541" name="Oval 21"/>
+          <p:cNvSpPr>
+            <a:spLocks noChangeArrowheads="1"/>
+          </p:cNvSpPr>
+          <p:nvPr/>
+        </p:nvSpPr>
+        <p:spPr bwMode="auto">
+          <a:xfrm>
+            <a:off x="3581400" y="5410200"/>
+            <a:ext cx="457200" cy="381000"/>
+          </a:xfrm>
+          <a:prstGeom prst="ellipse">
+            <a:avLst/>
+          </a:prstGeom>
+          <a:solidFill>
+            <a:schemeClr val="accent1"/>
+          </a:solidFill>
+          <a:ln w="9525">
+            <a:solidFill>
+              <a:schemeClr val="tx1"/>
+            </a:solidFill>
+            <a:round/>
+            <a:headEnd/>
+            <a:tailEnd/>
+          </a:ln>
+          <a:effectLst/>
+          <a:extLst>
+            <a:ext uri="{AF507438-7753-43E0-B8FC-AC1667EBCBE1}">
+              <a14:hiddenEffects xmlns:a14="http://schemas.microsoft.com/office/drawing/2010/main">
+                <a:effectLst>
+                  <a:outerShdw dist="35921" dir="2700000" algn="ctr" rotWithShape="0">
+                    <a:schemeClr val="bg2"/>
+                  </a:outerShdw>
+                </a:effectLst>
+              </a14:hiddenEffects>
+            </a:ext>
+          </a:extLst>
+        </p:spPr>
+        <p:txBody>
+          <a:bodyPr wrap="none" anchor="ctr"/>
+          <a:lstStyle/>
+          <a:p>
+            <a:pPr algn="ctr"/>
+            <a:r>
+              <a:rPr lang="en-US" altLang="en-US" b="1"/>
+              <a:t>4</a:t>
+            </a:r>
+          </a:p>
+        </p:txBody>
+      </p:sp>
+      <p:sp>
+        <p:nvSpPr>
+          <p:cNvPr id="875542" name="Oval 22"/>
+          <p:cNvSpPr>
+            <a:spLocks noChangeArrowheads="1"/>
+          </p:cNvSpPr>
+          <p:nvPr/>
+        </p:nvSpPr>
+        <p:spPr bwMode="auto">
+          <a:xfrm>
+            <a:off x="4648200" y="5410200"/>
+            <a:ext cx="457200" cy="381000"/>
+          </a:xfrm>
+          <a:prstGeom prst="ellipse">
+            <a:avLst/>
+          </a:prstGeom>
+          <a:solidFill>
+            <a:schemeClr val="accent1"/>
+          </a:solidFill>
+          <a:ln w="9525">
+            <a:solidFill>
+              <a:schemeClr val="tx1"/>
+            </a:solidFill>
+            <a:round/>
+            <a:headEnd/>
+            <a:tailEnd/>
+          </a:ln>
+          <a:effectLst/>
+          <a:extLst>
+            <a:ext uri="{AF507438-7753-43E0-B8FC-AC1667EBCBE1}">
+              <a14:hiddenEffects xmlns:a14="http://schemas.microsoft.com/office/drawing/2010/main">
+                <a:effectLst>
+                  <a:outerShdw dist="35921" dir="2700000" algn="ctr" rotWithShape="0">
+                    <a:schemeClr val="bg2"/>
+                  </a:outerShdw>
+                </a:effectLst>
+              </a14:hiddenEffects>
+            </a:ext>
+          </a:extLst>
+        </p:spPr>
+        <p:txBody>
+          <a:bodyPr wrap="none" anchor="ctr"/>
+          <a:lstStyle/>
+          <a:p>
+            <a:pPr algn="ctr"/>
+            <a:r>
+              <a:rPr lang="en-US" altLang="en-US" b="1"/>
+              <a:t>5</a:t>
+            </a:r>
+          </a:p>
+        </p:txBody>
+      </p:sp>
+      <p:sp>
+        <p:nvSpPr>
+          <p:cNvPr id="875543" name="Line 23"/>
+          <p:cNvSpPr>
+            <a:spLocks noChangeShapeType="1"/>
+          </p:cNvSpPr>
+          <p:nvPr/>
+        </p:nvSpPr>
+        <p:spPr bwMode="auto">
+          <a:xfrm flipV="1">
+            <a:off x="4572000" y="4191000"/>
+            <a:ext cx="609600" cy="533400"/>
+          </a:xfrm>
+          <a:prstGeom prst="line">
+            <a:avLst/>
+          </a:prstGeom>
+          <a:noFill/>
+          <a:ln w="28575">
+            <a:solidFill>
+              <a:schemeClr val="tx1"/>
+            </a:solidFill>
+            <a:round/>
+            <a:headEnd/>
+            <a:tailEnd/>
+          </a:ln>
+          <a:effectLst/>
+          <a:extLst>
+            <a:ext uri="{909E8E84-426E-40DD-AFC4-6F175D3DCCD1}">
+              <a14:hiddenFill xmlns:a14="http://schemas.microsoft.com/office/drawing/2010/main">
+                <a:noFill/>
+              </a14:hiddenFill>
+            </a:ext>
+            <a:ext uri="{AF507438-7753-43E0-B8FC-AC1667EBCBE1}">
+              <a14:hiddenEffects xmlns:a14="http://schemas.microsoft.com/office/drawing/2010/main">
+                <a:effectLst>
+                  <a:outerShdw dist="35921" dir="2700000" algn="ctr" rotWithShape="0">
+                    <a:schemeClr val="bg2"/>
+                  </a:outerShdw>
+                </a:effectLst>
+              </a14:hiddenEffects>
+            </a:ext>
+          </a:extLst>
+        </p:spPr>
+        <p:txBody>
+          <a:bodyPr/>
+          <a:lstStyle/>
+          <a:p>
+            <a:endParaRPr lang="en-US"/>
+          </a:p>
+        </p:txBody>
+      </p:sp>
+      <p:sp>
+        <p:nvSpPr>
+          <p:cNvPr id="875544" name="Line 24"/>
+          <p:cNvSpPr>
+            <a:spLocks noChangeShapeType="1"/>
+          </p:cNvSpPr>
+          <p:nvPr/>
+        </p:nvSpPr>
+        <p:spPr bwMode="auto">
+          <a:xfrm flipH="1" flipV="1">
+            <a:off x="5638800" y="4191000"/>
+            <a:ext cx="76200" cy="533400"/>
+          </a:xfrm>
+          <a:prstGeom prst="line">
+            <a:avLst/>
+          </a:prstGeom>
+          <a:noFill/>
+          <a:ln w="28575">
+            <a:solidFill>
+              <a:schemeClr val="tx1"/>
+            </a:solidFill>
+            <a:round/>
+            <a:headEnd/>
+            <a:tailEnd/>
+          </a:ln>
+          <a:effectLst/>
+          <a:extLst>
+            <a:ext uri="{909E8E84-426E-40DD-AFC4-6F175D3DCCD1}">
+              <a14:hiddenFill xmlns:a14="http://schemas.microsoft.com/office/drawing/2010/main">
+                <a:noFill/>
+              </a14:hiddenFill>
+            </a:ext>
+            <a:ext uri="{AF507438-7753-43E0-B8FC-AC1667EBCBE1}">
+              <a14:hiddenEffects xmlns:a14="http://schemas.microsoft.com/office/drawing/2010/main">
+                <a:effectLst>
+                  <a:outerShdw dist="35921" dir="2700000" algn="ctr" rotWithShape="0">
+                    <a:schemeClr val="bg2"/>
+                  </a:outerShdw>
+                </a:effectLst>
+              </a14:hiddenEffects>
+            </a:ext>
+          </a:extLst>
+        </p:spPr>
+        <p:txBody>
+          <a:bodyPr/>
+          <a:lstStyle/>
+          <a:p>
+            <a:endParaRPr lang="en-US"/>
+          </a:p>
+        </p:txBody>
+      </p:sp>
+      <p:sp>
+        <p:nvSpPr>
+          <p:cNvPr id="875545" name="Line 25"/>
+          <p:cNvSpPr>
+            <a:spLocks noChangeShapeType="1"/>
+          </p:cNvSpPr>
+          <p:nvPr/>
+        </p:nvSpPr>
+        <p:spPr bwMode="auto">
+          <a:xfrm flipV="1">
+            <a:off x="3886200" y="4953000"/>
+            <a:ext cx="381000" cy="457200"/>
+          </a:xfrm>
+          <a:prstGeom prst="line">
+            <a:avLst/>
+          </a:prstGeom>
+          <a:noFill/>
+          <a:ln w="28575">
+            <a:solidFill>
+              <a:schemeClr val="tx1"/>
+            </a:solidFill>
+            <a:round/>
+            <a:headEnd/>
+            <a:tailEnd/>
+          </a:ln>
+          <a:effectLst/>
+          <a:extLst>
+            <a:ext uri="{909E8E84-426E-40DD-AFC4-6F175D3DCCD1}">
+              <a14:hiddenFill xmlns:a14="http://schemas.microsoft.com/office/drawing/2010/main">
+                <a:noFill/>
+              </a14:hiddenFill>
+            </a:ext>
+            <a:ext uri="{AF507438-7753-43E0-B8FC-AC1667EBCBE1}">
+              <a14:hiddenEffects xmlns:a14="http://schemas.microsoft.com/office/drawing/2010/main">
+                <a:effectLst>
+                  <a:outerShdw dist="35921" dir="2700000" algn="ctr" rotWithShape="0">
+                    <a:schemeClr val="bg2"/>
+                  </a:outerShdw>
+                </a:effectLst>
+              </a14:hiddenEffects>
+            </a:ext>
+          </a:extLst>
+        </p:spPr>
+        <p:txBody>
+          <a:bodyPr/>
+          <a:lstStyle/>
+          <a:p>
+            <a:endParaRPr lang="en-US"/>
+          </a:p>
+        </p:txBody>
+      </p:sp>
+      <p:sp>
+        <p:nvSpPr>
+          <p:cNvPr id="875546" name="Line 26"/>
+          <p:cNvSpPr>
+            <a:spLocks noChangeShapeType="1"/>
+          </p:cNvSpPr>
+          <p:nvPr/>
+        </p:nvSpPr>
+        <p:spPr bwMode="auto">
+          <a:xfrm>
+            <a:off x="4724400" y="4953000"/>
+            <a:ext cx="152400" cy="457200"/>
+          </a:xfrm>
+          <a:prstGeom prst="line">
+            <a:avLst/>
+          </a:prstGeom>
+          <a:noFill/>
+          <a:ln w="28575">
+            <a:solidFill>
+              <a:schemeClr val="tx1"/>
+            </a:solidFill>
+            <a:round/>
+            <a:headEnd/>
+            <a:tailEnd/>
+          </a:ln>
+          <a:effectLst/>
+          <a:extLst>
+            <a:ext uri="{909E8E84-426E-40DD-AFC4-6F175D3DCCD1}">
+              <a14:hiddenFill xmlns:a14="http://schemas.microsoft.com/office/drawing/2010/main">
+                <a:noFill/>
+              </a14:hiddenFill>
+            </a:ext>
+            <a:ext uri="{AF507438-7753-43E0-B8FC-AC1667EBCBE1}">
+              <a14:hiddenEffects xmlns:a14="http://schemas.microsoft.com/office/drawing/2010/main">
+                <a:effectLst>
+                  <a:outerShdw dist="35921" dir="2700000" algn="ctr" rotWithShape="0">
+                    <a:schemeClr val="bg2"/>
+                  </a:outerShdw>
+                </a:effectLst>
+              </a14:hiddenEffects>
+            </a:ext>
+          </a:extLst>
+        </p:spPr>
+        <p:txBody>
+          <a:bodyPr/>
+          <a:lstStyle/>
+          <a:p>
+            <a:endParaRPr lang="en-US"/>
+          </a:p>
+        </p:txBody>
+      </p:sp>
+      <p:sp>
+        <p:nvSpPr>
+          <p:cNvPr id="875547" name="Text Box 27"/>
+          <p:cNvSpPr txBox="1">
+            <a:spLocks noChangeArrowheads="1"/>
+          </p:cNvSpPr>
+          <p:nvPr/>
+        </p:nvSpPr>
+        <p:spPr bwMode="auto">
+          <a:xfrm>
+            <a:off x="4114800" y="6019800"/>
+            <a:ext cx="1454150" cy="366713"/>
+          </a:xfrm>
+          <a:prstGeom prst="rect">
+            <a:avLst/>
+          </a:prstGeom>
+          <a:noFill/>
+          <a:ln>
+            <a:noFill/>
+          </a:ln>
+          <a:effectLst/>
+          <a:extLst>
+            <a:ext uri="{909E8E84-426E-40DD-AFC4-6F175D3DCCD1}">
+              <a14:hiddenFill xmlns:a14="http://schemas.microsoft.com/office/drawing/2010/main">
+                <a:solidFill>
+                  <a:schemeClr val="accent1"/>
+                </a:solidFill>
+              </a14:hiddenFill>
+            </a:ext>
+            <a:ext uri="{91240B29-F687-4F45-9708-019B960494DF}">
+              <a14:hiddenLine xmlns:a14="http://schemas.microsoft.com/office/drawing/2010/main" w="9525">
+                <a:solidFill>
+                  <a:schemeClr val="tx1"/>
+                </a:solidFill>
+                <a:miter lim="800000"/>
+                <a:headEnd/>
+                <a:tailEnd/>
+              </a14:hiddenLine>
+            </a:ext>
+            <a:ext uri="{AF507438-7753-43E0-B8FC-AC1667EBCBE1}">
+              <a14:hiddenEffects xmlns:a14="http://schemas.microsoft.com/office/drawing/2010/main">
+                <a:effectLst>
+                  <a:outerShdw dist="35921" dir="2700000" algn="ctr" rotWithShape="0">
+                    <a:schemeClr val="bg2"/>
+                  </a:outerShdw>
+                </a:effectLst>
+              </a14:hiddenEffects>
+            </a:ext>
+          </a:extLst>
+        </p:spPr>
+        <p:txBody>
+          <a:bodyPr wrap="none">
+            <a:spAutoFit/>
+          </a:bodyPr>
+          <a:lstStyle/>
+          <a:p>
+            <a:r>
+              <a:rPr lang="en-US" altLang="en-US" b="1"/>
+              <a:t>COMPLETE</a:t>
+            </a:r>
+          </a:p>
+        </p:txBody>
+      </p:sp>
+      <p:sp>
+        <p:nvSpPr>
+          <p:cNvPr id="875548" name="Oval 28"/>
+          <p:cNvSpPr>
+            <a:spLocks noChangeArrowheads="1"/>
+          </p:cNvSpPr>
+          <p:nvPr/>
+        </p:nvSpPr>
+        <p:spPr bwMode="auto">
+          <a:xfrm>
+            <a:off x="7543800" y="3962400"/>
+            <a:ext cx="457200" cy="381000"/>
+          </a:xfrm>
+          <a:prstGeom prst="ellipse">
+            <a:avLst/>
+          </a:prstGeom>
+          <a:solidFill>
+            <a:schemeClr val="accent1"/>
+          </a:solidFill>
+          <a:ln w="9525">
+            <a:solidFill>
+              <a:schemeClr val="tx1"/>
+            </a:solidFill>
+            <a:round/>
+            <a:headEnd/>
+            <a:tailEnd/>
+          </a:ln>
+          <a:effectLst/>
+          <a:extLst>
+            <a:ext uri="{AF507438-7753-43E0-B8FC-AC1667EBCBE1}">
+              <a14:hiddenEffects xmlns:a14="http://schemas.microsoft.com/office/drawing/2010/main">
+                <a:effectLst>
+                  <a:outerShdw dist="35921" dir="2700000" algn="ctr" rotWithShape="0">
+                    <a:schemeClr val="bg2"/>
+                  </a:outerShdw>
+                </a:effectLst>
+              </a14:hiddenEffects>
+            </a:ext>
+          </a:extLst>
+        </p:spPr>
+        <p:txBody>
+          <a:bodyPr wrap="none" anchor="ctr"/>
+          <a:lstStyle/>
+          <a:p>
+            <a:pPr algn="ctr"/>
+            <a:r>
+              <a:rPr lang="en-US" altLang="en-US" b="1"/>
+              <a:t>1</a:t>
+            </a:r>
+          </a:p>
+        </p:txBody>
+      </p:sp>
+      <p:sp>
+        <p:nvSpPr>
+          <p:cNvPr id="875549" name="Oval 29"/>
+          <p:cNvSpPr>
+            <a:spLocks noChangeArrowheads="1"/>
+          </p:cNvSpPr>
+          <p:nvPr/>
+        </p:nvSpPr>
+        <p:spPr bwMode="auto">
+          <a:xfrm>
+            <a:off x="6629400" y="4724400"/>
+            <a:ext cx="457200" cy="381000"/>
+          </a:xfrm>
+          <a:prstGeom prst="ellipse">
+            <a:avLst/>
+          </a:prstGeom>
+          <a:solidFill>
+            <a:schemeClr val="accent1"/>
+          </a:solidFill>
+          <a:ln w="9525">
+            <a:solidFill>
+              <a:schemeClr val="tx1"/>
+            </a:solidFill>
+            <a:round/>
+            <a:headEnd/>
+            <a:tailEnd/>
+          </a:ln>
+          <a:effectLst/>
+          <a:extLst>
+            <a:ext uri="{AF507438-7753-43E0-B8FC-AC1667EBCBE1}">
+              <a14:hiddenEffects xmlns:a14="http://schemas.microsoft.com/office/drawing/2010/main">
+                <a:effectLst>
+                  <a:outerShdw dist="35921" dir="2700000" algn="ctr" rotWithShape="0">
+                    <a:schemeClr val="bg2"/>
+                  </a:outerShdw>
+                </a:effectLst>
+              </a14:hiddenEffects>
+            </a:ext>
+          </a:extLst>
+        </p:spPr>
+        <p:txBody>
+          <a:bodyPr wrap="none" anchor="ctr"/>
+          <a:lstStyle/>
+          <a:p>
+            <a:pPr algn="ctr"/>
+            <a:r>
+              <a:rPr lang="en-US" altLang="en-US" b="1"/>
+              <a:t>2</a:t>
+            </a:r>
+          </a:p>
+        </p:txBody>
+      </p:sp>
+      <p:sp>
+        <p:nvSpPr>
+          <p:cNvPr id="875550" name="Oval 30"/>
+          <p:cNvSpPr>
+            <a:spLocks noChangeArrowheads="1"/>
+          </p:cNvSpPr>
+          <p:nvPr/>
+        </p:nvSpPr>
+        <p:spPr bwMode="auto">
+          <a:xfrm>
+            <a:off x="8229600" y="4724400"/>
+            <a:ext cx="457200" cy="381000"/>
+          </a:xfrm>
+          <a:prstGeom prst="ellipse">
+            <a:avLst/>
+          </a:prstGeom>
+          <a:solidFill>
+            <a:schemeClr val="accent1"/>
+          </a:solidFill>
+          <a:ln w="9525">
+            <a:solidFill>
+              <a:schemeClr val="tx1"/>
+            </a:solidFill>
+            <a:round/>
+            <a:headEnd/>
+            <a:tailEnd/>
+          </a:ln>
+          <a:effectLst/>
+          <a:extLst>
+            <a:ext uri="{AF507438-7753-43E0-B8FC-AC1667EBCBE1}">
+              <a14:hiddenEffects xmlns:a14="http://schemas.microsoft.com/office/drawing/2010/main">
+                <a:effectLst>
+                  <a:outerShdw dist="35921" dir="2700000" algn="ctr" rotWithShape="0">
+                    <a:schemeClr val="bg2"/>
+                  </a:outerShdw>
+                </a:effectLst>
+              </a14:hiddenEffects>
+            </a:ext>
+          </a:extLst>
+        </p:spPr>
+        <p:txBody>
+          <a:bodyPr wrap="none" anchor="ctr"/>
+          <a:lstStyle/>
+          <a:p>
+            <a:pPr algn="ctr"/>
+            <a:r>
+              <a:rPr lang="en-US" altLang="en-US" b="1"/>
+              <a:t>3</a:t>
+            </a:r>
+          </a:p>
+        </p:txBody>
+      </p:sp>
+      <p:sp>
+        <p:nvSpPr>
+          <p:cNvPr id="875551" name="Oval 31"/>
+          <p:cNvSpPr>
+            <a:spLocks noChangeArrowheads="1"/>
+          </p:cNvSpPr>
+          <p:nvPr/>
+        </p:nvSpPr>
+        <p:spPr bwMode="auto">
+          <a:xfrm>
+            <a:off x="5943600" y="5410200"/>
+            <a:ext cx="457200" cy="381000"/>
+          </a:xfrm>
+          <a:prstGeom prst="ellipse">
+            <a:avLst/>
+          </a:prstGeom>
+          <a:solidFill>
+            <a:schemeClr val="accent1"/>
+          </a:solidFill>
+          <a:ln w="9525">
+            <a:solidFill>
+              <a:schemeClr val="tx1"/>
+            </a:solidFill>
+            <a:round/>
+            <a:headEnd/>
+            <a:tailEnd/>
+          </a:ln>
+          <a:effectLst/>
+          <a:extLst>
+            <a:ext uri="{AF507438-7753-43E0-B8FC-AC1667EBCBE1}">
+              <a14:hiddenEffects xmlns:a14="http://schemas.microsoft.com/office/drawing/2010/main">
+                <a:effectLst>
+                  <a:outerShdw dist="35921" dir="2700000" algn="ctr" rotWithShape="0">
+                    <a:schemeClr val="bg2"/>
+                  </a:outerShdw>
+                </a:effectLst>
+              </a14:hiddenEffects>
+            </a:ext>
+          </a:extLst>
+        </p:spPr>
+        <p:txBody>
+          <a:bodyPr wrap="none" anchor="ctr"/>
+          <a:lstStyle/>
+          <a:p>
+            <a:pPr algn="ctr"/>
+            <a:r>
+              <a:rPr lang="en-US" altLang="en-US" b="1"/>
+              <a:t>4</a:t>
+            </a:r>
+          </a:p>
+        </p:txBody>
+      </p:sp>
+      <p:sp>
+        <p:nvSpPr>
+          <p:cNvPr id="875552" name="Oval 32"/>
+          <p:cNvSpPr>
+            <a:spLocks noChangeArrowheads="1"/>
+          </p:cNvSpPr>
+          <p:nvPr/>
+        </p:nvSpPr>
+        <p:spPr bwMode="auto">
+          <a:xfrm>
+            <a:off x="7010400" y="5410200"/>
+            <a:ext cx="457200" cy="381000"/>
+          </a:xfrm>
+          <a:prstGeom prst="ellipse">
+            <a:avLst/>
+          </a:prstGeom>
+          <a:solidFill>
+            <a:schemeClr val="accent1"/>
+          </a:solidFill>
+          <a:ln w="9525">
+            <a:solidFill>
+              <a:schemeClr val="tx1"/>
+            </a:solidFill>
+            <a:round/>
+            <a:headEnd/>
+            <a:tailEnd/>
+          </a:ln>
+          <a:effectLst/>
+          <a:extLst>
+            <a:ext uri="{AF507438-7753-43E0-B8FC-AC1667EBCBE1}">
+              <a14:hiddenEffects xmlns:a14="http://schemas.microsoft.com/office/drawing/2010/main">
+                <a:effectLst>
+                  <a:outerShdw dist="35921" dir="2700000" algn="ctr" rotWithShape="0">
+                    <a:schemeClr val="bg2"/>
+                  </a:outerShdw>
+                </a:effectLst>
+              </a14:hiddenEffects>
+            </a:ext>
+          </a:extLst>
+        </p:spPr>
+        <p:txBody>
+          <a:bodyPr wrap="none" anchor="ctr"/>
+          <a:lstStyle/>
+          <a:p>
+            <a:pPr algn="ctr"/>
+            <a:r>
+              <a:rPr lang="en-US" altLang="en-US" b="1"/>
+              <a:t>5</a:t>
+            </a:r>
+          </a:p>
+        </p:txBody>
+      </p:sp>
+      <p:sp>
+        <p:nvSpPr>
+          <p:cNvPr id="875553" name="Oval 33"/>
+          <p:cNvSpPr>
+            <a:spLocks noChangeArrowheads="1"/>
+          </p:cNvSpPr>
+          <p:nvPr/>
+        </p:nvSpPr>
+        <p:spPr bwMode="auto">
+          <a:xfrm>
+            <a:off x="8686800" y="5410200"/>
+            <a:ext cx="457200" cy="381000"/>
+          </a:xfrm>
+          <a:prstGeom prst="ellipse">
+            <a:avLst/>
+          </a:prstGeom>
+          <a:solidFill>
+            <a:schemeClr val="accent1"/>
+          </a:solidFill>
+          <a:ln w="9525">
+            <a:solidFill>
+              <a:schemeClr val="tx1"/>
+            </a:solidFill>
+            <a:round/>
+            <a:headEnd/>
+            <a:tailEnd/>
+          </a:ln>
+          <a:effectLst/>
+          <a:extLst>
+            <a:ext uri="{AF507438-7753-43E0-B8FC-AC1667EBCBE1}">
+              <a14:hiddenEffects xmlns:a14="http://schemas.microsoft.com/office/drawing/2010/main">
+                <a:effectLst>
+                  <a:outerShdw dist="35921" dir="2700000" algn="ctr" rotWithShape="0">
+                    <a:schemeClr val="bg2"/>
+                  </a:outerShdw>
+                </a:effectLst>
+              </a14:hiddenEffects>
+            </a:ext>
+          </a:extLst>
+        </p:spPr>
+        <p:txBody>
+          <a:bodyPr wrap="none" anchor="ctr"/>
+          <a:lstStyle/>
+          <a:p>
+            <a:pPr algn="ctr"/>
+            <a:r>
+              <a:rPr lang="en-US" altLang="en-US" b="1"/>
+              <a:t>7</a:t>
+            </a:r>
+          </a:p>
+        </p:txBody>
+      </p:sp>
+      <p:sp>
+        <p:nvSpPr>
+          <p:cNvPr id="875554" name="Line 34"/>
+          <p:cNvSpPr>
+            <a:spLocks noChangeShapeType="1"/>
+          </p:cNvSpPr>
+          <p:nvPr/>
+        </p:nvSpPr>
+        <p:spPr bwMode="auto">
+          <a:xfrm flipV="1">
+            <a:off x="6934200" y="4191000"/>
+            <a:ext cx="609600" cy="533400"/>
+          </a:xfrm>
+          <a:prstGeom prst="line">
+            <a:avLst/>
+          </a:prstGeom>
+          <a:noFill/>
+          <a:ln w="28575">
+            <a:solidFill>
+              <a:schemeClr val="tx1"/>
+            </a:solidFill>
+            <a:round/>
+            <a:headEnd/>
+            <a:tailEnd/>
+          </a:ln>
+          <a:effectLst/>
+          <a:extLst>
+            <a:ext uri="{909E8E84-426E-40DD-AFC4-6F175D3DCCD1}">
+              <a14:hiddenFill xmlns:a14="http://schemas.microsoft.com/office/drawing/2010/main">
+                <a:noFill/>
+              </a14:hiddenFill>
+            </a:ext>
+            <a:ext uri="{AF507438-7753-43E0-B8FC-AC1667EBCBE1}">
+              <a14:hiddenEffects xmlns:a14="http://schemas.microsoft.com/office/drawing/2010/main">
+                <a:effectLst>
+                  <a:outerShdw dist="35921" dir="2700000" algn="ctr" rotWithShape="0">
+                    <a:schemeClr val="bg2"/>
+                  </a:outerShdw>
+                </a:effectLst>
+              </a14:hiddenEffects>
+            </a:ext>
+          </a:extLst>
+        </p:spPr>
+        <p:txBody>
+          <a:bodyPr/>
+          <a:lstStyle/>
+          <a:p>
+            <a:endParaRPr lang="en-US"/>
+          </a:p>
+        </p:txBody>
+      </p:sp>
+      <p:sp>
+        <p:nvSpPr>
+          <p:cNvPr id="875555" name="Line 35"/>
+          <p:cNvSpPr>
+            <a:spLocks noChangeShapeType="1"/>
+          </p:cNvSpPr>
+          <p:nvPr/>
+        </p:nvSpPr>
+        <p:spPr bwMode="auto">
+          <a:xfrm flipH="1" flipV="1">
+            <a:off x="8001000" y="4191000"/>
+            <a:ext cx="457200" cy="533400"/>
+          </a:xfrm>
+          <a:prstGeom prst="line">
+            <a:avLst/>
+          </a:prstGeom>
+          <a:noFill/>
+          <a:ln w="28575">
+            <a:solidFill>
+              <a:schemeClr val="tx1"/>
+            </a:solidFill>
+            <a:round/>
+            <a:headEnd/>
+            <a:tailEnd/>
+          </a:ln>
+          <a:effectLst/>
+          <a:extLst>
+            <a:ext uri="{909E8E84-426E-40DD-AFC4-6F175D3DCCD1}">
+              <a14:hiddenFill xmlns:a14="http://schemas.microsoft.com/office/drawing/2010/main">
+                <a:noFill/>
+              </a14:hiddenFill>
+            </a:ext>
+            <a:ext uri="{AF507438-7753-43E0-B8FC-AC1667EBCBE1}">
+              <a14:hiddenEffects xmlns:a14="http://schemas.microsoft.com/office/drawing/2010/main">
+                <a:effectLst>
+                  <a:outerShdw dist="35921" dir="2700000" algn="ctr" rotWithShape="0">
+                    <a:schemeClr val="bg2"/>
+                  </a:outerShdw>
+                </a:effectLst>
+              </a14:hiddenEffects>
+            </a:ext>
+          </a:extLst>
+        </p:spPr>
+        <p:txBody>
+          <a:bodyPr/>
+          <a:lstStyle/>
+          <a:p>
+            <a:endParaRPr lang="en-US"/>
+          </a:p>
+        </p:txBody>
+      </p:sp>
+      <p:sp>
+        <p:nvSpPr>
+          <p:cNvPr id="875556" name="Line 36"/>
+          <p:cNvSpPr>
+            <a:spLocks noChangeShapeType="1"/>
+          </p:cNvSpPr>
+          <p:nvPr/>
+        </p:nvSpPr>
+        <p:spPr bwMode="auto">
+          <a:xfrm flipV="1">
+            <a:off x="6248400" y="4953000"/>
+            <a:ext cx="381000" cy="457200"/>
+          </a:xfrm>
+          <a:prstGeom prst="line">
+            <a:avLst/>
+          </a:prstGeom>
+          <a:noFill/>
+          <a:ln w="28575">
+            <a:solidFill>
+              <a:schemeClr val="tx1"/>
+            </a:solidFill>
+            <a:round/>
+            <a:headEnd/>
+            <a:tailEnd/>
+          </a:ln>
+          <a:effectLst/>
+          <a:extLst>
+            <a:ext uri="{909E8E84-426E-40DD-AFC4-6F175D3DCCD1}">
+              <a14:hiddenFill xmlns:a14="http://schemas.microsoft.com/office/drawing/2010/main">
+                <a:noFill/>
+              </a14:hiddenFill>
+            </a:ext>
+            <a:ext uri="{AF507438-7753-43E0-B8FC-AC1667EBCBE1}">
+              <a14:hiddenEffects xmlns:a14="http://schemas.microsoft.com/office/drawing/2010/main">
+                <a:effectLst>
+                  <a:outerShdw dist="35921" dir="2700000" algn="ctr" rotWithShape="0">
+                    <a:schemeClr val="bg2"/>
+                  </a:outerShdw>
+                </a:effectLst>
+              </a14:hiddenEffects>
+            </a:ext>
+          </a:extLst>
+        </p:spPr>
+        <p:txBody>
+          <a:bodyPr/>
+          <a:lstStyle/>
+          <a:p>
+            <a:endParaRPr lang="en-US"/>
+          </a:p>
+        </p:txBody>
+      </p:sp>
+      <p:sp>
+        <p:nvSpPr>
+          <p:cNvPr id="875557" name="Line 37"/>
+          <p:cNvSpPr>
+            <a:spLocks noChangeShapeType="1"/>
+          </p:cNvSpPr>
+          <p:nvPr/>
+        </p:nvSpPr>
+        <p:spPr bwMode="auto">
+          <a:xfrm>
+            <a:off x="7086600" y="4953000"/>
+            <a:ext cx="152400" cy="457200"/>
+          </a:xfrm>
+          <a:prstGeom prst="line">
+            <a:avLst/>
+          </a:prstGeom>
+          <a:noFill/>
+          <a:ln w="28575">
+            <a:solidFill>
+              <a:schemeClr val="tx1"/>
+            </a:solidFill>
+            <a:round/>
+            <a:headEnd/>
+            <a:tailEnd/>
+          </a:ln>
+          <a:effectLst/>
+          <a:extLst>
+            <a:ext uri="{909E8E84-426E-40DD-AFC4-6F175D3DCCD1}">
+              <a14:hiddenFill xmlns:a14="http://schemas.microsoft.com/office/drawing/2010/main">
+                <a:noFill/>
+              </a14:hiddenFill>
+            </a:ext>
+            <a:ext uri="{AF507438-7753-43E0-B8FC-AC1667EBCBE1}">
+              <a14:hiddenEffects xmlns:a14="http://schemas.microsoft.com/office/drawing/2010/main">
+                <a:effectLst>
+                  <a:outerShdw dist="35921" dir="2700000" algn="ctr" rotWithShape="0">
+                    <a:schemeClr val="bg2"/>
+                  </a:outerShdw>
+                </a:effectLst>
+              </a14:hiddenEffects>
+            </a:ext>
+          </a:extLst>
+        </p:spPr>
+        <p:txBody>
+          <a:bodyPr/>
+          <a:lstStyle/>
+          <a:p>
+            <a:endParaRPr lang="en-US"/>
+          </a:p>
+        </p:txBody>
+      </p:sp>
+      <p:sp>
+        <p:nvSpPr>
+          <p:cNvPr id="875558" name="Line 38"/>
+          <p:cNvSpPr>
+            <a:spLocks noChangeShapeType="1"/>
+          </p:cNvSpPr>
+          <p:nvPr/>
+        </p:nvSpPr>
+        <p:spPr bwMode="auto">
+          <a:xfrm>
+            <a:off x="8686800" y="4876800"/>
+            <a:ext cx="304800" cy="533400"/>
+          </a:xfrm>
+          <a:prstGeom prst="line">
+            <a:avLst/>
+          </a:prstGeom>
+          <a:noFill/>
+          <a:ln w="28575">
+            <a:solidFill>
+              <a:schemeClr val="tx1"/>
+            </a:solidFill>
+            <a:round/>
+            <a:headEnd/>
+            <a:tailEnd/>
+          </a:ln>
+          <a:effectLst/>
+          <a:extLst>
+            <a:ext uri="{909E8E84-426E-40DD-AFC4-6F175D3DCCD1}">
+              <a14:hiddenFill xmlns:a14="http://schemas.microsoft.com/office/drawing/2010/main">
+                <a:noFill/>
+              </a14:hiddenFill>
+            </a:ext>
+            <a:ext uri="{AF507438-7753-43E0-B8FC-AC1667EBCBE1}">
+              <a14:hiddenEffects xmlns:a14="http://schemas.microsoft.com/office/drawing/2010/main">
+                <a:effectLst>
+                  <a:outerShdw dist="35921" dir="2700000" algn="ctr" rotWithShape="0">
+                    <a:schemeClr val="bg2"/>
+                  </a:outerShdw>
+                </a:effectLst>
+              </a14:hiddenEffects>
+            </a:ext>
+          </a:extLst>
+        </p:spPr>
+        <p:txBody>
+          <a:bodyPr/>
+          <a:lstStyle/>
+          <a:p>
+            <a:endParaRPr lang="en-US"/>
+          </a:p>
+        </p:txBody>
+      </p:sp>
+      <p:sp>
+        <p:nvSpPr>
+          <p:cNvPr id="875559" name="Text Box 39"/>
+          <p:cNvSpPr txBox="1">
+            <a:spLocks noChangeArrowheads="1"/>
+          </p:cNvSpPr>
+          <p:nvPr/>
+        </p:nvSpPr>
+        <p:spPr bwMode="auto">
+          <a:xfrm>
+            <a:off x="6762750" y="5980113"/>
+            <a:ext cx="2000250" cy="366712"/>
+          </a:xfrm>
+          <a:prstGeom prst="rect">
+            <a:avLst/>
+          </a:prstGeom>
+          <a:noFill/>
+          <a:ln>
+            <a:noFill/>
+          </a:ln>
+          <a:effectLst/>
+          <a:extLst>
+            <a:ext uri="{909E8E84-426E-40DD-AFC4-6F175D3DCCD1}">
+              <a14:hiddenFill xmlns:a14="http://schemas.microsoft.com/office/drawing/2010/main">
+                <a:solidFill>
+                  <a:schemeClr val="accent1"/>
+                </a:solidFill>
+              </a14:hiddenFill>
+            </a:ext>
+            <a:ext uri="{91240B29-F687-4F45-9708-019B960494DF}">
+              <a14:hiddenLine xmlns:a14="http://schemas.microsoft.com/office/drawing/2010/main" w="9525">
+                <a:solidFill>
+                  <a:schemeClr val="tx1"/>
+                </a:solidFill>
+                <a:miter lim="800000"/>
+                <a:headEnd/>
+                <a:tailEnd/>
+              </a14:hiddenLine>
+            </a:ext>
+            <a:ext uri="{AF507438-7753-43E0-B8FC-AC1667EBCBE1}">
+              <a14:hiddenEffects xmlns:a14="http://schemas.microsoft.com/office/drawing/2010/main">
+                <a:effectLst>
+                  <a:outerShdw dist="35921" dir="2700000" algn="ctr" rotWithShape="0">
+                    <a:schemeClr val="bg2"/>
+                  </a:outerShdw>
+                </a:effectLst>
+              </a14:hiddenEffects>
+            </a:ext>
+          </a:extLst>
+        </p:spPr>
+        <p:txBody>
+          <a:bodyPr wrap="none">
+            <a:spAutoFit/>
+          </a:bodyPr>
+          <a:lstStyle/>
+          <a:p>
+            <a:r>
+              <a:rPr lang="en-US" altLang="en-US" b="1" dirty="0"/>
+              <a:t>NOT COMPLETE</a:t>
+            </a:r>
+          </a:p>
+        </p:txBody>
+      </p:sp>
+    </p:spTree>
+    <p:extLst>
+      <p:ext uri="{BB962C8B-B14F-4D97-AF65-F5344CB8AC3E}">
+        <p14:creationId xmlns:p14="http://schemas.microsoft.com/office/powerpoint/2010/main" val="1840084852"/>
+      </p:ext>
+    </p:extLst>
+  </p:cSld>
+  <p:clrMapOvr>
+    <a:masterClrMapping/>
+  </p:clrMapOvr>
+</p:sld>
+</file>
+
+<file path=ppt/slides/slide14.xml><?xml version="1.0" encoding="utf-8"?>
+<p:sld xmlns:a="http://schemas.openxmlformats.org/drawingml/2006/main" xmlns:r="http://schemas.openxmlformats.org/officeDocument/2006/relationships" xmlns:p="http://schemas.openxmlformats.org/presentationml/2006/main">
+  <p:cSld>
+    <p:spTree>
+      <p:nvGrpSpPr>
+        <p:cNvPr id="1" name=""/>
+        <p:cNvGrpSpPr/>
+        <p:nvPr/>
+      </p:nvGrpSpPr>
+      <p:grpSpPr>
+        <a:xfrm>
+          <a:off x="0" y="0"/>
+          <a:ext cx="0" cy="0"/>
+          <a:chOff x="0" y="0"/>
+          <a:chExt cx="0" cy="0"/>
+        </a:xfrm>
+      </p:grpSpPr>
+      <p:sp>
+        <p:nvSpPr>
+          <p:cNvPr id="876546" name="Rectangle 2"/>
+          <p:cNvSpPr>
+            <a:spLocks noGrp="1" noChangeArrowheads="1"/>
+          </p:cNvSpPr>
+          <p:nvPr>
+            <p:ph type="title"/>
+          </p:nvPr>
+        </p:nvSpPr>
+        <p:spPr>
+          <a:xfrm>
+            <a:off x="0" y="0"/>
+            <a:ext cx="8001000" cy="1417638"/>
+          </a:xfrm>
+        </p:spPr>
+        <p:txBody>
+          <a:bodyPr/>
+          <a:lstStyle/>
+          <a:p>
+            <a:r>
+              <a:rPr lang="en-US" altLang="en-US" dirty="0"/>
+              <a:t>More </a:t>
+            </a:r>
+            <a:r>
+              <a:rPr lang="en-US" altLang="en-US" dirty="0" smtClean="0"/>
+              <a:t>properties for binary trees</a:t>
+            </a:r>
+            <a:endParaRPr lang="en-US" altLang="en-US" dirty="0"/>
+          </a:p>
+        </p:txBody>
+      </p:sp>
+      <p:sp>
+        <p:nvSpPr>
+          <p:cNvPr id="876547" name="Rectangle 3"/>
+          <p:cNvSpPr>
+            <a:spLocks noGrp="1" noChangeArrowheads="1"/>
+          </p:cNvSpPr>
+          <p:nvPr>
+            <p:ph type="body" idx="1"/>
+          </p:nvPr>
+        </p:nvSpPr>
+        <p:spPr/>
+        <p:txBody>
+          <a:bodyPr/>
+          <a:lstStyle/>
+          <a:p>
+            <a:r>
+              <a:rPr lang="en-US" altLang="en-US" dirty="0" smtClean="0"/>
+              <a:t>For a proper binary tree:</a:t>
+            </a:r>
+          </a:p>
+          <a:p>
+            <a:pPr lvl="1"/>
+            <a:r>
+              <a:rPr lang="en-US" altLang="en-US" dirty="0" smtClean="0"/>
+              <a:t> </a:t>
+            </a:r>
+            <a:r>
+              <a:rPr lang="en-US" altLang="en-US" dirty="0" smtClean="0"/>
+              <a:t>nb </a:t>
+            </a:r>
+            <a:r>
+              <a:rPr lang="en-US" altLang="en-US" dirty="0" smtClean="0"/>
+              <a:t>of external nodes </a:t>
+            </a:r>
+            <a:r>
+              <a:rPr lang="en-US" altLang="en-US" dirty="0" smtClean="0"/>
+              <a:t>= nb </a:t>
+            </a:r>
+            <a:r>
+              <a:rPr lang="en-US" altLang="en-US" dirty="0" smtClean="0"/>
+              <a:t>of internal nodes + 1</a:t>
+            </a:r>
+          </a:p>
+          <a:p>
+            <a:endParaRPr lang="en-US" altLang="en-US" dirty="0"/>
+          </a:p>
+          <a:p>
+            <a:r>
+              <a:rPr lang="en-US" altLang="en-US" dirty="0" smtClean="0"/>
+              <a:t>The </a:t>
+            </a:r>
+            <a:r>
+              <a:rPr lang="en-US" altLang="en-US" dirty="0"/>
+              <a:t>height of a full binary tree with n nodes is</a:t>
+            </a:r>
+          </a:p>
+          <a:p>
+            <a:pPr lvl="1"/>
+            <a:r>
+              <a:rPr lang="en-US" altLang="en-US" i="1" dirty="0"/>
+              <a:t>log</a:t>
+            </a:r>
+            <a:r>
+              <a:rPr lang="en-US" altLang="en-US" i="1" baseline="-25000" dirty="0"/>
+              <a:t>2</a:t>
+            </a:r>
+            <a:r>
+              <a:rPr lang="en-US" altLang="en-US" i="1" dirty="0"/>
+              <a:t>(n+1)-1</a:t>
+            </a:r>
+          </a:p>
+          <a:p>
+            <a:pPr lvl="1"/>
+            <a:endParaRPr lang="en-US" altLang="en-US" i="1" dirty="0">
+              <a:solidFill>
+                <a:srgbClr val="FF0000"/>
+              </a:solidFill>
+            </a:endParaRPr>
+          </a:p>
+          <a:p>
+            <a:r>
+              <a:rPr lang="en-US" altLang="en-US" dirty="0"/>
+              <a:t>The height of a complete binary tree with n nodes is</a:t>
+            </a:r>
+          </a:p>
+          <a:p>
+            <a:pPr lvl="1"/>
+            <a:r>
+              <a:rPr lang="en-US" altLang="en-US" i="1" dirty="0"/>
+              <a:t>log</a:t>
+            </a:r>
+            <a:r>
+              <a:rPr lang="en-US" altLang="en-US" i="1" baseline="-25000" dirty="0"/>
+              <a:t>2</a:t>
+            </a:r>
+            <a:r>
+              <a:rPr lang="en-US" altLang="en-US" i="1" dirty="0"/>
+              <a:t>(n+1)-1 &lt;= h &lt; log</a:t>
+            </a:r>
+            <a:r>
+              <a:rPr lang="en-US" altLang="en-US" i="1" baseline="-25000" dirty="0"/>
+              <a:t>2</a:t>
+            </a:r>
+            <a:r>
+              <a:rPr lang="en-US" altLang="en-US" i="1" dirty="0"/>
+              <a:t>(n+1)</a:t>
+            </a:r>
+          </a:p>
+          <a:p>
+            <a:pPr lvl="1"/>
+            <a:endParaRPr lang="en-US" altLang="en-US" dirty="0"/>
+          </a:p>
+        </p:txBody>
+      </p:sp>
+    </p:spTree>
+    <p:extLst>
+      <p:ext uri="{BB962C8B-B14F-4D97-AF65-F5344CB8AC3E}">
+        <p14:creationId xmlns:p14="http://schemas.microsoft.com/office/powerpoint/2010/main" val="3388938974"/>
+      </p:ext>
+    </p:extLst>
+  </p:cSld>
+  <p:clrMapOvr>
+    <a:masterClrMapping/>
+  </p:clrMapOvr>
+</p:sld>
+</file>
+
 <file path=ppt/slides/slide2.xml><?xml version="1.0" encoding="utf-8"?>
 <p:sld xmlns:a="http://schemas.openxmlformats.org/drawingml/2006/main" xmlns:r="http://schemas.openxmlformats.org/officeDocument/2006/relationships" xmlns:p="http://schemas.openxmlformats.org/presentationml/2006/main">
   <p:cSld>
@@ -8756,7 +13221,14 @@
           <a:p>
             <a:r>
               <a:rPr lang="en-US" dirty="0" smtClean="0"/>
-              <a:t>Binary Search Tree (BST)</a:t>
+              <a:t>Binary tree case study 1: </a:t>
+            </a:r>
+            <a:br>
+              <a:rPr lang="en-US" dirty="0" smtClean="0"/>
+            </a:br>
+            <a:r>
+              <a:rPr lang="en-US" dirty="0" smtClean="0"/>
+              <a:t>depth first values</a:t>
             </a:r>
             <a:endParaRPr lang="en-US" dirty="0"/>
           </a:p>
@@ -8784,90 +13256,66 @@
           <a:p>
             <a:r>
               <a:rPr lang="en-US" dirty="0" smtClean="0"/>
-              <a:t>Binary tree such that </a:t>
-            </a:r>
-            <a:r>
-              <a:rPr lang="en-US" dirty="0"/>
-              <a:t>f</a:t>
-            </a:r>
+              <a:t>Depth first traversal</a:t>
+            </a:r>
+          </a:p>
+          <a:p>
+            <a:pPr lvl="1"/>
             <a:r>
               <a:rPr lang="en-US" dirty="0" smtClean="0"/>
-              <a:t>or each node v of the tree</a:t>
+              <a:t>of binary tree</a:t>
+            </a:r>
+          </a:p>
+          <a:p>
+            <a:pPr lvl="2"/>
+            <a:r>
+              <a:rPr lang="en-US" dirty="0" smtClean="0"/>
+              <a:t>Storing elements in an array list</a:t>
             </a:r>
           </a:p>
           <a:p>
             <a:pPr lvl="1"/>
+            <a:endParaRPr lang="en-US" dirty="0"/>
+          </a:p>
+          <a:p>
             <a:r>
               <a:rPr lang="en-US" dirty="0" smtClean="0"/>
-              <a:t>Elements in left subtree are </a:t>
-            </a:r>
-          </a:p>
-          <a:p>
-            <a:pPr lvl="2"/>
+              <a:t>This results in following list</a:t>
+            </a:r>
+          </a:p>
+          <a:p>
+            <a:pPr lvl="1"/>
             <a:r>
               <a:rPr lang="en-US" dirty="0" smtClean="0"/>
-              <a:t>Less than elements stored at v</a:t>
-            </a:r>
-          </a:p>
-          <a:p>
-            <a:pPr lvl="2"/>
+              <a:t>A, B, D, E, C, F</a:t>
+            </a:r>
+          </a:p>
+          <a:p>
+            <a:pPr lvl="1"/>
             <a:endParaRPr lang="en-US" dirty="0"/>
           </a:p>
           <a:p>
+            <a:r>
+              <a:rPr lang="en-US" dirty="0" smtClean="0"/>
+              <a:t>Solutions</a:t>
+            </a:r>
+          </a:p>
+          <a:p>
             <a:pPr lvl="1"/>
             <a:r>
               <a:rPr lang="en-US" dirty="0" smtClean="0"/>
-              <a:t>Elements in right subtree are</a:t>
-            </a:r>
-          </a:p>
-          <a:p>
-            <a:pPr lvl="2"/>
+              <a:t>Iterative solution: Stack-based</a:t>
+            </a:r>
+          </a:p>
+          <a:p>
+            <a:pPr lvl="1"/>
+            <a:endParaRPr lang="en-US" dirty="0"/>
+          </a:p>
+          <a:p>
+            <a:pPr lvl="1"/>
             <a:r>
               <a:rPr lang="en-US" dirty="0" smtClean="0"/>
-              <a:t>Greater than or equal to elements at v</a:t>
-            </a:r>
-          </a:p>
-          <a:p>
-            <a:pPr lvl="2"/>
-            <a:endParaRPr lang="en-US" dirty="0"/>
-          </a:p>
-          <a:p>
-            <a:r>
-              <a:rPr lang="en-US" dirty="0" smtClean="0"/>
-              <a:t>In-order traversal of BST</a:t>
-            </a:r>
-          </a:p>
-          <a:p>
-            <a:pPr lvl="1"/>
-            <a:r>
-              <a:rPr lang="en-US" dirty="0" smtClean="0"/>
-              <a:t>Gives the elements </a:t>
-            </a:r>
-            <a:endParaRPr lang="en-US" dirty="0"/>
-          </a:p>
-          <a:p>
-            <a:pPr lvl="2"/>
-            <a:r>
-              <a:rPr lang="en-US" dirty="0" smtClean="0"/>
-              <a:t>Sorted in ascending order</a:t>
-            </a:r>
-          </a:p>
-          <a:p>
-            <a:pPr lvl="2"/>
-            <a:endParaRPr lang="en-US" dirty="0"/>
-          </a:p>
-          <a:p>
-            <a:pPr lvl="2"/>
-            <a:r>
-              <a:rPr lang="en-US" dirty="0" smtClean="0"/>
-              <a:t>For instance, for tree above, in-order traversal yields</a:t>
-            </a:r>
-          </a:p>
-          <a:p>
-            <a:pPr lvl="3"/>
-            <a:r>
-              <a:rPr lang="en-US" dirty="0" smtClean="0"/>
-              <a:t>25, 31, 42, 58, 90, 92</a:t>
+              <a:t>Recursive solution</a:t>
             </a:r>
           </a:p>
         </p:txBody>
@@ -8918,10 +13366,9 @@
           <a:p>
             <a:pPr algn="ctr"/>
             <a:r>
-              <a:rPr lang="en-US" altLang="en-US" b="1" dirty="0" smtClean="0"/>
-              <a:t>58</a:t>
-            </a:r>
-            <a:endParaRPr lang="en-US" altLang="en-US" b="1" dirty="0"/>
+              <a:rPr lang="en-US" altLang="en-US" b="1" dirty="0"/>
+              <a:t>A</a:t>
+            </a:r>
           </a:p>
         </p:txBody>
       </p:sp>
@@ -9023,7 +13470,7 @@
             <a:pPr algn="ctr"/>
             <a:r>
               <a:rPr lang="en-US" altLang="en-US" b="1" dirty="0" smtClean="0"/>
-              <a:t>31</a:t>
+              <a:t>B</a:t>
             </a:r>
             <a:endParaRPr lang="en-US" altLang="en-US" b="1" dirty="0"/>
           </a:p>
@@ -9075,10 +13522,9 @@
           <a:p>
             <a:pPr algn="ctr"/>
             <a:r>
-              <a:rPr lang="en-US" altLang="en-US" b="1" dirty="0" smtClean="0"/>
-              <a:t>90</a:t>
-            </a:r>
-            <a:endParaRPr lang="en-US" altLang="en-US" b="1" dirty="0"/>
+              <a:rPr lang="en-US" altLang="en-US" b="1" dirty="0"/>
+              <a:t>C</a:t>
+            </a:r>
           </a:p>
         </p:txBody>
       </p:sp>
@@ -9231,7 +13677,7 @@
             <a:pPr algn="ctr"/>
             <a:r>
               <a:rPr lang="en-US" altLang="en-US" b="1" dirty="0" smtClean="0"/>
-              <a:t>25</a:t>
+              <a:t>D</a:t>
             </a:r>
             <a:endParaRPr lang="en-US" altLang="en-US" b="1" dirty="0"/>
           </a:p>
@@ -9284,7 +13730,7 @@
             <a:pPr algn="ctr"/>
             <a:r>
               <a:rPr lang="en-US" altLang="en-US" b="1" dirty="0" smtClean="0"/>
-              <a:t>42</a:t>
+              <a:t>E</a:t>
             </a:r>
             <a:endParaRPr lang="en-US" altLang="en-US" b="1" dirty="0"/>
           </a:p>
@@ -9388,13 +13834,8 @@
             <a:pPr algn="ctr"/>
             <a:r>
               <a:rPr lang="en-US" altLang="en-US" b="1" dirty="0"/>
-              <a:t>9</a:t>
-            </a:r>
-            <a:r>
-              <a:rPr lang="en-US" altLang="en-US" b="1" dirty="0" smtClean="0"/>
-              <a:t>2</a:t>
-            </a:r>
-            <a:endParaRPr lang="en-US" altLang="en-US" b="1" dirty="0"/>
+              <a:t>F</a:t>
+            </a:r>
           </a:p>
         </p:txBody>
       </p:sp>
@@ -9508,7 +13949,14 @@
           <a:p>
             <a:r>
               <a:rPr lang="en-US" dirty="0" smtClean="0"/>
-              <a:t>BST: main application</a:t>
+              <a:t>Binary tree case study 2: </a:t>
+            </a:r>
+            <a:br>
+              <a:rPr lang="en-US" dirty="0" smtClean="0"/>
+            </a:br>
+            <a:r>
+              <a:rPr lang="en-US" dirty="0" smtClean="0"/>
+              <a:t>breadth first values</a:t>
             </a:r>
             <a:endParaRPr lang="en-US" dirty="0"/>
           </a:p>
@@ -9536,101 +13984,78 @@
           <a:p>
             <a:r>
               <a:rPr lang="en-US" dirty="0" smtClean="0"/>
-              <a:t>To find whether a given value y is in BST</a:t>
+              <a:t>Breadth first traversal (level-order traversal)</a:t>
             </a:r>
           </a:p>
           <a:p>
             <a:pPr lvl="1"/>
             <a:r>
               <a:rPr lang="en-US" dirty="0" smtClean="0"/>
-              <a:t>At each internal node</a:t>
+              <a:t>of binary tree</a:t>
             </a:r>
           </a:p>
           <a:p>
             <a:pPr lvl="2"/>
             <a:r>
               <a:rPr lang="en-US" dirty="0" smtClean="0"/>
-              <a:t>If y </a:t>
-            </a:r>
+              <a:t>Storing elements in an array list</a:t>
+            </a:r>
+          </a:p>
+          <a:p>
+            <a:pPr lvl="1"/>
+            <a:endParaRPr lang="en-US" dirty="0"/>
+          </a:p>
+          <a:p>
             <a:r>
               <a:rPr lang="en-US" dirty="0" smtClean="0"/>
-              <a:t>&lt; </a:t>
-            </a:r>
+              <a:t>This results in following list</a:t>
+            </a:r>
+          </a:p>
+          <a:p>
+            <a:pPr lvl="1"/>
             <a:r>
               <a:rPr lang="en-US" dirty="0" smtClean="0"/>
-              <a:t>element at node</a:t>
-            </a:r>
-          </a:p>
-          <a:p>
-            <a:pPr lvl="3"/>
+              <a:t>A, B, C, </a:t>
+            </a:r>
+            <a:r>
+              <a:rPr lang="en-US" dirty="0"/>
+              <a:t>D</a:t>
+            </a:r>
             <a:r>
               <a:rPr lang="en-US" dirty="0" smtClean="0"/>
-              <a:t>Search continues in left subtree</a:t>
-            </a:r>
-          </a:p>
-          <a:p>
-            <a:pPr lvl="3"/>
+              <a:t>, </a:t>
+            </a:r>
+            <a:r>
+              <a:rPr lang="en-US" dirty="0"/>
+              <a:t>E</a:t>
+            </a:r>
+            <a:r>
+              <a:rPr lang="en-US" dirty="0" smtClean="0"/>
+              <a:t>, F</a:t>
+            </a:r>
+          </a:p>
+          <a:p>
+            <a:pPr lvl="1"/>
             <a:endParaRPr lang="en-US" dirty="0"/>
           </a:p>
           <a:p>
+            <a:r>
+              <a:rPr lang="en-US" dirty="0" smtClean="0"/>
+              <a:t>Solution</a:t>
+            </a:r>
+          </a:p>
+          <a:p>
+            <a:pPr lvl="1"/>
+            <a:r>
+              <a:rPr lang="en-US" dirty="0" smtClean="0"/>
+              <a:t>Iterative solution: </a:t>
+            </a:r>
+          </a:p>
+          <a:p>
             <a:pPr lvl="2"/>
             <a:r>
               <a:rPr lang="en-US" dirty="0" smtClean="0"/>
-              <a:t>If </a:t>
-            </a:r>
-            <a:r>
-              <a:rPr lang="en-US" smtClean="0"/>
-              <a:t>y </a:t>
-            </a:r>
-            <a:r>
-              <a:rPr lang="en-US" smtClean="0"/>
-              <a:t>&gt;= </a:t>
-            </a:r>
-            <a:r>
-              <a:rPr lang="en-US" dirty="0" smtClean="0"/>
-              <a:t>element at node</a:t>
-            </a:r>
-          </a:p>
-          <a:p>
-            <a:pPr lvl="3"/>
-            <a:r>
-              <a:rPr lang="en-US" dirty="0" smtClean="0"/>
-              <a:t>Search continues in right subtree</a:t>
-            </a:r>
-          </a:p>
-          <a:p>
-            <a:pPr lvl="3"/>
-            <a:endParaRPr lang="en-US" dirty="0"/>
-          </a:p>
-          <a:p>
-            <a:pPr lvl="2"/>
-            <a:r>
-              <a:rPr lang="en-US" dirty="0" smtClean="0"/>
-              <a:t>If y == element at node</a:t>
-            </a:r>
-          </a:p>
-          <a:p>
-            <a:pPr lvl="3"/>
-            <a:r>
-              <a:rPr lang="en-US" dirty="0" smtClean="0"/>
-              <a:t>Search terminates successfully</a:t>
-            </a:r>
-          </a:p>
-          <a:p>
-            <a:pPr lvl="3"/>
-            <a:endParaRPr lang="en-US" dirty="0"/>
-          </a:p>
-          <a:p>
-            <a:r>
-              <a:rPr lang="en-US" dirty="0" smtClean="0"/>
-              <a:t>Example: </a:t>
-            </a:r>
-          </a:p>
-          <a:p>
-            <a:pPr lvl="1"/>
-            <a:r>
-              <a:rPr lang="en-US" dirty="0" smtClean="0"/>
-              <a:t>LeetCode 700</a:t>
+              <a:t>Queue-based</a:t>
             </a:r>
           </a:p>
           <a:p>
@@ -9643,7 +14068,7 @@
       </p:sp>
       <p:sp>
         <p:nvSpPr>
-          <p:cNvPr id="15" name="Oval 4"/>
+          <p:cNvPr id="4" name="Oval 4"/>
           <p:cNvSpPr>
             <a:spLocks noChangeArrowheads="1"/>
           </p:cNvSpPr>
@@ -9651,7 +14076,7 @@
         </p:nvSpPr>
         <p:spPr bwMode="auto">
           <a:xfrm>
-            <a:off x="7086600" y="2255838"/>
+            <a:off x="6629400" y="2408238"/>
             <a:ext cx="533400" cy="533400"/>
           </a:xfrm>
           <a:prstGeom prst="ellipse">
@@ -9687,16 +14112,15 @@
           <a:p>
             <a:pPr algn="ctr"/>
             <a:r>
-              <a:rPr lang="en-US" altLang="en-US" b="1" dirty="0" smtClean="0"/>
-              <a:t>58</a:t>
-            </a:r>
-            <a:endParaRPr lang="en-US" altLang="en-US" b="1" dirty="0"/>
-          </a:p>
-        </p:txBody>
-      </p:sp>
-      <p:sp>
-        <p:nvSpPr>
-          <p:cNvPr id="16" name="Line 5"/>
+              <a:rPr lang="en-US" altLang="en-US" b="1" dirty="0"/>
+              <a:t>A</a:t>
+            </a:r>
+          </a:p>
+        </p:txBody>
+      </p:sp>
+      <p:sp>
+        <p:nvSpPr>
+          <p:cNvPr id="5" name="Line 5"/>
           <p:cNvSpPr>
             <a:spLocks noChangeShapeType="1"/>
           </p:cNvSpPr>
@@ -9704,7 +14128,7 @@
         </p:nvSpPr>
         <p:spPr bwMode="auto">
           <a:xfrm flipH="1">
-            <a:off x="6781800" y="2590800"/>
+            <a:off x="6324600" y="2743200"/>
             <a:ext cx="304800" cy="609600"/>
           </a:xfrm>
           <a:prstGeom prst="line">
@@ -9747,7 +14171,7 @@
       </p:sp>
       <p:sp>
         <p:nvSpPr>
-          <p:cNvPr id="17" name="Oval 4"/>
+          <p:cNvPr id="6" name="Oval 4"/>
           <p:cNvSpPr>
             <a:spLocks noChangeArrowheads="1"/>
           </p:cNvSpPr>
@@ -9755,7 +14179,7 @@
         </p:nvSpPr>
         <p:spPr bwMode="auto">
           <a:xfrm>
-            <a:off x="6477000" y="3200400"/>
+            <a:off x="6019800" y="3352800"/>
             <a:ext cx="533400" cy="533400"/>
           </a:xfrm>
           <a:prstGeom prst="ellipse">
@@ -9792,7 +14216,7 @@
             <a:pPr algn="ctr"/>
             <a:r>
               <a:rPr lang="en-US" altLang="en-US" b="1" dirty="0" smtClean="0"/>
-              <a:t>31</a:t>
+              <a:t>B</a:t>
             </a:r>
             <a:endParaRPr lang="en-US" altLang="en-US" b="1" dirty="0"/>
           </a:p>
@@ -9800,7 +14224,7 @@
       </p:sp>
       <p:sp>
         <p:nvSpPr>
-          <p:cNvPr id="18" name="Oval 4"/>
+          <p:cNvPr id="7" name="Oval 4"/>
           <p:cNvSpPr>
             <a:spLocks noChangeArrowheads="1"/>
           </p:cNvSpPr>
@@ -9808,7 +14232,7 @@
         </p:nvSpPr>
         <p:spPr bwMode="auto">
           <a:xfrm>
-            <a:off x="7696200" y="3200400"/>
+            <a:off x="7239000" y="3352800"/>
             <a:ext cx="533400" cy="533400"/>
           </a:xfrm>
           <a:prstGeom prst="ellipse">
@@ -9844,16 +14268,15 @@
           <a:p>
             <a:pPr algn="ctr"/>
             <a:r>
-              <a:rPr lang="en-US" altLang="en-US" b="1" dirty="0" smtClean="0"/>
-              <a:t>90</a:t>
-            </a:r>
-            <a:endParaRPr lang="en-US" altLang="en-US" b="1" dirty="0"/>
-          </a:p>
-        </p:txBody>
-      </p:sp>
-      <p:sp>
-        <p:nvSpPr>
-          <p:cNvPr id="19" name="Line 5"/>
+              <a:rPr lang="en-US" altLang="en-US" b="1" dirty="0"/>
+              <a:t>C</a:t>
+            </a:r>
+          </a:p>
+        </p:txBody>
+      </p:sp>
+      <p:sp>
+        <p:nvSpPr>
+          <p:cNvPr id="8" name="Line 5"/>
           <p:cNvSpPr>
             <a:spLocks noChangeShapeType="1"/>
           </p:cNvSpPr>
@@ -9861,7 +14284,7 @@
         </p:nvSpPr>
         <p:spPr bwMode="auto">
           <a:xfrm>
-            <a:off x="7620000" y="2590800"/>
+            <a:off x="7162800" y="2743200"/>
             <a:ext cx="304800" cy="609600"/>
           </a:xfrm>
           <a:prstGeom prst="line">
@@ -9904,7 +14327,7 @@
       </p:sp>
       <p:sp>
         <p:nvSpPr>
-          <p:cNvPr id="20" name="Line 5"/>
+          <p:cNvPr id="9" name="Line 5"/>
           <p:cNvSpPr>
             <a:spLocks noChangeShapeType="1"/>
           </p:cNvSpPr>
@@ -9912,7 +14335,7 @@
         </p:nvSpPr>
         <p:spPr bwMode="auto">
           <a:xfrm flipH="1">
-            <a:off x="6172200" y="3505200"/>
+            <a:off x="5715000" y="3657600"/>
             <a:ext cx="304800" cy="685800"/>
           </a:xfrm>
           <a:prstGeom prst="line">
@@ -9955,7 +14378,7 @@
       </p:sp>
       <p:sp>
         <p:nvSpPr>
-          <p:cNvPr id="21" name="Oval 4"/>
+          <p:cNvPr id="10" name="Oval 4"/>
           <p:cNvSpPr>
             <a:spLocks noChangeArrowheads="1"/>
           </p:cNvSpPr>
@@ -9963,7 +14386,7 @@
         </p:nvSpPr>
         <p:spPr bwMode="auto">
           <a:xfrm>
-            <a:off x="5867400" y="4114800"/>
+            <a:off x="5410200" y="4267200"/>
             <a:ext cx="533400" cy="533400"/>
           </a:xfrm>
           <a:prstGeom prst="ellipse">
@@ -10000,7 +14423,7 @@
             <a:pPr algn="ctr"/>
             <a:r>
               <a:rPr lang="en-US" altLang="en-US" b="1" dirty="0" smtClean="0"/>
-              <a:t>25</a:t>
+              <a:t>D</a:t>
             </a:r>
             <a:endParaRPr lang="en-US" altLang="en-US" b="1" dirty="0"/>
           </a:p>
@@ -10008,7 +14431,7 @@
       </p:sp>
       <p:sp>
         <p:nvSpPr>
-          <p:cNvPr id="22" name="Oval 4"/>
+          <p:cNvPr id="11" name="Oval 4"/>
           <p:cNvSpPr>
             <a:spLocks noChangeArrowheads="1"/>
           </p:cNvSpPr>
@@ -10016,7 +14439,7 @@
         </p:nvSpPr>
         <p:spPr bwMode="auto">
           <a:xfrm>
-            <a:off x="7086600" y="4114800"/>
+            <a:off x="6629400" y="4267200"/>
             <a:ext cx="533400" cy="533400"/>
           </a:xfrm>
           <a:prstGeom prst="ellipse">
@@ -10053,7 +14476,7 @@
             <a:pPr algn="ctr"/>
             <a:r>
               <a:rPr lang="en-US" altLang="en-US" b="1" dirty="0" smtClean="0"/>
-              <a:t>42</a:t>
+              <a:t>E</a:t>
             </a:r>
             <a:endParaRPr lang="en-US" altLang="en-US" b="1" dirty="0"/>
           </a:p>
@@ -10061,7 +14484,7 @@
       </p:sp>
       <p:sp>
         <p:nvSpPr>
-          <p:cNvPr id="23" name="Line 5"/>
+          <p:cNvPr id="12" name="Line 5"/>
           <p:cNvSpPr>
             <a:spLocks noChangeShapeType="1"/>
           </p:cNvSpPr>
@@ -10069,7 +14492,7 @@
         </p:nvSpPr>
         <p:spPr bwMode="auto">
           <a:xfrm>
-            <a:off x="7010400" y="3505200"/>
+            <a:off x="6553200" y="3657600"/>
             <a:ext cx="304800" cy="609600"/>
           </a:xfrm>
           <a:prstGeom prst="line">
@@ -10112,7 +14535,7 @@
       </p:sp>
       <p:sp>
         <p:nvSpPr>
-          <p:cNvPr id="24" name="Oval 4"/>
+          <p:cNvPr id="13" name="Oval 4"/>
           <p:cNvSpPr>
             <a:spLocks noChangeArrowheads="1"/>
           </p:cNvSpPr>
@@ -10120,7 +14543,7 @@
         </p:nvSpPr>
         <p:spPr bwMode="auto">
           <a:xfrm>
-            <a:off x="8305800" y="4114800"/>
+            <a:off x="7848600" y="4267200"/>
             <a:ext cx="533400" cy="533400"/>
           </a:xfrm>
           <a:prstGeom prst="ellipse">
@@ -10157,19 +14580,14 @@
             <a:pPr algn="ctr"/>
             <a:r>
               <a:rPr lang="en-US" altLang="en-US" b="1" dirty="0"/>
-              <a:t>9</a:t>
-            </a:r>
-            <a:r>
-              <a:rPr lang="en-US" altLang="en-US" b="1" dirty="0" smtClean="0"/>
-              <a:t>2</a:t>
-            </a:r>
-            <a:endParaRPr lang="en-US" altLang="en-US" b="1" dirty="0"/>
-          </a:p>
-        </p:txBody>
-      </p:sp>
-      <p:sp>
-        <p:nvSpPr>
-          <p:cNvPr id="25" name="Line 5"/>
+              <a:t>F</a:t>
+            </a:r>
+          </a:p>
+        </p:txBody>
+      </p:sp>
+      <p:sp>
+        <p:nvSpPr>
+          <p:cNvPr id="14" name="Line 5"/>
           <p:cNvSpPr>
             <a:spLocks noChangeShapeType="1"/>
           </p:cNvSpPr>
@@ -10177,7 +14595,7 @@
         </p:nvSpPr>
         <p:spPr bwMode="auto">
           <a:xfrm>
-            <a:off x="8229600" y="3505200"/>
+            <a:off x="7772400" y="3657600"/>
             <a:ext cx="304800" cy="609600"/>
           </a:xfrm>
           <a:prstGeom prst="line">
@@ -10277,7 +14695,14 @@
           <a:p>
             <a:r>
               <a:rPr lang="en-US" dirty="0" smtClean="0"/>
-              <a:t>BST: case study 1 </a:t>
+              <a:t>Binary tree case study 3: </a:t>
+            </a:r>
+            <a:br>
+              <a:rPr lang="en-US" dirty="0" smtClean="0"/>
+            </a:br>
+            <a:r>
+              <a:rPr lang="en-US" dirty="0" smtClean="0"/>
+              <a:t>tree includes</a:t>
             </a:r>
             <a:endParaRPr lang="en-US" dirty="0"/>
           </a:p>
@@ -10296,55 +14721,26 @@
         <p:spPr>
           <a:xfrm>
             <a:off x="0" y="1417638"/>
-            <a:ext cx="9144000" cy="5440362"/>
+            <a:ext cx="6629400" cy="5440362"/>
           </a:xfrm>
         </p:spPr>
         <p:txBody>
           <a:bodyPr/>
           <a:lstStyle/>
           <a:p>
+            <a:endParaRPr lang="en-US" dirty="0" smtClean="0"/>
+          </a:p>
+          <a:p>
             <a:r>
               <a:rPr lang="en-US" dirty="0" smtClean="0"/>
-              <a:t>Write a function that takes in a BST and a target </a:t>
-            </a:r>
-            <a:r>
-              <a:rPr lang="en-US" dirty="0" err="1" smtClean="0"/>
-              <a:t>int</a:t>
-            </a:r>
+              <a:t>Objective</a:t>
+            </a:r>
+          </a:p>
+          <a:p>
+            <a:pPr lvl="1"/>
             <a:r>
               <a:rPr lang="en-US" dirty="0" smtClean="0"/>
-              <a:t> value</a:t>
-            </a:r>
-          </a:p>
-          <a:p>
-            <a:pPr lvl="1"/>
-            <a:r>
-              <a:rPr lang="en-US" dirty="0" smtClean="0"/>
-              <a:t>And returns the closest value to that target</a:t>
-            </a:r>
-          </a:p>
-          <a:p>
-            <a:pPr lvl="2"/>
-            <a:r>
-              <a:rPr lang="en-US" dirty="0" smtClean="0"/>
-              <a:t>You can assume that there will be one closest value</a:t>
-            </a:r>
-          </a:p>
-          <a:p>
-            <a:pPr lvl="2"/>
-            <a:endParaRPr lang="en-US" dirty="0"/>
-          </a:p>
-          <a:p>
-            <a:r>
-              <a:rPr lang="en-US" dirty="0" smtClean="0"/>
-              <a:t>Each BST node </a:t>
-            </a:r>
-          </a:p>
-          <a:p>
-            <a:pPr lvl="1"/>
-            <a:r>
-              <a:rPr lang="en-US" dirty="0" smtClean="0"/>
-              <a:t>has an integer value, left and right children nodes</a:t>
+              <a:t>Find a target node value in the tree</a:t>
             </a:r>
           </a:p>
           <a:p>
@@ -10354,44 +14750,630 @@
           <a:p>
             <a:r>
               <a:rPr lang="en-US" dirty="0" smtClean="0"/>
-              <a:t>BST property: </a:t>
+              <a:t>This results in</a:t>
             </a:r>
           </a:p>
           <a:p>
             <a:pPr lvl="1"/>
             <a:r>
               <a:rPr lang="en-US" dirty="0" smtClean="0"/>
-              <a:t>Value at a given node is</a:t>
-            </a:r>
-          </a:p>
-          <a:p>
-            <a:pPr lvl="2"/>
+              <a:t>True if value is found in tree</a:t>
+            </a:r>
+          </a:p>
+          <a:p>
+            <a:pPr lvl="1"/>
             <a:r>
               <a:rPr lang="en-US" dirty="0" smtClean="0"/>
-              <a:t>Strictly greater than values to its left</a:t>
-            </a:r>
-          </a:p>
-          <a:p>
-            <a:pPr lvl="2"/>
+              <a:t>False, otherwise</a:t>
+            </a:r>
+          </a:p>
+          <a:p>
+            <a:pPr lvl="1"/>
             <a:endParaRPr lang="en-US" dirty="0"/>
           </a:p>
           <a:p>
-            <a:pPr lvl="2"/>
             <a:r>
               <a:rPr lang="en-US" dirty="0" smtClean="0"/>
-              <a:t>And less than or equal to values to its right</a:t>
-            </a:r>
+              <a:t>Solution</a:t>
+            </a:r>
+          </a:p>
+          <a:p>
+            <a:pPr lvl="1"/>
+            <a:r>
+              <a:rPr lang="en-US" dirty="0" smtClean="0"/>
+              <a:t>Recursive</a:t>
+            </a:r>
+            <a:r>
+              <a:rPr lang="en-US" dirty="0"/>
+              <a:t> </a:t>
+            </a:r>
+            <a:r>
+              <a:rPr lang="en-US" dirty="0" smtClean="0"/>
+              <a:t>traversal-based solution</a:t>
+            </a:r>
+          </a:p>
+          <a:p>
+            <a:pPr marL="344487" lvl="1" indent="0">
+              <a:buNone/>
+            </a:pPr>
             <a:endParaRPr lang="en-US" dirty="0"/>
           </a:p>
-          <a:p>
-            <a:endParaRPr lang="en-US" dirty="0" smtClean="0"/>
+        </p:txBody>
+      </p:sp>
+      <p:sp>
+        <p:nvSpPr>
+          <p:cNvPr id="4" name="Oval 4"/>
+          <p:cNvSpPr>
+            <a:spLocks noChangeArrowheads="1"/>
+          </p:cNvSpPr>
+          <p:nvPr/>
+        </p:nvSpPr>
+        <p:spPr bwMode="auto">
+          <a:xfrm>
+            <a:off x="6629400" y="1524000"/>
+            <a:ext cx="533400" cy="533400"/>
+          </a:xfrm>
+          <a:prstGeom prst="ellipse">
+            <a:avLst/>
+          </a:prstGeom>
+          <a:solidFill>
+            <a:schemeClr val="accent1"/>
+          </a:solidFill>
+          <a:ln w="28575">
+            <a:solidFill>
+              <a:schemeClr val="tx1"/>
+            </a:solidFill>
+            <a:round/>
+            <a:headEnd/>
+            <a:tailEnd/>
+          </a:ln>
+          <a:effectLst/>
+          <a:extLst>
+            <a:ext uri="{AF507438-7753-43E0-B8FC-AC1667EBCBE1}">
+              <a14:hiddenEffects xmlns:a14="http://schemas.microsoft.com/office/drawing/2010/main">
+                <a:effectLst>
+                  <a:outerShdw dist="35921" dir="2700000" algn="ctr" rotWithShape="0">
+                    <a:schemeClr val="bg2"/>
+                  </a:outerShdw>
+                </a:effectLst>
+              </a14:hiddenEffects>
+            </a:ext>
+          </a:extLst>
+        </p:spPr>
+        <p:txBody>
+          <a:bodyPr wrap="none" anchor="ctr"/>
+          <a:lstStyle/>
+          <a:p>
+            <a:pPr algn="ctr"/>
+            <a:r>
+              <a:rPr lang="en-US" altLang="en-US" b="1" dirty="0"/>
+              <a:t>A</a:t>
+            </a:r>
+          </a:p>
+        </p:txBody>
+      </p:sp>
+      <p:sp>
+        <p:nvSpPr>
+          <p:cNvPr id="5" name="Line 5"/>
+          <p:cNvSpPr>
+            <a:spLocks noChangeShapeType="1"/>
+          </p:cNvSpPr>
+          <p:nvPr/>
+        </p:nvSpPr>
+        <p:spPr bwMode="auto">
+          <a:xfrm flipH="1">
+            <a:off x="6324600" y="1858962"/>
+            <a:ext cx="304800" cy="609600"/>
+          </a:xfrm>
+          <a:prstGeom prst="line">
+            <a:avLst/>
+          </a:prstGeom>
+          <a:noFill/>
+          <a:ln w="28575">
+            <a:solidFill>
+              <a:schemeClr val="tx1"/>
+            </a:solidFill>
+            <a:round/>
+            <a:headEnd/>
+            <a:tailEnd type="none"/>
+          </a:ln>
+          <a:effectLst/>
+          <a:extLst>
+            <a:ext uri="{909E8E84-426E-40DD-AFC4-6F175D3DCCD1}">
+              <a14:hiddenFill xmlns:a14="http://schemas.microsoft.com/office/drawing/2010/main">
+                <a:noFill/>
+              </a14:hiddenFill>
+            </a:ext>
+            <a:ext uri="{AF507438-7753-43E0-B8FC-AC1667EBCBE1}">
+              <a14:hiddenEffects xmlns:a14="http://schemas.microsoft.com/office/drawing/2010/main">
+                <a:effectLst>
+                  <a:outerShdw dist="35921" dir="2700000" algn="ctr" rotWithShape="0">
+                    <a:schemeClr val="bg2"/>
+                  </a:outerShdw>
+                </a:effectLst>
+              </a14:hiddenEffects>
+            </a:ext>
+          </a:extLst>
+        </p:spPr>
+        <p:txBody>
+          <a:bodyPr/>
+          <a:lstStyle/>
+          <a:p>
+            <a:endParaRPr lang="en-US"/>
+          </a:p>
+        </p:txBody>
+      </p:sp>
+      <p:sp>
+        <p:nvSpPr>
+          <p:cNvPr id="6" name="Oval 4"/>
+          <p:cNvSpPr>
+            <a:spLocks noChangeArrowheads="1"/>
+          </p:cNvSpPr>
+          <p:nvPr/>
+        </p:nvSpPr>
+        <p:spPr bwMode="auto">
+          <a:xfrm>
+            <a:off x="6019800" y="2468562"/>
+            <a:ext cx="533400" cy="533400"/>
+          </a:xfrm>
+          <a:prstGeom prst="ellipse">
+            <a:avLst/>
+          </a:prstGeom>
+          <a:solidFill>
+            <a:schemeClr val="accent1"/>
+          </a:solidFill>
+          <a:ln w="28575">
+            <a:solidFill>
+              <a:schemeClr val="tx1"/>
+            </a:solidFill>
+            <a:round/>
+            <a:headEnd/>
+            <a:tailEnd/>
+          </a:ln>
+          <a:effectLst/>
+          <a:extLst>
+            <a:ext uri="{AF507438-7753-43E0-B8FC-AC1667EBCBE1}">
+              <a14:hiddenEffects xmlns:a14="http://schemas.microsoft.com/office/drawing/2010/main">
+                <a:effectLst>
+                  <a:outerShdw dist="35921" dir="2700000" algn="ctr" rotWithShape="0">
+                    <a:schemeClr val="bg2"/>
+                  </a:outerShdw>
+                </a:effectLst>
+              </a14:hiddenEffects>
+            </a:ext>
+          </a:extLst>
+        </p:spPr>
+        <p:txBody>
+          <a:bodyPr wrap="none" anchor="ctr"/>
+          <a:lstStyle/>
+          <a:p>
+            <a:pPr algn="ctr"/>
+            <a:r>
+              <a:rPr lang="en-US" altLang="en-US" b="1" dirty="0" smtClean="0"/>
+              <a:t>B</a:t>
+            </a:r>
+            <a:endParaRPr lang="en-US" altLang="en-US" b="1" dirty="0"/>
+          </a:p>
+        </p:txBody>
+      </p:sp>
+      <p:sp>
+        <p:nvSpPr>
+          <p:cNvPr id="7" name="Oval 4"/>
+          <p:cNvSpPr>
+            <a:spLocks noChangeArrowheads="1"/>
+          </p:cNvSpPr>
+          <p:nvPr/>
+        </p:nvSpPr>
+        <p:spPr bwMode="auto">
+          <a:xfrm>
+            <a:off x="7239000" y="2468562"/>
+            <a:ext cx="533400" cy="533400"/>
+          </a:xfrm>
+          <a:prstGeom prst="ellipse">
+            <a:avLst/>
+          </a:prstGeom>
+          <a:solidFill>
+            <a:schemeClr val="accent1"/>
+          </a:solidFill>
+          <a:ln w="28575">
+            <a:solidFill>
+              <a:schemeClr val="tx1"/>
+            </a:solidFill>
+            <a:round/>
+            <a:headEnd/>
+            <a:tailEnd/>
+          </a:ln>
+          <a:effectLst/>
+          <a:extLst>
+            <a:ext uri="{AF507438-7753-43E0-B8FC-AC1667EBCBE1}">
+              <a14:hiddenEffects xmlns:a14="http://schemas.microsoft.com/office/drawing/2010/main">
+                <a:effectLst>
+                  <a:outerShdw dist="35921" dir="2700000" algn="ctr" rotWithShape="0">
+                    <a:schemeClr val="bg2"/>
+                  </a:outerShdw>
+                </a:effectLst>
+              </a14:hiddenEffects>
+            </a:ext>
+          </a:extLst>
+        </p:spPr>
+        <p:txBody>
+          <a:bodyPr wrap="none" anchor="ctr"/>
+          <a:lstStyle/>
+          <a:p>
+            <a:pPr algn="ctr"/>
+            <a:r>
+              <a:rPr lang="en-US" altLang="en-US" b="1" dirty="0"/>
+              <a:t>C</a:t>
+            </a:r>
+          </a:p>
+        </p:txBody>
+      </p:sp>
+      <p:sp>
+        <p:nvSpPr>
+          <p:cNvPr id="8" name="Line 5"/>
+          <p:cNvSpPr>
+            <a:spLocks noChangeShapeType="1"/>
+          </p:cNvSpPr>
+          <p:nvPr/>
+        </p:nvSpPr>
+        <p:spPr bwMode="auto">
+          <a:xfrm>
+            <a:off x="7162800" y="1858962"/>
+            <a:ext cx="304800" cy="609600"/>
+          </a:xfrm>
+          <a:prstGeom prst="line">
+            <a:avLst/>
+          </a:prstGeom>
+          <a:noFill/>
+          <a:ln w="28575">
+            <a:solidFill>
+              <a:schemeClr val="tx1"/>
+            </a:solidFill>
+            <a:round/>
+            <a:headEnd/>
+            <a:tailEnd type="none"/>
+          </a:ln>
+          <a:effectLst/>
+          <a:extLst>
+            <a:ext uri="{909E8E84-426E-40DD-AFC4-6F175D3DCCD1}">
+              <a14:hiddenFill xmlns:a14="http://schemas.microsoft.com/office/drawing/2010/main">
+                <a:noFill/>
+              </a14:hiddenFill>
+            </a:ext>
+            <a:ext uri="{AF507438-7753-43E0-B8FC-AC1667EBCBE1}">
+              <a14:hiddenEffects xmlns:a14="http://schemas.microsoft.com/office/drawing/2010/main">
+                <a:effectLst>
+                  <a:outerShdw dist="35921" dir="2700000" algn="ctr" rotWithShape="0">
+                    <a:schemeClr val="bg2"/>
+                  </a:outerShdw>
+                </a:effectLst>
+              </a14:hiddenEffects>
+            </a:ext>
+          </a:extLst>
+        </p:spPr>
+        <p:txBody>
+          <a:bodyPr/>
+          <a:lstStyle/>
+          <a:p>
+            <a:endParaRPr lang="en-US"/>
+          </a:p>
+        </p:txBody>
+      </p:sp>
+      <p:sp>
+        <p:nvSpPr>
+          <p:cNvPr id="9" name="Line 5"/>
+          <p:cNvSpPr>
+            <a:spLocks noChangeShapeType="1"/>
+          </p:cNvSpPr>
+          <p:nvPr/>
+        </p:nvSpPr>
+        <p:spPr bwMode="auto">
+          <a:xfrm flipH="1">
+            <a:off x="5715000" y="2773362"/>
+            <a:ext cx="304800" cy="685800"/>
+          </a:xfrm>
+          <a:prstGeom prst="line">
+            <a:avLst/>
+          </a:prstGeom>
+          <a:noFill/>
+          <a:ln w="28575">
+            <a:solidFill>
+              <a:schemeClr val="tx1"/>
+            </a:solidFill>
+            <a:round/>
+            <a:headEnd/>
+            <a:tailEnd/>
+          </a:ln>
+          <a:effectLst/>
+          <a:extLst>
+            <a:ext uri="{909E8E84-426E-40DD-AFC4-6F175D3DCCD1}">
+              <a14:hiddenFill xmlns:a14="http://schemas.microsoft.com/office/drawing/2010/main">
+                <a:noFill/>
+              </a14:hiddenFill>
+            </a:ext>
+            <a:ext uri="{AF507438-7753-43E0-B8FC-AC1667EBCBE1}">
+              <a14:hiddenEffects xmlns:a14="http://schemas.microsoft.com/office/drawing/2010/main">
+                <a:effectLst>
+                  <a:outerShdw dist="35921" dir="2700000" algn="ctr" rotWithShape="0">
+                    <a:schemeClr val="bg2"/>
+                  </a:outerShdw>
+                </a:effectLst>
+              </a14:hiddenEffects>
+            </a:ext>
+          </a:extLst>
+        </p:spPr>
+        <p:txBody>
+          <a:bodyPr/>
+          <a:lstStyle/>
+          <a:p>
+            <a:endParaRPr lang="en-US"/>
+          </a:p>
+        </p:txBody>
+      </p:sp>
+      <p:sp>
+        <p:nvSpPr>
+          <p:cNvPr id="10" name="Oval 4"/>
+          <p:cNvSpPr>
+            <a:spLocks noChangeArrowheads="1"/>
+          </p:cNvSpPr>
+          <p:nvPr/>
+        </p:nvSpPr>
+        <p:spPr bwMode="auto">
+          <a:xfrm>
+            <a:off x="5410200" y="3382962"/>
+            <a:ext cx="533400" cy="533400"/>
+          </a:xfrm>
+          <a:prstGeom prst="ellipse">
+            <a:avLst/>
+          </a:prstGeom>
+          <a:solidFill>
+            <a:schemeClr val="accent1"/>
+          </a:solidFill>
+          <a:ln w="28575">
+            <a:solidFill>
+              <a:schemeClr val="tx1"/>
+            </a:solidFill>
+            <a:round/>
+            <a:headEnd/>
+            <a:tailEnd/>
+          </a:ln>
+          <a:effectLst/>
+          <a:extLst>
+            <a:ext uri="{AF507438-7753-43E0-B8FC-AC1667EBCBE1}">
+              <a14:hiddenEffects xmlns:a14="http://schemas.microsoft.com/office/drawing/2010/main">
+                <a:effectLst>
+                  <a:outerShdw dist="35921" dir="2700000" algn="ctr" rotWithShape="0">
+                    <a:schemeClr val="bg2"/>
+                  </a:outerShdw>
+                </a:effectLst>
+              </a14:hiddenEffects>
+            </a:ext>
+          </a:extLst>
+        </p:spPr>
+        <p:txBody>
+          <a:bodyPr wrap="none" anchor="ctr"/>
+          <a:lstStyle/>
+          <a:p>
+            <a:pPr algn="ctr"/>
+            <a:r>
+              <a:rPr lang="en-US" altLang="en-US" b="1" dirty="0" smtClean="0"/>
+              <a:t>D</a:t>
+            </a:r>
+            <a:endParaRPr lang="en-US" altLang="en-US" b="1" dirty="0"/>
+          </a:p>
+        </p:txBody>
+      </p:sp>
+      <p:sp>
+        <p:nvSpPr>
+          <p:cNvPr id="11" name="Oval 4"/>
+          <p:cNvSpPr>
+            <a:spLocks noChangeArrowheads="1"/>
+          </p:cNvSpPr>
+          <p:nvPr/>
+        </p:nvSpPr>
+        <p:spPr bwMode="auto">
+          <a:xfrm>
+            <a:off x="6629400" y="3382962"/>
+            <a:ext cx="533400" cy="533400"/>
+          </a:xfrm>
+          <a:prstGeom prst="ellipse">
+            <a:avLst/>
+          </a:prstGeom>
+          <a:solidFill>
+            <a:schemeClr val="accent1"/>
+          </a:solidFill>
+          <a:ln w="28575">
+            <a:solidFill>
+              <a:schemeClr val="tx1"/>
+            </a:solidFill>
+            <a:round/>
+            <a:headEnd/>
+            <a:tailEnd/>
+          </a:ln>
+          <a:effectLst/>
+          <a:extLst>
+            <a:ext uri="{AF507438-7753-43E0-B8FC-AC1667EBCBE1}">
+              <a14:hiddenEffects xmlns:a14="http://schemas.microsoft.com/office/drawing/2010/main">
+                <a:effectLst>
+                  <a:outerShdw dist="35921" dir="2700000" algn="ctr" rotWithShape="0">
+                    <a:schemeClr val="bg2"/>
+                  </a:outerShdw>
+                </a:effectLst>
+              </a14:hiddenEffects>
+            </a:ext>
+          </a:extLst>
+        </p:spPr>
+        <p:txBody>
+          <a:bodyPr wrap="none" anchor="ctr"/>
+          <a:lstStyle/>
+          <a:p>
+            <a:pPr algn="ctr"/>
+            <a:r>
+              <a:rPr lang="en-US" altLang="en-US" b="1" dirty="0" smtClean="0"/>
+              <a:t>E</a:t>
+            </a:r>
+            <a:endParaRPr lang="en-US" altLang="en-US" b="1" dirty="0"/>
+          </a:p>
+        </p:txBody>
+      </p:sp>
+      <p:sp>
+        <p:nvSpPr>
+          <p:cNvPr id="12" name="Line 5"/>
+          <p:cNvSpPr>
+            <a:spLocks noChangeShapeType="1"/>
+          </p:cNvSpPr>
+          <p:nvPr/>
+        </p:nvSpPr>
+        <p:spPr bwMode="auto">
+          <a:xfrm>
+            <a:off x="6553200" y="2773362"/>
+            <a:ext cx="304800" cy="609600"/>
+          </a:xfrm>
+          <a:prstGeom prst="line">
+            <a:avLst/>
+          </a:prstGeom>
+          <a:noFill/>
+          <a:ln w="28575">
+            <a:solidFill>
+              <a:schemeClr val="tx1"/>
+            </a:solidFill>
+            <a:round/>
+            <a:headEnd/>
+            <a:tailEnd/>
+          </a:ln>
+          <a:effectLst/>
+          <a:extLst>
+            <a:ext uri="{909E8E84-426E-40DD-AFC4-6F175D3DCCD1}">
+              <a14:hiddenFill xmlns:a14="http://schemas.microsoft.com/office/drawing/2010/main">
+                <a:noFill/>
+              </a14:hiddenFill>
+            </a:ext>
+            <a:ext uri="{AF507438-7753-43E0-B8FC-AC1667EBCBE1}">
+              <a14:hiddenEffects xmlns:a14="http://schemas.microsoft.com/office/drawing/2010/main">
+                <a:effectLst>
+                  <a:outerShdw dist="35921" dir="2700000" algn="ctr" rotWithShape="0">
+                    <a:schemeClr val="bg2"/>
+                  </a:outerShdw>
+                </a:effectLst>
+              </a14:hiddenEffects>
+            </a:ext>
+          </a:extLst>
+        </p:spPr>
+        <p:txBody>
+          <a:bodyPr/>
+          <a:lstStyle/>
+          <a:p>
+            <a:endParaRPr lang="en-US"/>
+          </a:p>
+        </p:txBody>
+      </p:sp>
+      <p:sp>
+        <p:nvSpPr>
+          <p:cNvPr id="13" name="Oval 4"/>
+          <p:cNvSpPr>
+            <a:spLocks noChangeArrowheads="1"/>
+          </p:cNvSpPr>
+          <p:nvPr/>
+        </p:nvSpPr>
+        <p:spPr bwMode="auto">
+          <a:xfrm>
+            <a:off x="7848600" y="3382962"/>
+            <a:ext cx="533400" cy="533400"/>
+          </a:xfrm>
+          <a:prstGeom prst="ellipse">
+            <a:avLst/>
+          </a:prstGeom>
+          <a:solidFill>
+            <a:schemeClr val="accent1"/>
+          </a:solidFill>
+          <a:ln w="28575">
+            <a:solidFill>
+              <a:schemeClr val="tx1"/>
+            </a:solidFill>
+            <a:round/>
+            <a:headEnd/>
+            <a:tailEnd/>
+          </a:ln>
+          <a:effectLst/>
+          <a:extLst>
+            <a:ext uri="{AF507438-7753-43E0-B8FC-AC1667EBCBE1}">
+              <a14:hiddenEffects xmlns:a14="http://schemas.microsoft.com/office/drawing/2010/main">
+                <a:effectLst>
+                  <a:outerShdw dist="35921" dir="2700000" algn="ctr" rotWithShape="0">
+                    <a:schemeClr val="bg2"/>
+                  </a:outerShdw>
+                </a:effectLst>
+              </a14:hiddenEffects>
+            </a:ext>
+          </a:extLst>
+        </p:spPr>
+        <p:txBody>
+          <a:bodyPr wrap="none" anchor="ctr"/>
+          <a:lstStyle/>
+          <a:p>
+            <a:pPr algn="ctr"/>
+            <a:r>
+              <a:rPr lang="en-US" altLang="en-US" b="1" dirty="0"/>
+              <a:t>F</a:t>
+            </a:r>
+          </a:p>
+        </p:txBody>
+      </p:sp>
+      <p:sp>
+        <p:nvSpPr>
+          <p:cNvPr id="14" name="Line 5"/>
+          <p:cNvSpPr>
+            <a:spLocks noChangeShapeType="1"/>
+          </p:cNvSpPr>
+          <p:nvPr/>
+        </p:nvSpPr>
+        <p:spPr bwMode="auto">
+          <a:xfrm>
+            <a:off x="7772400" y="2773362"/>
+            <a:ext cx="304800" cy="609600"/>
+          </a:xfrm>
+          <a:prstGeom prst="line">
+            <a:avLst/>
+          </a:prstGeom>
+          <a:noFill/>
+          <a:ln w="28575">
+            <a:solidFill>
+              <a:schemeClr val="tx1"/>
+            </a:solidFill>
+            <a:round/>
+            <a:headEnd/>
+            <a:tailEnd/>
+          </a:ln>
+          <a:effectLst/>
+          <a:extLst>
+            <a:ext uri="{909E8E84-426E-40DD-AFC4-6F175D3DCCD1}">
+              <a14:hiddenFill xmlns:a14="http://schemas.microsoft.com/office/drawing/2010/main">
+                <a:noFill/>
+              </a14:hiddenFill>
+            </a:ext>
+            <a:ext uri="{AF507438-7753-43E0-B8FC-AC1667EBCBE1}">
+              <a14:hiddenEffects xmlns:a14="http://schemas.microsoft.com/office/drawing/2010/main">
+                <a:effectLst>
+                  <a:outerShdw dist="35921" dir="2700000" algn="ctr" rotWithShape="0">
+                    <a:schemeClr val="bg2"/>
+                  </a:outerShdw>
+                </a:effectLst>
+              </a14:hiddenEffects>
+            </a:ext>
+          </a:extLst>
+        </p:spPr>
+        <p:txBody>
+          <a:bodyPr/>
+          <a:lstStyle/>
+          <a:p>
+            <a:endParaRPr lang="en-US"/>
           </a:p>
         </p:txBody>
       </p:sp>
     </p:spTree>
     <p:extLst>
       <p:ext uri="{BB962C8B-B14F-4D97-AF65-F5344CB8AC3E}">
-        <p14:creationId xmlns:p14="http://schemas.microsoft.com/office/powerpoint/2010/main" val="1710353786"/>
+        <p14:creationId xmlns:p14="http://schemas.microsoft.com/office/powerpoint/2010/main" val="1028962608"/>
       </p:ext>
     </p:extLst>
   </p:cSld>
@@ -10447,7 +15429,14 @@
           <a:p>
             <a:r>
               <a:rPr lang="en-US" dirty="0" smtClean="0"/>
-              <a:t>BST: case study 2 </a:t>
+              <a:t>Binary tree case study 4: </a:t>
+            </a:r>
+            <a:br>
+              <a:rPr lang="en-US" dirty="0" smtClean="0"/>
+            </a:br>
+            <a:r>
+              <a:rPr lang="en-US" dirty="0" smtClean="0"/>
+              <a:t>tree sum</a:t>
             </a:r>
             <a:endParaRPr lang="en-US" dirty="0"/>
           </a:p>
@@ -10466,23 +15455,26 @@
         <p:spPr>
           <a:xfrm>
             <a:off x="0" y="1417638"/>
-            <a:ext cx="9144000" cy="5440362"/>
+            <a:ext cx="6629400" cy="5440362"/>
           </a:xfrm>
         </p:spPr>
         <p:txBody>
           <a:bodyPr/>
           <a:lstStyle/>
           <a:p>
+            <a:endParaRPr lang="en-US" dirty="0" smtClean="0"/>
+          </a:p>
+          <a:p>
             <a:r>
               <a:rPr lang="en-US" dirty="0" smtClean="0"/>
-              <a:t>Write a function that takes in a BST </a:t>
+              <a:t>Objective</a:t>
             </a:r>
           </a:p>
           <a:p>
             <a:pPr lvl="1"/>
             <a:r>
               <a:rPr lang="en-US" dirty="0" smtClean="0"/>
-              <a:t>And returns the kth largest integer in the BST</a:t>
+              <a:t>Find total sum of values in binary tree</a:t>
             </a:r>
           </a:p>
           <a:p>
@@ -10490,83 +15482,623 @@
             <a:endParaRPr lang="en-US" dirty="0"/>
           </a:p>
           <a:p>
+            <a:r>
+              <a:rPr lang="en-US" dirty="0" smtClean="0"/>
+              <a:t>This results in 25</a:t>
+            </a:r>
+          </a:p>
+          <a:p>
             <a:pPr lvl="1"/>
             <a:r>
               <a:rPr lang="en-US" dirty="0" smtClean="0"/>
-              <a:t>You can assume that </a:t>
-            </a:r>
-          </a:p>
-          <a:p>
-            <a:pPr lvl="2"/>
+              <a:t>For tree given on right-hand side</a:t>
+            </a:r>
+            <a:endParaRPr lang="en-US" dirty="0"/>
+          </a:p>
+          <a:p>
+            <a:endParaRPr lang="en-US" dirty="0" smtClean="0"/>
+          </a:p>
+          <a:p>
             <a:r>
               <a:rPr lang="en-US" dirty="0" smtClean="0"/>
-              <a:t>There are only </a:t>
-            </a:r>
-            <a:r>
-              <a:rPr lang="en-US" dirty="0" err="1" smtClean="0"/>
-              <a:t>int</a:t>
-            </a:r>
+              <a:t>Solution</a:t>
+            </a:r>
+          </a:p>
+          <a:p>
+            <a:pPr lvl="1"/>
             <a:r>
               <a:rPr lang="en-US" dirty="0" smtClean="0"/>
-              <a:t> values in the BST </a:t>
-            </a:r>
-          </a:p>
-          <a:p>
-            <a:pPr lvl="2"/>
+              <a:t>Recursive</a:t>
+            </a:r>
+            <a:r>
+              <a:rPr lang="en-US" dirty="0"/>
+              <a:t> </a:t>
+            </a:r>
+            <a:r>
+              <a:rPr lang="en-US" dirty="0" smtClean="0"/>
+              <a:t>traversal-based solution</a:t>
+            </a:r>
+          </a:p>
+          <a:p>
+            <a:pPr marL="344487" lvl="1" indent="0">
+              <a:buNone/>
+            </a:pPr>
             <a:endParaRPr lang="en-US" dirty="0"/>
           </a:p>
-          <a:p>
-            <a:pPr lvl="2"/>
-            <a:r>
-              <a:rPr lang="en-US" dirty="0" smtClean="0"/>
-              <a:t>And that k is less than or equal to </a:t>
-            </a:r>
-            <a:r>
-              <a:rPr lang="en-US" dirty="0" err="1" smtClean="0"/>
-              <a:t>nb</a:t>
-            </a:r>
-            <a:r>
-              <a:rPr lang="en-US" dirty="0" smtClean="0"/>
-              <a:t> of nodes in BST</a:t>
-            </a:r>
-          </a:p>
-          <a:p>
-            <a:pPr lvl="1"/>
-            <a:endParaRPr lang="en-US" dirty="0" smtClean="0"/>
-          </a:p>
-          <a:p>
-            <a:pPr lvl="1"/>
-            <a:r>
-              <a:rPr lang="en-US" dirty="0" smtClean="0"/>
-              <a:t>Also, duplicate </a:t>
-            </a:r>
-            <a:r>
-              <a:rPr lang="en-US" dirty="0" err="1" smtClean="0"/>
-              <a:t>ints</a:t>
-            </a:r>
-            <a:r>
-              <a:rPr lang="en-US" dirty="0" smtClean="0"/>
-              <a:t> will be treated as distinct values</a:t>
-            </a:r>
-          </a:p>
-          <a:p>
-            <a:pPr lvl="2"/>
-            <a:r>
-              <a:rPr lang="en-US" dirty="0" smtClean="0"/>
-              <a:t>In {5, 7, 7}, second largest </a:t>
-            </a:r>
-            <a:r>
-              <a:rPr lang="en-US" smtClean="0"/>
-              <a:t>value will be 7 – not 5</a:t>
-            </a:r>
-            <a:endParaRPr lang="en-US" dirty="0" smtClean="0"/>
+        </p:txBody>
+      </p:sp>
+      <p:sp>
+        <p:nvSpPr>
+          <p:cNvPr id="4" name="Oval 4"/>
+          <p:cNvSpPr>
+            <a:spLocks noChangeArrowheads="1"/>
+          </p:cNvSpPr>
+          <p:nvPr/>
+        </p:nvSpPr>
+        <p:spPr bwMode="auto">
+          <a:xfrm>
+            <a:off x="7086600" y="1951038"/>
+            <a:ext cx="533400" cy="533400"/>
+          </a:xfrm>
+          <a:prstGeom prst="ellipse">
+            <a:avLst/>
+          </a:prstGeom>
+          <a:solidFill>
+            <a:schemeClr val="accent1"/>
+          </a:solidFill>
+          <a:ln w="28575">
+            <a:solidFill>
+              <a:schemeClr val="tx1"/>
+            </a:solidFill>
+            <a:round/>
+            <a:headEnd/>
+            <a:tailEnd/>
+          </a:ln>
+          <a:effectLst/>
+          <a:extLst>
+            <a:ext uri="{AF507438-7753-43E0-B8FC-AC1667EBCBE1}">
+              <a14:hiddenEffects xmlns:a14="http://schemas.microsoft.com/office/drawing/2010/main">
+                <a:effectLst>
+                  <a:outerShdw dist="35921" dir="2700000" algn="ctr" rotWithShape="0">
+                    <a:schemeClr val="bg2"/>
+                  </a:outerShdw>
+                </a:effectLst>
+              </a14:hiddenEffects>
+            </a:ext>
+          </a:extLst>
+        </p:spPr>
+        <p:txBody>
+          <a:bodyPr wrap="none" anchor="ctr"/>
+          <a:lstStyle/>
+          <a:p>
+            <a:pPr algn="ctr"/>
+            <a:r>
+              <a:rPr lang="en-US" altLang="en-US" b="1" dirty="0"/>
+              <a:t>3</a:t>
+            </a:r>
+          </a:p>
+        </p:txBody>
+      </p:sp>
+      <p:sp>
+        <p:nvSpPr>
+          <p:cNvPr id="5" name="Line 5"/>
+          <p:cNvSpPr>
+            <a:spLocks noChangeShapeType="1"/>
+          </p:cNvSpPr>
+          <p:nvPr/>
+        </p:nvSpPr>
+        <p:spPr bwMode="auto">
+          <a:xfrm flipH="1">
+            <a:off x="6781800" y="2286000"/>
+            <a:ext cx="304800" cy="609600"/>
+          </a:xfrm>
+          <a:prstGeom prst="line">
+            <a:avLst/>
+          </a:prstGeom>
+          <a:noFill/>
+          <a:ln w="28575">
+            <a:solidFill>
+              <a:schemeClr val="tx1"/>
+            </a:solidFill>
+            <a:round/>
+            <a:headEnd/>
+            <a:tailEnd type="none"/>
+          </a:ln>
+          <a:effectLst/>
+          <a:extLst>
+            <a:ext uri="{909E8E84-426E-40DD-AFC4-6F175D3DCCD1}">
+              <a14:hiddenFill xmlns:a14="http://schemas.microsoft.com/office/drawing/2010/main">
+                <a:noFill/>
+              </a14:hiddenFill>
+            </a:ext>
+            <a:ext uri="{AF507438-7753-43E0-B8FC-AC1667EBCBE1}">
+              <a14:hiddenEffects xmlns:a14="http://schemas.microsoft.com/office/drawing/2010/main">
+                <a:effectLst>
+                  <a:outerShdw dist="35921" dir="2700000" algn="ctr" rotWithShape="0">
+                    <a:schemeClr val="bg2"/>
+                  </a:outerShdw>
+                </a:effectLst>
+              </a14:hiddenEffects>
+            </a:ext>
+          </a:extLst>
+        </p:spPr>
+        <p:txBody>
+          <a:bodyPr/>
+          <a:lstStyle/>
+          <a:p>
+            <a:endParaRPr lang="en-US"/>
+          </a:p>
+        </p:txBody>
+      </p:sp>
+      <p:sp>
+        <p:nvSpPr>
+          <p:cNvPr id="6" name="Oval 4"/>
+          <p:cNvSpPr>
+            <a:spLocks noChangeArrowheads="1"/>
+          </p:cNvSpPr>
+          <p:nvPr/>
+        </p:nvSpPr>
+        <p:spPr bwMode="auto">
+          <a:xfrm>
+            <a:off x="6477000" y="2895600"/>
+            <a:ext cx="533400" cy="533400"/>
+          </a:xfrm>
+          <a:prstGeom prst="ellipse">
+            <a:avLst/>
+          </a:prstGeom>
+          <a:solidFill>
+            <a:schemeClr val="accent1"/>
+          </a:solidFill>
+          <a:ln w="28575">
+            <a:solidFill>
+              <a:schemeClr val="tx1"/>
+            </a:solidFill>
+            <a:round/>
+            <a:headEnd/>
+            <a:tailEnd/>
+          </a:ln>
+          <a:effectLst/>
+          <a:extLst>
+            <a:ext uri="{AF507438-7753-43E0-B8FC-AC1667EBCBE1}">
+              <a14:hiddenEffects xmlns:a14="http://schemas.microsoft.com/office/drawing/2010/main">
+                <a:effectLst>
+                  <a:outerShdw dist="35921" dir="2700000" algn="ctr" rotWithShape="0">
+                    <a:schemeClr val="bg2"/>
+                  </a:outerShdw>
+                </a:effectLst>
+              </a14:hiddenEffects>
+            </a:ext>
+          </a:extLst>
+        </p:spPr>
+        <p:txBody>
+          <a:bodyPr wrap="none" anchor="ctr"/>
+          <a:lstStyle/>
+          <a:p>
+            <a:pPr algn="ctr"/>
+            <a:r>
+              <a:rPr lang="en-US" altLang="en-US" b="1" dirty="0" smtClean="0"/>
+              <a:t>11</a:t>
+            </a:r>
+            <a:endParaRPr lang="en-US" altLang="en-US" b="1" dirty="0"/>
+          </a:p>
+        </p:txBody>
+      </p:sp>
+      <p:sp>
+        <p:nvSpPr>
+          <p:cNvPr id="7" name="Oval 4"/>
+          <p:cNvSpPr>
+            <a:spLocks noChangeArrowheads="1"/>
+          </p:cNvSpPr>
+          <p:nvPr/>
+        </p:nvSpPr>
+        <p:spPr bwMode="auto">
+          <a:xfrm>
+            <a:off x="7696200" y="2895600"/>
+            <a:ext cx="533400" cy="533400"/>
+          </a:xfrm>
+          <a:prstGeom prst="ellipse">
+            <a:avLst/>
+          </a:prstGeom>
+          <a:solidFill>
+            <a:schemeClr val="accent1"/>
+          </a:solidFill>
+          <a:ln w="28575">
+            <a:solidFill>
+              <a:schemeClr val="tx1"/>
+            </a:solidFill>
+            <a:round/>
+            <a:headEnd/>
+            <a:tailEnd/>
+          </a:ln>
+          <a:effectLst/>
+          <a:extLst>
+            <a:ext uri="{AF507438-7753-43E0-B8FC-AC1667EBCBE1}">
+              <a14:hiddenEffects xmlns:a14="http://schemas.microsoft.com/office/drawing/2010/main">
+                <a:effectLst>
+                  <a:outerShdw dist="35921" dir="2700000" algn="ctr" rotWithShape="0">
+                    <a:schemeClr val="bg2"/>
+                  </a:outerShdw>
+                </a:effectLst>
+              </a14:hiddenEffects>
+            </a:ext>
+          </a:extLst>
+        </p:spPr>
+        <p:txBody>
+          <a:bodyPr wrap="none" anchor="ctr"/>
+          <a:lstStyle/>
+          <a:p>
+            <a:pPr algn="ctr"/>
+            <a:r>
+              <a:rPr lang="en-US" altLang="en-US" b="1" dirty="0"/>
+              <a:t>4</a:t>
+            </a:r>
+          </a:p>
+        </p:txBody>
+      </p:sp>
+      <p:sp>
+        <p:nvSpPr>
+          <p:cNvPr id="8" name="Line 5"/>
+          <p:cNvSpPr>
+            <a:spLocks noChangeShapeType="1"/>
+          </p:cNvSpPr>
+          <p:nvPr/>
+        </p:nvSpPr>
+        <p:spPr bwMode="auto">
+          <a:xfrm>
+            <a:off x="7620000" y="2286000"/>
+            <a:ext cx="304800" cy="609600"/>
+          </a:xfrm>
+          <a:prstGeom prst="line">
+            <a:avLst/>
+          </a:prstGeom>
+          <a:noFill/>
+          <a:ln w="28575">
+            <a:solidFill>
+              <a:schemeClr val="tx1"/>
+            </a:solidFill>
+            <a:round/>
+            <a:headEnd/>
+            <a:tailEnd type="none"/>
+          </a:ln>
+          <a:effectLst/>
+          <a:extLst>
+            <a:ext uri="{909E8E84-426E-40DD-AFC4-6F175D3DCCD1}">
+              <a14:hiddenFill xmlns:a14="http://schemas.microsoft.com/office/drawing/2010/main">
+                <a:noFill/>
+              </a14:hiddenFill>
+            </a:ext>
+            <a:ext uri="{AF507438-7753-43E0-B8FC-AC1667EBCBE1}">
+              <a14:hiddenEffects xmlns:a14="http://schemas.microsoft.com/office/drawing/2010/main">
+                <a:effectLst>
+                  <a:outerShdw dist="35921" dir="2700000" algn="ctr" rotWithShape="0">
+                    <a:schemeClr val="bg2"/>
+                  </a:outerShdw>
+                </a:effectLst>
+              </a14:hiddenEffects>
+            </a:ext>
+          </a:extLst>
+        </p:spPr>
+        <p:txBody>
+          <a:bodyPr/>
+          <a:lstStyle/>
+          <a:p>
+            <a:endParaRPr lang="en-US"/>
+          </a:p>
+        </p:txBody>
+      </p:sp>
+      <p:sp>
+        <p:nvSpPr>
+          <p:cNvPr id="9" name="Line 5"/>
+          <p:cNvSpPr>
+            <a:spLocks noChangeShapeType="1"/>
+          </p:cNvSpPr>
+          <p:nvPr/>
+        </p:nvSpPr>
+        <p:spPr bwMode="auto">
+          <a:xfrm flipH="1">
+            <a:off x="6172200" y="3200400"/>
+            <a:ext cx="304800" cy="685800"/>
+          </a:xfrm>
+          <a:prstGeom prst="line">
+            <a:avLst/>
+          </a:prstGeom>
+          <a:noFill/>
+          <a:ln w="28575">
+            <a:solidFill>
+              <a:schemeClr val="tx1"/>
+            </a:solidFill>
+            <a:round/>
+            <a:headEnd/>
+            <a:tailEnd/>
+          </a:ln>
+          <a:effectLst/>
+          <a:extLst>
+            <a:ext uri="{909E8E84-426E-40DD-AFC4-6F175D3DCCD1}">
+              <a14:hiddenFill xmlns:a14="http://schemas.microsoft.com/office/drawing/2010/main">
+                <a:noFill/>
+              </a14:hiddenFill>
+            </a:ext>
+            <a:ext uri="{AF507438-7753-43E0-B8FC-AC1667EBCBE1}">
+              <a14:hiddenEffects xmlns:a14="http://schemas.microsoft.com/office/drawing/2010/main">
+                <a:effectLst>
+                  <a:outerShdw dist="35921" dir="2700000" algn="ctr" rotWithShape="0">
+                    <a:schemeClr val="bg2"/>
+                  </a:outerShdw>
+                </a:effectLst>
+              </a14:hiddenEffects>
+            </a:ext>
+          </a:extLst>
+        </p:spPr>
+        <p:txBody>
+          <a:bodyPr/>
+          <a:lstStyle/>
+          <a:p>
+            <a:endParaRPr lang="en-US"/>
+          </a:p>
+        </p:txBody>
+      </p:sp>
+      <p:sp>
+        <p:nvSpPr>
+          <p:cNvPr id="10" name="Oval 4"/>
+          <p:cNvSpPr>
+            <a:spLocks noChangeArrowheads="1"/>
+          </p:cNvSpPr>
+          <p:nvPr/>
+        </p:nvSpPr>
+        <p:spPr bwMode="auto">
+          <a:xfrm>
+            <a:off x="5867400" y="3810000"/>
+            <a:ext cx="533400" cy="533400"/>
+          </a:xfrm>
+          <a:prstGeom prst="ellipse">
+            <a:avLst/>
+          </a:prstGeom>
+          <a:solidFill>
+            <a:schemeClr val="accent1"/>
+          </a:solidFill>
+          <a:ln w="28575">
+            <a:solidFill>
+              <a:schemeClr val="tx1"/>
+            </a:solidFill>
+            <a:round/>
+            <a:headEnd/>
+            <a:tailEnd/>
+          </a:ln>
+          <a:effectLst/>
+          <a:extLst>
+            <a:ext uri="{AF507438-7753-43E0-B8FC-AC1667EBCBE1}">
+              <a14:hiddenEffects xmlns:a14="http://schemas.microsoft.com/office/drawing/2010/main">
+                <a:effectLst>
+                  <a:outerShdw dist="35921" dir="2700000" algn="ctr" rotWithShape="0">
+                    <a:schemeClr val="bg2"/>
+                  </a:outerShdw>
+                </a:effectLst>
+              </a14:hiddenEffects>
+            </a:ext>
+          </a:extLst>
+        </p:spPr>
+        <p:txBody>
+          <a:bodyPr wrap="none" anchor="ctr"/>
+          <a:lstStyle/>
+          <a:p>
+            <a:pPr algn="ctr"/>
+            <a:r>
+              <a:rPr lang="en-US" altLang="en-US" b="1" dirty="0"/>
+              <a:t>4</a:t>
+            </a:r>
+          </a:p>
+        </p:txBody>
+      </p:sp>
+      <p:sp>
+        <p:nvSpPr>
+          <p:cNvPr id="11" name="Oval 4"/>
+          <p:cNvSpPr>
+            <a:spLocks noChangeArrowheads="1"/>
+          </p:cNvSpPr>
+          <p:nvPr/>
+        </p:nvSpPr>
+        <p:spPr bwMode="auto">
+          <a:xfrm>
+            <a:off x="7086600" y="3810000"/>
+            <a:ext cx="533400" cy="533400"/>
+          </a:xfrm>
+          <a:prstGeom prst="ellipse">
+            <a:avLst/>
+          </a:prstGeom>
+          <a:solidFill>
+            <a:schemeClr val="accent1"/>
+          </a:solidFill>
+          <a:ln w="28575">
+            <a:solidFill>
+              <a:schemeClr val="tx1"/>
+            </a:solidFill>
+            <a:round/>
+            <a:headEnd/>
+            <a:tailEnd/>
+          </a:ln>
+          <a:effectLst/>
+          <a:extLst>
+            <a:ext uri="{AF507438-7753-43E0-B8FC-AC1667EBCBE1}">
+              <a14:hiddenEffects xmlns:a14="http://schemas.microsoft.com/office/drawing/2010/main">
+                <a:effectLst>
+                  <a:outerShdw dist="35921" dir="2700000" algn="ctr" rotWithShape="0">
+                    <a:schemeClr val="bg2"/>
+                  </a:outerShdw>
+                </a:effectLst>
+              </a14:hiddenEffects>
+            </a:ext>
+          </a:extLst>
+        </p:spPr>
+        <p:txBody>
+          <a:bodyPr wrap="none" anchor="ctr"/>
+          <a:lstStyle/>
+          <a:p>
+            <a:pPr algn="ctr"/>
+            <a:r>
+              <a:rPr lang="en-US" altLang="en-US" b="1" dirty="0"/>
+              <a:t>2</a:t>
+            </a:r>
+          </a:p>
+        </p:txBody>
+      </p:sp>
+      <p:sp>
+        <p:nvSpPr>
+          <p:cNvPr id="12" name="Line 5"/>
+          <p:cNvSpPr>
+            <a:spLocks noChangeShapeType="1"/>
+          </p:cNvSpPr>
+          <p:nvPr/>
+        </p:nvSpPr>
+        <p:spPr bwMode="auto">
+          <a:xfrm>
+            <a:off x="7010400" y="3200400"/>
+            <a:ext cx="304800" cy="609600"/>
+          </a:xfrm>
+          <a:prstGeom prst="line">
+            <a:avLst/>
+          </a:prstGeom>
+          <a:noFill/>
+          <a:ln w="28575">
+            <a:solidFill>
+              <a:schemeClr val="tx1"/>
+            </a:solidFill>
+            <a:round/>
+            <a:headEnd/>
+            <a:tailEnd/>
+          </a:ln>
+          <a:effectLst/>
+          <a:extLst>
+            <a:ext uri="{909E8E84-426E-40DD-AFC4-6F175D3DCCD1}">
+              <a14:hiddenFill xmlns:a14="http://schemas.microsoft.com/office/drawing/2010/main">
+                <a:noFill/>
+              </a14:hiddenFill>
+            </a:ext>
+            <a:ext uri="{AF507438-7753-43E0-B8FC-AC1667EBCBE1}">
+              <a14:hiddenEffects xmlns:a14="http://schemas.microsoft.com/office/drawing/2010/main">
+                <a:effectLst>
+                  <a:outerShdw dist="35921" dir="2700000" algn="ctr" rotWithShape="0">
+                    <a:schemeClr val="bg2"/>
+                  </a:outerShdw>
+                </a:effectLst>
+              </a14:hiddenEffects>
+            </a:ext>
+          </a:extLst>
+        </p:spPr>
+        <p:txBody>
+          <a:bodyPr/>
+          <a:lstStyle/>
+          <a:p>
+            <a:endParaRPr lang="en-US"/>
+          </a:p>
+        </p:txBody>
+      </p:sp>
+      <p:sp>
+        <p:nvSpPr>
+          <p:cNvPr id="13" name="Oval 4"/>
+          <p:cNvSpPr>
+            <a:spLocks noChangeArrowheads="1"/>
+          </p:cNvSpPr>
+          <p:nvPr/>
+        </p:nvSpPr>
+        <p:spPr bwMode="auto">
+          <a:xfrm>
+            <a:off x="8305800" y="3810000"/>
+            <a:ext cx="533400" cy="533400"/>
+          </a:xfrm>
+          <a:prstGeom prst="ellipse">
+            <a:avLst/>
+          </a:prstGeom>
+          <a:solidFill>
+            <a:schemeClr val="accent1"/>
+          </a:solidFill>
+          <a:ln w="28575">
+            <a:solidFill>
+              <a:schemeClr val="tx1"/>
+            </a:solidFill>
+            <a:round/>
+            <a:headEnd/>
+            <a:tailEnd/>
+          </a:ln>
+          <a:effectLst/>
+          <a:extLst>
+            <a:ext uri="{AF507438-7753-43E0-B8FC-AC1667EBCBE1}">
+              <a14:hiddenEffects xmlns:a14="http://schemas.microsoft.com/office/drawing/2010/main">
+                <a:effectLst>
+                  <a:outerShdw dist="35921" dir="2700000" algn="ctr" rotWithShape="0">
+                    <a:schemeClr val="bg2"/>
+                  </a:outerShdw>
+                </a:effectLst>
+              </a14:hiddenEffects>
+            </a:ext>
+          </a:extLst>
+        </p:spPr>
+        <p:txBody>
+          <a:bodyPr wrap="none" anchor="ctr"/>
+          <a:lstStyle/>
+          <a:p>
+            <a:pPr algn="ctr"/>
+            <a:r>
+              <a:rPr lang="en-US" altLang="en-US" b="1" dirty="0"/>
+              <a:t>1</a:t>
+            </a:r>
+          </a:p>
+        </p:txBody>
+      </p:sp>
+      <p:sp>
+        <p:nvSpPr>
+          <p:cNvPr id="14" name="Line 5"/>
+          <p:cNvSpPr>
+            <a:spLocks noChangeShapeType="1"/>
+          </p:cNvSpPr>
+          <p:nvPr/>
+        </p:nvSpPr>
+        <p:spPr bwMode="auto">
+          <a:xfrm>
+            <a:off x="8229600" y="3200400"/>
+            <a:ext cx="304800" cy="609600"/>
+          </a:xfrm>
+          <a:prstGeom prst="line">
+            <a:avLst/>
+          </a:prstGeom>
+          <a:noFill/>
+          <a:ln w="28575">
+            <a:solidFill>
+              <a:schemeClr val="tx1"/>
+            </a:solidFill>
+            <a:round/>
+            <a:headEnd/>
+            <a:tailEnd/>
+          </a:ln>
+          <a:effectLst/>
+          <a:extLst>
+            <a:ext uri="{909E8E84-426E-40DD-AFC4-6F175D3DCCD1}">
+              <a14:hiddenFill xmlns:a14="http://schemas.microsoft.com/office/drawing/2010/main">
+                <a:noFill/>
+              </a14:hiddenFill>
+            </a:ext>
+            <a:ext uri="{AF507438-7753-43E0-B8FC-AC1667EBCBE1}">
+              <a14:hiddenEffects xmlns:a14="http://schemas.microsoft.com/office/drawing/2010/main">
+                <a:effectLst>
+                  <a:outerShdw dist="35921" dir="2700000" algn="ctr" rotWithShape="0">
+                    <a:schemeClr val="bg2"/>
+                  </a:outerShdw>
+                </a:effectLst>
+              </a14:hiddenEffects>
+            </a:ext>
+          </a:extLst>
+        </p:spPr>
+        <p:txBody>
+          <a:bodyPr/>
+          <a:lstStyle/>
+          <a:p>
+            <a:endParaRPr lang="en-US"/>
           </a:p>
         </p:txBody>
       </p:sp>
     </p:spTree>
     <p:extLst>
       <p:ext uri="{BB962C8B-B14F-4D97-AF65-F5344CB8AC3E}">
-        <p14:creationId xmlns:p14="http://schemas.microsoft.com/office/powerpoint/2010/main" val="3898816648"/>
+        <p14:creationId xmlns:p14="http://schemas.microsoft.com/office/powerpoint/2010/main" val="3085608545"/>
       </p:ext>
     </p:extLst>
   </p:cSld>
@@ -10622,14 +16154,30 @@
           <a:p>
             <a:r>
               <a:rPr lang="en-US" dirty="0" smtClean="0"/>
-              <a:t>BST: case study 3</a:t>
+              <a:t>Binary tree case study </a:t>
+            </a:r>
+            <a:r>
+              <a:rPr lang="en-US" dirty="0"/>
+              <a:t>5</a:t>
+            </a:r>
+            <a:r>
+              <a:rPr lang="en-US" dirty="0" smtClean="0"/>
+              <a:t>: </a:t>
+            </a:r>
+            <a:r>
+              <a:rPr lang="en-US" dirty="0" smtClean="0"/>
+              <a:t/>
             </a:r>
             <a:br>
               <a:rPr lang="en-US" dirty="0" smtClean="0"/>
             </a:br>
             <a:r>
               <a:rPr lang="en-US" dirty="0" smtClean="0"/>
-              <a:t>(LeetCode 108)</a:t>
+              <a:t>tree </a:t>
+            </a:r>
+            <a:r>
+              <a:rPr lang="en-US" dirty="0" smtClean="0"/>
+              <a:t>min</a:t>
             </a:r>
             <a:endParaRPr lang="en-US" dirty="0"/>
           </a:p>
@@ -10648,7 +16196,7 @@
         <p:spPr>
           <a:xfrm>
             <a:off x="0" y="1417638"/>
-            <a:ext cx="9144000" cy="5440362"/>
+            <a:ext cx="6629400" cy="5440362"/>
           </a:xfrm>
         </p:spPr>
         <p:txBody>
@@ -10660,97 +16208,655 @@
           <a:p>
             <a:r>
               <a:rPr lang="en-US" dirty="0" smtClean="0"/>
-              <a:t>Given </a:t>
-            </a:r>
-            <a:r>
-              <a:rPr lang="en-US" dirty="0"/>
-              <a:t>an integer array nums </a:t>
-            </a:r>
-            <a:endParaRPr lang="en-US" dirty="0" smtClean="0"/>
+              <a:t>Objective</a:t>
+            </a:r>
           </a:p>
           <a:p>
             <a:pPr lvl="1"/>
             <a:r>
               <a:rPr lang="en-US" dirty="0" smtClean="0"/>
-              <a:t>where </a:t>
-            </a:r>
-            <a:r>
-              <a:rPr lang="en-US" dirty="0"/>
-              <a:t>the elements are sorted in ascending order, </a:t>
-            </a:r>
-            <a:endParaRPr lang="en-US" dirty="0" smtClean="0"/>
+              <a:t>Find </a:t>
+            </a:r>
+            <a:r>
+              <a:rPr lang="en-US" dirty="0" smtClean="0"/>
+              <a:t>minimum</a:t>
+            </a:r>
+            <a:r>
+              <a:rPr lang="en-US" dirty="0" smtClean="0"/>
+              <a:t> value </a:t>
+            </a:r>
+            <a:r>
+              <a:rPr lang="en-US" dirty="0" smtClean="0"/>
+              <a:t>in binary tree</a:t>
+            </a:r>
           </a:p>
           <a:p>
             <a:pPr lvl="1"/>
             <a:endParaRPr lang="en-US" dirty="0"/>
           </a:p>
           <a:p>
+            <a:r>
+              <a:rPr lang="en-US" dirty="0" smtClean="0"/>
+              <a:t>This results in </a:t>
+            </a:r>
+            <a:r>
+              <a:rPr lang="en-US" dirty="0" smtClean="0"/>
+              <a:t>1</a:t>
+            </a:r>
+            <a:endParaRPr lang="en-US" dirty="0" smtClean="0"/>
+          </a:p>
+          <a:p>
             <a:pPr lvl="1"/>
             <a:r>
               <a:rPr lang="en-US" dirty="0" smtClean="0"/>
-              <a:t>convert </a:t>
+              <a:t>For tree given on right-hand side</a:t>
+            </a:r>
+            <a:endParaRPr lang="en-US" dirty="0"/>
+          </a:p>
+          <a:p>
+            <a:endParaRPr lang="en-US" dirty="0" smtClean="0"/>
+          </a:p>
+          <a:p>
+            <a:r>
+              <a:rPr lang="en-US" dirty="0" smtClean="0"/>
+              <a:t>Solution</a:t>
+            </a:r>
+          </a:p>
+          <a:p>
+            <a:pPr lvl="1"/>
+            <a:r>
+              <a:rPr lang="en-US" dirty="0" smtClean="0"/>
+              <a:t>Recursive</a:t>
             </a:r>
             <a:r>
               <a:rPr lang="en-US" dirty="0"/>
-              <a:t>it to a height-balanced binary search tree.</a:t>
-            </a:r>
-          </a:p>
-          <a:p>
+              <a:t> </a:t>
+            </a:r>
+            <a:r>
+              <a:rPr lang="en-US" dirty="0" smtClean="0"/>
+              <a:t>traversal-based solution</a:t>
+            </a:r>
+          </a:p>
+          <a:p>
+            <a:pPr marL="344487" lvl="1" indent="0">
+              <a:buNone/>
+            </a:pPr>
             <a:endParaRPr lang="en-US" dirty="0"/>
           </a:p>
-          <a:p>
-            <a:r>
-              <a:rPr lang="en-US" dirty="0"/>
-              <a:t>A height-balanced binary tree is a binary tree </a:t>
-            </a:r>
-            <a:endParaRPr lang="en-US" dirty="0" smtClean="0"/>
-          </a:p>
-          <a:p>
-            <a:pPr lvl="1"/>
-            <a:r>
-              <a:rPr lang="en-US" dirty="0" smtClean="0"/>
-              <a:t>in </a:t>
-            </a:r>
-            <a:r>
-              <a:rPr lang="en-US" dirty="0"/>
-              <a:t>which </a:t>
-            </a:r>
-            <a:r>
-              <a:rPr lang="en-US" dirty="0" smtClean="0"/>
-              <a:t>the heights </a:t>
-            </a:r>
-            <a:r>
-              <a:rPr lang="en-US" dirty="0"/>
-              <a:t>of the </a:t>
-            </a:r>
-            <a:r>
-              <a:rPr lang="en-US" dirty="0" smtClean="0"/>
-              <a:t>left/right </a:t>
-            </a:r>
-            <a:r>
-              <a:rPr lang="en-US" dirty="0"/>
-              <a:t>subtrees of every node </a:t>
-            </a:r>
-            <a:endParaRPr lang="en-US" dirty="0" smtClean="0"/>
-          </a:p>
-          <a:p>
-            <a:pPr lvl="2"/>
-            <a:r>
-              <a:rPr lang="en-US" dirty="0" smtClean="0"/>
-              <a:t>never differ </a:t>
-            </a:r>
-            <a:r>
-              <a:rPr lang="en-US" dirty="0"/>
-              <a:t>by more than one.</a:t>
-            </a:r>
-            <a:endParaRPr lang="en-US" dirty="0" smtClean="0"/>
+        </p:txBody>
+      </p:sp>
+      <p:sp>
+        <p:nvSpPr>
+          <p:cNvPr id="4" name="Oval 4"/>
+          <p:cNvSpPr>
+            <a:spLocks noChangeArrowheads="1"/>
+          </p:cNvSpPr>
+          <p:nvPr/>
+        </p:nvSpPr>
+        <p:spPr bwMode="auto">
+          <a:xfrm>
+            <a:off x="7086600" y="1951038"/>
+            <a:ext cx="533400" cy="533400"/>
+          </a:xfrm>
+          <a:prstGeom prst="ellipse">
+            <a:avLst/>
+          </a:prstGeom>
+          <a:solidFill>
+            <a:schemeClr val="accent1"/>
+          </a:solidFill>
+          <a:ln w="28575">
+            <a:solidFill>
+              <a:schemeClr val="tx1"/>
+            </a:solidFill>
+            <a:round/>
+            <a:headEnd/>
+            <a:tailEnd/>
+          </a:ln>
+          <a:effectLst/>
+          <a:extLst>
+            <a:ext uri="{AF507438-7753-43E0-B8FC-AC1667EBCBE1}">
+              <a14:hiddenEffects xmlns:a14="http://schemas.microsoft.com/office/drawing/2010/main">
+                <a:effectLst>
+                  <a:outerShdw dist="35921" dir="2700000" algn="ctr" rotWithShape="0">
+                    <a:schemeClr val="bg2"/>
+                  </a:outerShdw>
+                </a:effectLst>
+              </a14:hiddenEffects>
+            </a:ext>
+          </a:extLst>
+        </p:spPr>
+        <p:txBody>
+          <a:bodyPr wrap="none" anchor="ctr"/>
+          <a:lstStyle/>
+          <a:p>
+            <a:pPr algn="ctr"/>
+            <a:r>
+              <a:rPr lang="en-US" altLang="en-US" b="1" dirty="0"/>
+              <a:t>3</a:t>
+            </a:r>
+          </a:p>
+        </p:txBody>
+      </p:sp>
+      <p:sp>
+        <p:nvSpPr>
+          <p:cNvPr id="5" name="Line 5"/>
+          <p:cNvSpPr>
+            <a:spLocks noChangeShapeType="1"/>
+          </p:cNvSpPr>
+          <p:nvPr/>
+        </p:nvSpPr>
+        <p:spPr bwMode="auto">
+          <a:xfrm flipH="1">
+            <a:off x="6781800" y="2286000"/>
+            <a:ext cx="304800" cy="609600"/>
+          </a:xfrm>
+          <a:prstGeom prst="line">
+            <a:avLst/>
+          </a:prstGeom>
+          <a:noFill/>
+          <a:ln w="28575">
+            <a:solidFill>
+              <a:schemeClr val="tx1"/>
+            </a:solidFill>
+            <a:round/>
+            <a:headEnd/>
+            <a:tailEnd type="none"/>
+          </a:ln>
+          <a:effectLst/>
+          <a:extLst>
+            <a:ext uri="{909E8E84-426E-40DD-AFC4-6F175D3DCCD1}">
+              <a14:hiddenFill xmlns:a14="http://schemas.microsoft.com/office/drawing/2010/main">
+                <a:noFill/>
+              </a14:hiddenFill>
+            </a:ext>
+            <a:ext uri="{AF507438-7753-43E0-B8FC-AC1667EBCBE1}">
+              <a14:hiddenEffects xmlns:a14="http://schemas.microsoft.com/office/drawing/2010/main">
+                <a:effectLst>
+                  <a:outerShdw dist="35921" dir="2700000" algn="ctr" rotWithShape="0">
+                    <a:schemeClr val="bg2"/>
+                  </a:outerShdw>
+                </a:effectLst>
+              </a14:hiddenEffects>
+            </a:ext>
+          </a:extLst>
+        </p:spPr>
+        <p:txBody>
+          <a:bodyPr/>
+          <a:lstStyle/>
+          <a:p>
+            <a:endParaRPr lang="en-US"/>
+          </a:p>
+        </p:txBody>
+      </p:sp>
+      <p:sp>
+        <p:nvSpPr>
+          <p:cNvPr id="6" name="Oval 4"/>
+          <p:cNvSpPr>
+            <a:spLocks noChangeArrowheads="1"/>
+          </p:cNvSpPr>
+          <p:nvPr/>
+        </p:nvSpPr>
+        <p:spPr bwMode="auto">
+          <a:xfrm>
+            <a:off x="6477000" y="2895600"/>
+            <a:ext cx="533400" cy="533400"/>
+          </a:xfrm>
+          <a:prstGeom prst="ellipse">
+            <a:avLst/>
+          </a:prstGeom>
+          <a:solidFill>
+            <a:schemeClr val="accent1"/>
+          </a:solidFill>
+          <a:ln w="28575">
+            <a:solidFill>
+              <a:schemeClr val="tx1"/>
+            </a:solidFill>
+            <a:round/>
+            <a:headEnd/>
+            <a:tailEnd/>
+          </a:ln>
+          <a:effectLst/>
+          <a:extLst>
+            <a:ext uri="{AF507438-7753-43E0-B8FC-AC1667EBCBE1}">
+              <a14:hiddenEffects xmlns:a14="http://schemas.microsoft.com/office/drawing/2010/main">
+                <a:effectLst>
+                  <a:outerShdw dist="35921" dir="2700000" algn="ctr" rotWithShape="0">
+                    <a:schemeClr val="bg2"/>
+                  </a:outerShdw>
+                </a:effectLst>
+              </a14:hiddenEffects>
+            </a:ext>
+          </a:extLst>
+        </p:spPr>
+        <p:txBody>
+          <a:bodyPr wrap="none" anchor="ctr"/>
+          <a:lstStyle/>
+          <a:p>
+            <a:pPr algn="ctr"/>
+            <a:r>
+              <a:rPr lang="en-US" altLang="en-US" b="1" dirty="0" smtClean="0"/>
+              <a:t>11</a:t>
+            </a:r>
+            <a:endParaRPr lang="en-US" altLang="en-US" b="1" dirty="0"/>
+          </a:p>
+        </p:txBody>
+      </p:sp>
+      <p:sp>
+        <p:nvSpPr>
+          <p:cNvPr id="7" name="Oval 4"/>
+          <p:cNvSpPr>
+            <a:spLocks noChangeArrowheads="1"/>
+          </p:cNvSpPr>
+          <p:nvPr/>
+        </p:nvSpPr>
+        <p:spPr bwMode="auto">
+          <a:xfrm>
+            <a:off x="7696200" y="2895600"/>
+            <a:ext cx="533400" cy="533400"/>
+          </a:xfrm>
+          <a:prstGeom prst="ellipse">
+            <a:avLst/>
+          </a:prstGeom>
+          <a:solidFill>
+            <a:schemeClr val="accent1"/>
+          </a:solidFill>
+          <a:ln w="28575">
+            <a:solidFill>
+              <a:schemeClr val="tx1"/>
+            </a:solidFill>
+            <a:round/>
+            <a:headEnd/>
+            <a:tailEnd/>
+          </a:ln>
+          <a:effectLst/>
+          <a:extLst>
+            <a:ext uri="{AF507438-7753-43E0-B8FC-AC1667EBCBE1}">
+              <a14:hiddenEffects xmlns:a14="http://schemas.microsoft.com/office/drawing/2010/main">
+                <a:effectLst>
+                  <a:outerShdw dist="35921" dir="2700000" algn="ctr" rotWithShape="0">
+                    <a:schemeClr val="bg2"/>
+                  </a:outerShdw>
+                </a:effectLst>
+              </a14:hiddenEffects>
+            </a:ext>
+          </a:extLst>
+        </p:spPr>
+        <p:txBody>
+          <a:bodyPr wrap="none" anchor="ctr"/>
+          <a:lstStyle/>
+          <a:p>
+            <a:pPr algn="ctr"/>
+            <a:r>
+              <a:rPr lang="en-US" altLang="en-US" b="1" dirty="0"/>
+              <a:t>4</a:t>
+            </a:r>
+          </a:p>
+        </p:txBody>
+      </p:sp>
+      <p:sp>
+        <p:nvSpPr>
+          <p:cNvPr id="8" name="Line 5"/>
+          <p:cNvSpPr>
+            <a:spLocks noChangeShapeType="1"/>
+          </p:cNvSpPr>
+          <p:nvPr/>
+        </p:nvSpPr>
+        <p:spPr bwMode="auto">
+          <a:xfrm>
+            <a:off x="7620000" y="2286000"/>
+            <a:ext cx="304800" cy="609600"/>
+          </a:xfrm>
+          <a:prstGeom prst="line">
+            <a:avLst/>
+          </a:prstGeom>
+          <a:noFill/>
+          <a:ln w="28575">
+            <a:solidFill>
+              <a:schemeClr val="tx1"/>
+            </a:solidFill>
+            <a:round/>
+            <a:headEnd/>
+            <a:tailEnd type="none"/>
+          </a:ln>
+          <a:effectLst/>
+          <a:extLst>
+            <a:ext uri="{909E8E84-426E-40DD-AFC4-6F175D3DCCD1}">
+              <a14:hiddenFill xmlns:a14="http://schemas.microsoft.com/office/drawing/2010/main">
+                <a:noFill/>
+              </a14:hiddenFill>
+            </a:ext>
+            <a:ext uri="{AF507438-7753-43E0-B8FC-AC1667EBCBE1}">
+              <a14:hiddenEffects xmlns:a14="http://schemas.microsoft.com/office/drawing/2010/main">
+                <a:effectLst>
+                  <a:outerShdw dist="35921" dir="2700000" algn="ctr" rotWithShape="0">
+                    <a:schemeClr val="bg2"/>
+                  </a:outerShdw>
+                </a:effectLst>
+              </a14:hiddenEffects>
+            </a:ext>
+          </a:extLst>
+        </p:spPr>
+        <p:txBody>
+          <a:bodyPr/>
+          <a:lstStyle/>
+          <a:p>
+            <a:endParaRPr lang="en-US"/>
+          </a:p>
+        </p:txBody>
+      </p:sp>
+      <p:sp>
+        <p:nvSpPr>
+          <p:cNvPr id="9" name="Line 5"/>
+          <p:cNvSpPr>
+            <a:spLocks noChangeShapeType="1"/>
+          </p:cNvSpPr>
+          <p:nvPr/>
+        </p:nvSpPr>
+        <p:spPr bwMode="auto">
+          <a:xfrm flipH="1">
+            <a:off x="6172200" y="3200400"/>
+            <a:ext cx="304800" cy="685800"/>
+          </a:xfrm>
+          <a:prstGeom prst="line">
+            <a:avLst/>
+          </a:prstGeom>
+          <a:noFill/>
+          <a:ln w="28575">
+            <a:solidFill>
+              <a:schemeClr val="tx1"/>
+            </a:solidFill>
+            <a:round/>
+            <a:headEnd/>
+            <a:tailEnd/>
+          </a:ln>
+          <a:effectLst/>
+          <a:extLst>
+            <a:ext uri="{909E8E84-426E-40DD-AFC4-6F175D3DCCD1}">
+              <a14:hiddenFill xmlns:a14="http://schemas.microsoft.com/office/drawing/2010/main">
+                <a:noFill/>
+              </a14:hiddenFill>
+            </a:ext>
+            <a:ext uri="{AF507438-7753-43E0-B8FC-AC1667EBCBE1}">
+              <a14:hiddenEffects xmlns:a14="http://schemas.microsoft.com/office/drawing/2010/main">
+                <a:effectLst>
+                  <a:outerShdw dist="35921" dir="2700000" algn="ctr" rotWithShape="0">
+                    <a:schemeClr val="bg2"/>
+                  </a:outerShdw>
+                </a:effectLst>
+              </a14:hiddenEffects>
+            </a:ext>
+          </a:extLst>
+        </p:spPr>
+        <p:txBody>
+          <a:bodyPr/>
+          <a:lstStyle/>
+          <a:p>
+            <a:endParaRPr lang="en-US"/>
+          </a:p>
+        </p:txBody>
+      </p:sp>
+      <p:sp>
+        <p:nvSpPr>
+          <p:cNvPr id="10" name="Oval 4"/>
+          <p:cNvSpPr>
+            <a:spLocks noChangeArrowheads="1"/>
+          </p:cNvSpPr>
+          <p:nvPr/>
+        </p:nvSpPr>
+        <p:spPr bwMode="auto">
+          <a:xfrm>
+            <a:off x="5867400" y="3810000"/>
+            <a:ext cx="533400" cy="533400"/>
+          </a:xfrm>
+          <a:prstGeom prst="ellipse">
+            <a:avLst/>
+          </a:prstGeom>
+          <a:solidFill>
+            <a:schemeClr val="accent1"/>
+          </a:solidFill>
+          <a:ln w="28575">
+            <a:solidFill>
+              <a:schemeClr val="tx1"/>
+            </a:solidFill>
+            <a:round/>
+            <a:headEnd/>
+            <a:tailEnd/>
+          </a:ln>
+          <a:effectLst/>
+          <a:extLst>
+            <a:ext uri="{AF507438-7753-43E0-B8FC-AC1667EBCBE1}">
+              <a14:hiddenEffects xmlns:a14="http://schemas.microsoft.com/office/drawing/2010/main">
+                <a:effectLst>
+                  <a:outerShdw dist="35921" dir="2700000" algn="ctr" rotWithShape="0">
+                    <a:schemeClr val="bg2"/>
+                  </a:outerShdw>
+                </a:effectLst>
+              </a14:hiddenEffects>
+            </a:ext>
+          </a:extLst>
+        </p:spPr>
+        <p:txBody>
+          <a:bodyPr wrap="none" anchor="ctr"/>
+          <a:lstStyle/>
+          <a:p>
+            <a:pPr algn="ctr"/>
+            <a:r>
+              <a:rPr lang="en-US" altLang="en-US" b="1" dirty="0"/>
+              <a:t>4</a:t>
+            </a:r>
+          </a:p>
+        </p:txBody>
+      </p:sp>
+      <p:sp>
+        <p:nvSpPr>
+          <p:cNvPr id="11" name="Oval 4"/>
+          <p:cNvSpPr>
+            <a:spLocks noChangeArrowheads="1"/>
+          </p:cNvSpPr>
+          <p:nvPr/>
+        </p:nvSpPr>
+        <p:spPr bwMode="auto">
+          <a:xfrm>
+            <a:off x="7086600" y="3810000"/>
+            <a:ext cx="533400" cy="533400"/>
+          </a:xfrm>
+          <a:prstGeom prst="ellipse">
+            <a:avLst/>
+          </a:prstGeom>
+          <a:solidFill>
+            <a:schemeClr val="accent1"/>
+          </a:solidFill>
+          <a:ln w="28575">
+            <a:solidFill>
+              <a:schemeClr val="tx1"/>
+            </a:solidFill>
+            <a:round/>
+            <a:headEnd/>
+            <a:tailEnd/>
+          </a:ln>
+          <a:effectLst/>
+          <a:extLst>
+            <a:ext uri="{AF507438-7753-43E0-B8FC-AC1667EBCBE1}">
+              <a14:hiddenEffects xmlns:a14="http://schemas.microsoft.com/office/drawing/2010/main">
+                <a:effectLst>
+                  <a:outerShdw dist="35921" dir="2700000" algn="ctr" rotWithShape="0">
+                    <a:schemeClr val="bg2"/>
+                  </a:outerShdw>
+                </a:effectLst>
+              </a14:hiddenEffects>
+            </a:ext>
+          </a:extLst>
+        </p:spPr>
+        <p:txBody>
+          <a:bodyPr wrap="none" anchor="ctr"/>
+          <a:lstStyle/>
+          <a:p>
+            <a:pPr algn="ctr"/>
+            <a:r>
+              <a:rPr lang="en-US" altLang="en-US" b="1" dirty="0"/>
+              <a:t>2</a:t>
+            </a:r>
+          </a:p>
+        </p:txBody>
+      </p:sp>
+      <p:sp>
+        <p:nvSpPr>
+          <p:cNvPr id="12" name="Line 5"/>
+          <p:cNvSpPr>
+            <a:spLocks noChangeShapeType="1"/>
+          </p:cNvSpPr>
+          <p:nvPr/>
+        </p:nvSpPr>
+        <p:spPr bwMode="auto">
+          <a:xfrm>
+            <a:off x="7010400" y="3200400"/>
+            <a:ext cx="304800" cy="609600"/>
+          </a:xfrm>
+          <a:prstGeom prst="line">
+            <a:avLst/>
+          </a:prstGeom>
+          <a:noFill/>
+          <a:ln w="28575">
+            <a:solidFill>
+              <a:schemeClr val="tx1"/>
+            </a:solidFill>
+            <a:round/>
+            <a:headEnd/>
+            <a:tailEnd/>
+          </a:ln>
+          <a:effectLst/>
+          <a:extLst>
+            <a:ext uri="{909E8E84-426E-40DD-AFC4-6F175D3DCCD1}">
+              <a14:hiddenFill xmlns:a14="http://schemas.microsoft.com/office/drawing/2010/main">
+                <a:noFill/>
+              </a14:hiddenFill>
+            </a:ext>
+            <a:ext uri="{AF507438-7753-43E0-B8FC-AC1667EBCBE1}">
+              <a14:hiddenEffects xmlns:a14="http://schemas.microsoft.com/office/drawing/2010/main">
+                <a:effectLst>
+                  <a:outerShdw dist="35921" dir="2700000" algn="ctr" rotWithShape="0">
+                    <a:schemeClr val="bg2"/>
+                  </a:outerShdw>
+                </a:effectLst>
+              </a14:hiddenEffects>
+            </a:ext>
+          </a:extLst>
+        </p:spPr>
+        <p:txBody>
+          <a:bodyPr/>
+          <a:lstStyle/>
+          <a:p>
+            <a:endParaRPr lang="en-US"/>
+          </a:p>
+        </p:txBody>
+      </p:sp>
+      <p:sp>
+        <p:nvSpPr>
+          <p:cNvPr id="13" name="Oval 4"/>
+          <p:cNvSpPr>
+            <a:spLocks noChangeArrowheads="1"/>
+          </p:cNvSpPr>
+          <p:nvPr/>
+        </p:nvSpPr>
+        <p:spPr bwMode="auto">
+          <a:xfrm>
+            <a:off x="8305800" y="3810000"/>
+            <a:ext cx="533400" cy="533400"/>
+          </a:xfrm>
+          <a:prstGeom prst="ellipse">
+            <a:avLst/>
+          </a:prstGeom>
+          <a:solidFill>
+            <a:schemeClr val="accent1"/>
+          </a:solidFill>
+          <a:ln w="28575">
+            <a:solidFill>
+              <a:schemeClr val="tx1"/>
+            </a:solidFill>
+            <a:round/>
+            <a:headEnd/>
+            <a:tailEnd/>
+          </a:ln>
+          <a:effectLst/>
+          <a:extLst>
+            <a:ext uri="{AF507438-7753-43E0-B8FC-AC1667EBCBE1}">
+              <a14:hiddenEffects xmlns:a14="http://schemas.microsoft.com/office/drawing/2010/main">
+                <a:effectLst>
+                  <a:outerShdw dist="35921" dir="2700000" algn="ctr" rotWithShape="0">
+                    <a:schemeClr val="bg2"/>
+                  </a:outerShdw>
+                </a:effectLst>
+              </a14:hiddenEffects>
+            </a:ext>
+          </a:extLst>
+        </p:spPr>
+        <p:txBody>
+          <a:bodyPr wrap="none" anchor="ctr"/>
+          <a:lstStyle/>
+          <a:p>
+            <a:pPr algn="ctr"/>
+            <a:r>
+              <a:rPr lang="en-US" altLang="en-US" b="1" dirty="0"/>
+              <a:t>1</a:t>
+            </a:r>
+          </a:p>
+        </p:txBody>
+      </p:sp>
+      <p:sp>
+        <p:nvSpPr>
+          <p:cNvPr id="14" name="Line 5"/>
+          <p:cNvSpPr>
+            <a:spLocks noChangeShapeType="1"/>
+          </p:cNvSpPr>
+          <p:nvPr/>
+        </p:nvSpPr>
+        <p:spPr bwMode="auto">
+          <a:xfrm>
+            <a:off x="8229600" y="3200400"/>
+            <a:ext cx="304800" cy="609600"/>
+          </a:xfrm>
+          <a:prstGeom prst="line">
+            <a:avLst/>
+          </a:prstGeom>
+          <a:noFill/>
+          <a:ln w="28575">
+            <a:solidFill>
+              <a:schemeClr val="tx1"/>
+            </a:solidFill>
+            <a:round/>
+            <a:headEnd/>
+            <a:tailEnd/>
+          </a:ln>
+          <a:effectLst/>
+          <a:extLst>
+            <a:ext uri="{909E8E84-426E-40DD-AFC4-6F175D3DCCD1}">
+              <a14:hiddenFill xmlns:a14="http://schemas.microsoft.com/office/drawing/2010/main">
+                <a:noFill/>
+              </a14:hiddenFill>
+            </a:ext>
+            <a:ext uri="{AF507438-7753-43E0-B8FC-AC1667EBCBE1}">
+              <a14:hiddenEffects xmlns:a14="http://schemas.microsoft.com/office/drawing/2010/main">
+                <a:effectLst>
+                  <a:outerShdw dist="35921" dir="2700000" algn="ctr" rotWithShape="0">
+                    <a:schemeClr val="bg2"/>
+                  </a:outerShdw>
+                </a:effectLst>
+              </a14:hiddenEffects>
+            </a:ext>
+          </a:extLst>
+        </p:spPr>
+        <p:txBody>
+          <a:bodyPr/>
+          <a:lstStyle/>
+          <a:p>
+            <a:endParaRPr lang="en-US"/>
           </a:p>
         </p:txBody>
       </p:sp>
     </p:spTree>
     <p:extLst>
       <p:ext uri="{BB962C8B-B14F-4D97-AF65-F5344CB8AC3E}">
-        <p14:creationId xmlns:p14="http://schemas.microsoft.com/office/powerpoint/2010/main" val="1028962608"/>
+        <p14:creationId xmlns:p14="http://schemas.microsoft.com/office/powerpoint/2010/main" val="2493501152"/>
       </p:ext>
     </p:extLst>
   </p:cSld>
@@ -10764,6 +16870,1651 @@
       </p:par>
     </p:tnLst>
   </p:timing>
+</p:sld>
+</file>
+
+<file path=ppt/slides/slide7.xml><?xml version="1.0" encoding="utf-8"?>
+<p:sld xmlns:a="http://schemas.openxmlformats.org/drawingml/2006/main" xmlns:r="http://schemas.openxmlformats.org/officeDocument/2006/relationships" xmlns:p="http://schemas.openxmlformats.org/presentationml/2006/main">
+  <p:cSld>
+    <p:spTree>
+      <p:nvGrpSpPr>
+        <p:cNvPr id="1" name=""/>
+        <p:cNvGrpSpPr/>
+        <p:nvPr/>
+      </p:nvGrpSpPr>
+      <p:grpSpPr>
+        <a:xfrm>
+          <a:off x="0" y="0"/>
+          <a:ext cx="0" cy="0"/>
+          <a:chOff x="0" y="0"/>
+          <a:chExt cx="0" cy="0"/>
+        </a:xfrm>
+      </p:grpSpPr>
+      <p:sp>
+        <p:nvSpPr>
+          <p:cNvPr id="2" name="Title 1"/>
+          <p:cNvSpPr>
+            <a:spLocks noGrp="1"/>
+          </p:cNvSpPr>
+          <p:nvPr>
+            <p:ph type="title"/>
+          </p:nvPr>
+        </p:nvSpPr>
+        <p:spPr>
+          <a:xfrm>
+            <a:off x="0" y="0"/>
+            <a:ext cx="8001000" cy="1417638"/>
+          </a:xfrm>
+        </p:spPr>
+        <p:txBody>
+          <a:bodyPr/>
+          <a:lstStyle/>
+          <a:p>
+            <a:r>
+              <a:rPr lang="en-US" dirty="0" smtClean="0"/>
+              <a:t>Binary tree case study </a:t>
+            </a:r>
+            <a:r>
+              <a:rPr lang="en-US" dirty="0" smtClean="0"/>
+              <a:t>6: </a:t>
+            </a:r>
+            <a:r>
+              <a:rPr lang="en-US" dirty="0" smtClean="0"/>
+              <a:t/>
+            </a:r>
+            <a:br>
+              <a:rPr lang="en-US" dirty="0" smtClean="0"/>
+            </a:br>
+            <a:r>
+              <a:rPr lang="en-US" dirty="0" smtClean="0"/>
+              <a:t>max path sum</a:t>
+            </a:r>
+            <a:endParaRPr lang="en-US" dirty="0"/>
+          </a:p>
+        </p:txBody>
+      </p:sp>
+      <p:sp>
+        <p:nvSpPr>
+          <p:cNvPr id="3" name="Content Placeholder 2"/>
+          <p:cNvSpPr>
+            <a:spLocks noGrp="1"/>
+          </p:cNvSpPr>
+          <p:nvPr>
+            <p:ph idx="1"/>
+          </p:nvPr>
+        </p:nvSpPr>
+        <p:spPr>
+          <a:xfrm>
+            <a:off x="0" y="1417638"/>
+            <a:ext cx="6629400" cy="5440362"/>
+          </a:xfrm>
+        </p:spPr>
+        <p:txBody>
+          <a:bodyPr/>
+          <a:lstStyle/>
+          <a:p>
+            <a:endParaRPr lang="en-US" dirty="0" smtClean="0"/>
+          </a:p>
+          <a:p>
+            <a:r>
+              <a:rPr lang="en-US" dirty="0" smtClean="0"/>
+              <a:t>Objective</a:t>
+            </a:r>
+          </a:p>
+          <a:p>
+            <a:pPr lvl="1"/>
+            <a:r>
+              <a:rPr lang="en-US" dirty="0" smtClean="0"/>
+              <a:t>Find </a:t>
+            </a:r>
+            <a:r>
+              <a:rPr lang="en-US" dirty="0" smtClean="0"/>
+              <a:t>maximum path sum</a:t>
+            </a:r>
+            <a:endParaRPr lang="en-US" dirty="0" smtClean="0"/>
+          </a:p>
+          <a:p>
+            <a:pPr lvl="1"/>
+            <a:endParaRPr lang="en-US" dirty="0"/>
+          </a:p>
+          <a:p>
+            <a:r>
+              <a:rPr lang="en-US" dirty="0" smtClean="0"/>
+              <a:t>This results </a:t>
+            </a:r>
+            <a:r>
+              <a:rPr lang="en-US" smtClean="0"/>
+              <a:t>in </a:t>
+            </a:r>
+            <a:r>
+              <a:rPr lang="en-US" smtClean="0"/>
+              <a:t>18</a:t>
+            </a:r>
+            <a:endParaRPr lang="en-US" dirty="0" smtClean="0"/>
+          </a:p>
+          <a:p>
+            <a:pPr lvl="1"/>
+            <a:r>
+              <a:rPr lang="en-US" dirty="0" smtClean="0"/>
+              <a:t>For tree given on right-hand side</a:t>
+            </a:r>
+            <a:endParaRPr lang="en-US" dirty="0"/>
+          </a:p>
+          <a:p>
+            <a:endParaRPr lang="en-US" dirty="0" smtClean="0"/>
+          </a:p>
+          <a:p>
+            <a:r>
+              <a:rPr lang="en-US" dirty="0" smtClean="0"/>
+              <a:t>Solution</a:t>
+            </a:r>
+          </a:p>
+          <a:p>
+            <a:pPr lvl="1"/>
+            <a:r>
+              <a:rPr lang="en-US" dirty="0" smtClean="0"/>
+              <a:t>Recursive</a:t>
+            </a:r>
+            <a:r>
+              <a:rPr lang="en-US" dirty="0"/>
+              <a:t> </a:t>
+            </a:r>
+            <a:r>
+              <a:rPr lang="en-US" dirty="0" smtClean="0"/>
+              <a:t>traversal-based solution</a:t>
+            </a:r>
+          </a:p>
+          <a:p>
+            <a:pPr marL="344487" lvl="1" indent="0">
+              <a:buNone/>
+            </a:pPr>
+            <a:endParaRPr lang="en-US" dirty="0"/>
+          </a:p>
+        </p:txBody>
+      </p:sp>
+      <p:sp>
+        <p:nvSpPr>
+          <p:cNvPr id="4" name="Oval 4"/>
+          <p:cNvSpPr>
+            <a:spLocks noChangeArrowheads="1"/>
+          </p:cNvSpPr>
+          <p:nvPr/>
+        </p:nvSpPr>
+        <p:spPr bwMode="auto">
+          <a:xfrm>
+            <a:off x="7086600" y="1951038"/>
+            <a:ext cx="533400" cy="533400"/>
+          </a:xfrm>
+          <a:prstGeom prst="ellipse">
+            <a:avLst/>
+          </a:prstGeom>
+          <a:solidFill>
+            <a:schemeClr val="accent1"/>
+          </a:solidFill>
+          <a:ln w="28575">
+            <a:solidFill>
+              <a:schemeClr val="tx1"/>
+            </a:solidFill>
+            <a:round/>
+            <a:headEnd/>
+            <a:tailEnd/>
+          </a:ln>
+          <a:effectLst/>
+          <a:extLst>
+            <a:ext uri="{AF507438-7753-43E0-B8FC-AC1667EBCBE1}">
+              <a14:hiddenEffects xmlns:a14="http://schemas.microsoft.com/office/drawing/2010/main">
+                <a:effectLst>
+                  <a:outerShdw dist="35921" dir="2700000" algn="ctr" rotWithShape="0">
+                    <a:schemeClr val="bg2"/>
+                  </a:outerShdw>
+                </a:effectLst>
+              </a14:hiddenEffects>
+            </a:ext>
+          </a:extLst>
+        </p:spPr>
+        <p:txBody>
+          <a:bodyPr wrap="none" anchor="ctr"/>
+          <a:lstStyle/>
+          <a:p>
+            <a:pPr algn="ctr"/>
+            <a:r>
+              <a:rPr lang="en-US" altLang="en-US" b="1" dirty="0"/>
+              <a:t>3</a:t>
+            </a:r>
+          </a:p>
+        </p:txBody>
+      </p:sp>
+      <p:sp>
+        <p:nvSpPr>
+          <p:cNvPr id="5" name="Line 5"/>
+          <p:cNvSpPr>
+            <a:spLocks noChangeShapeType="1"/>
+          </p:cNvSpPr>
+          <p:nvPr/>
+        </p:nvSpPr>
+        <p:spPr bwMode="auto">
+          <a:xfrm flipH="1">
+            <a:off x="6781800" y="2286000"/>
+            <a:ext cx="304800" cy="609600"/>
+          </a:xfrm>
+          <a:prstGeom prst="line">
+            <a:avLst/>
+          </a:prstGeom>
+          <a:noFill/>
+          <a:ln w="28575">
+            <a:solidFill>
+              <a:schemeClr val="tx1"/>
+            </a:solidFill>
+            <a:round/>
+            <a:headEnd/>
+            <a:tailEnd type="none"/>
+          </a:ln>
+          <a:effectLst/>
+          <a:extLst>
+            <a:ext uri="{909E8E84-426E-40DD-AFC4-6F175D3DCCD1}">
+              <a14:hiddenFill xmlns:a14="http://schemas.microsoft.com/office/drawing/2010/main">
+                <a:noFill/>
+              </a14:hiddenFill>
+            </a:ext>
+            <a:ext uri="{AF507438-7753-43E0-B8FC-AC1667EBCBE1}">
+              <a14:hiddenEffects xmlns:a14="http://schemas.microsoft.com/office/drawing/2010/main">
+                <a:effectLst>
+                  <a:outerShdw dist="35921" dir="2700000" algn="ctr" rotWithShape="0">
+                    <a:schemeClr val="bg2"/>
+                  </a:outerShdw>
+                </a:effectLst>
+              </a14:hiddenEffects>
+            </a:ext>
+          </a:extLst>
+        </p:spPr>
+        <p:txBody>
+          <a:bodyPr/>
+          <a:lstStyle/>
+          <a:p>
+            <a:endParaRPr lang="en-US"/>
+          </a:p>
+        </p:txBody>
+      </p:sp>
+      <p:sp>
+        <p:nvSpPr>
+          <p:cNvPr id="6" name="Oval 4"/>
+          <p:cNvSpPr>
+            <a:spLocks noChangeArrowheads="1"/>
+          </p:cNvSpPr>
+          <p:nvPr/>
+        </p:nvSpPr>
+        <p:spPr bwMode="auto">
+          <a:xfrm>
+            <a:off x="6477000" y="2895600"/>
+            <a:ext cx="533400" cy="533400"/>
+          </a:xfrm>
+          <a:prstGeom prst="ellipse">
+            <a:avLst/>
+          </a:prstGeom>
+          <a:solidFill>
+            <a:schemeClr val="accent1"/>
+          </a:solidFill>
+          <a:ln w="28575">
+            <a:solidFill>
+              <a:schemeClr val="tx1"/>
+            </a:solidFill>
+            <a:round/>
+            <a:headEnd/>
+            <a:tailEnd/>
+          </a:ln>
+          <a:effectLst/>
+          <a:extLst>
+            <a:ext uri="{AF507438-7753-43E0-B8FC-AC1667EBCBE1}">
+              <a14:hiddenEffects xmlns:a14="http://schemas.microsoft.com/office/drawing/2010/main">
+                <a:effectLst>
+                  <a:outerShdw dist="35921" dir="2700000" algn="ctr" rotWithShape="0">
+                    <a:schemeClr val="bg2"/>
+                  </a:outerShdw>
+                </a:effectLst>
+              </a14:hiddenEffects>
+            </a:ext>
+          </a:extLst>
+        </p:spPr>
+        <p:txBody>
+          <a:bodyPr wrap="none" anchor="ctr"/>
+          <a:lstStyle/>
+          <a:p>
+            <a:pPr algn="ctr"/>
+            <a:r>
+              <a:rPr lang="en-US" altLang="en-US" b="1" dirty="0" smtClean="0"/>
+              <a:t>11</a:t>
+            </a:r>
+            <a:endParaRPr lang="en-US" altLang="en-US" b="1" dirty="0"/>
+          </a:p>
+        </p:txBody>
+      </p:sp>
+      <p:sp>
+        <p:nvSpPr>
+          <p:cNvPr id="7" name="Oval 4"/>
+          <p:cNvSpPr>
+            <a:spLocks noChangeArrowheads="1"/>
+          </p:cNvSpPr>
+          <p:nvPr/>
+        </p:nvSpPr>
+        <p:spPr bwMode="auto">
+          <a:xfrm>
+            <a:off x="7696200" y="2895600"/>
+            <a:ext cx="533400" cy="533400"/>
+          </a:xfrm>
+          <a:prstGeom prst="ellipse">
+            <a:avLst/>
+          </a:prstGeom>
+          <a:solidFill>
+            <a:schemeClr val="accent1"/>
+          </a:solidFill>
+          <a:ln w="28575">
+            <a:solidFill>
+              <a:schemeClr val="tx1"/>
+            </a:solidFill>
+            <a:round/>
+            <a:headEnd/>
+            <a:tailEnd/>
+          </a:ln>
+          <a:effectLst/>
+          <a:extLst>
+            <a:ext uri="{AF507438-7753-43E0-B8FC-AC1667EBCBE1}">
+              <a14:hiddenEffects xmlns:a14="http://schemas.microsoft.com/office/drawing/2010/main">
+                <a:effectLst>
+                  <a:outerShdw dist="35921" dir="2700000" algn="ctr" rotWithShape="0">
+                    <a:schemeClr val="bg2"/>
+                  </a:outerShdw>
+                </a:effectLst>
+              </a14:hiddenEffects>
+            </a:ext>
+          </a:extLst>
+        </p:spPr>
+        <p:txBody>
+          <a:bodyPr wrap="none" anchor="ctr"/>
+          <a:lstStyle/>
+          <a:p>
+            <a:pPr algn="ctr"/>
+            <a:r>
+              <a:rPr lang="en-US" altLang="en-US" b="1" dirty="0"/>
+              <a:t>4</a:t>
+            </a:r>
+          </a:p>
+        </p:txBody>
+      </p:sp>
+      <p:sp>
+        <p:nvSpPr>
+          <p:cNvPr id="8" name="Line 5"/>
+          <p:cNvSpPr>
+            <a:spLocks noChangeShapeType="1"/>
+          </p:cNvSpPr>
+          <p:nvPr/>
+        </p:nvSpPr>
+        <p:spPr bwMode="auto">
+          <a:xfrm>
+            <a:off x="7620000" y="2286000"/>
+            <a:ext cx="304800" cy="609600"/>
+          </a:xfrm>
+          <a:prstGeom prst="line">
+            <a:avLst/>
+          </a:prstGeom>
+          <a:noFill/>
+          <a:ln w="28575">
+            <a:solidFill>
+              <a:schemeClr val="tx1"/>
+            </a:solidFill>
+            <a:round/>
+            <a:headEnd/>
+            <a:tailEnd type="none"/>
+          </a:ln>
+          <a:effectLst/>
+          <a:extLst>
+            <a:ext uri="{909E8E84-426E-40DD-AFC4-6F175D3DCCD1}">
+              <a14:hiddenFill xmlns:a14="http://schemas.microsoft.com/office/drawing/2010/main">
+                <a:noFill/>
+              </a14:hiddenFill>
+            </a:ext>
+            <a:ext uri="{AF507438-7753-43E0-B8FC-AC1667EBCBE1}">
+              <a14:hiddenEffects xmlns:a14="http://schemas.microsoft.com/office/drawing/2010/main">
+                <a:effectLst>
+                  <a:outerShdw dist="35921" dir="2700000" algn="ctr" rotWithShape="0">
+                    <a:schemeClr val="bg2"/>
+                  </a:outerShdw>
+                </a:effectLst>
+              </a14:hiddenEffects>
+            </a:ext>
+          </a:extLst>
+        </p:spPr>
+        <p:txBody>
+          <a:bodyPr/>
+          <a:lstStyle/>
+          <a:p>
+            <a:endParaRPr lang="en-US"/>
+          </a:p>
+        </p:txBody>
+      </p:sp>
+      <p:sp>
+        <p:nvSpPr>
+          <p:cNvPr id="9" name="Line 5"/>
+          <p:cNvSpPr>
+            <a:spLocks noChangeShapeType="1"/>
+          </p:cNvSpPr>
+          <p:nvPr/>
+        </p:nvSpPr>
+        <p:spPr bwMode="auto">
+          <a:xfrm flipH="1">
+            <a:off x="6172200" y="3200400"/>
+            <a:ext cx="304800" cy="685800"/>
+          </a:xfrm>
+          <a:prstGeom prst="line">
+            <a:avLst/>
+          </a:prstGeom>
+          <a:noFill/>
+          <a:ln w="28575">
+            <a:solidFill>
+              <a:schemeClr val="tx1"/>
+            </a:solidFill>
+            <a:round/>
+            <a:headEnd/>
+            <a:tailEnd/>
+          </a:ln>
+          <a:effectLst/>
+          <a:extLst>
+            <a:ext uri="{909E8E84-426E-40DD-AFC4-6F175D3DCCD1}">
+              <a14:hiddenFill xmlns:a14="http://schemas.microsoft.com/office/drawing/2010/main">
+                <a:noFill/>
+              </a14:hiddenFill>
+            </a:ext>
+            <a:ext uri="{AF507438-7753-43E0-B8FC-AC1667EBCBE1}">
+              <a14:hiddenEffects xmlns:a14="http://schemas.microsoft.com/office/drawing/2010/main">
+                <a:effectLst>
+                  <a:outerShdw dist="35921" dir="2700000" algn="ctr" rotWithShape="0">
+                    <a:schemeClr val="bg2"/>
+                  </a:outerShdw>
+                </a:effectLst>
+              </a14:hiddenEffects>
+            </a:ext>
+          </a:extLst>
+        </p:spPr>
+        <p:txBody>
+          <a:bodyPr/>
+          <a:lstStyle/>
+          <a:p>
+            <a:endParaRPr lang="en-US"/>
+          </a:p>
+        </p:txBody>
+      </p:sp>
+      <p:sp>
+        <p:nvSpPr>
+          <p:cNvPr id="10" name="Oval 4"/>
+          <p:cNvSpPr>
+            <a:spLocks noChangeArrowheads="1"/>
+          </p:cNvSpPr>
+          <p:nvPr/>
+        </p:nvSpPr>
+        <p:spPr bwMode="auto">
+          <a:xfrm>
+            <a:off x="5867400" y="3810000"/>
+            <a:ext cx="533400" cy="533400"/>
+          </a:xfrm>
+          <a:prstGeom prst="ellipse">
+            <a:avLst/>
+          </a:prstGeom>
+          <a:solidFill>
+            <a:schemeClr val="accent1"/>
+          </a:solidFill>
+          <a:ln w="28575">
+            <a:solidFill>
+              <a:schemeClr val="tx1"/>
+            </a:solidFill>
+            <a:round/>
+            <a:headEnd/>
+            <a:tailEnd/>
+          </a:ln>
+          <a:effectLst/>
+          <a:extLst>
+            <a:ext uri="{AF507438-7753-43E0-B8FC-AC1667EBCBE1}">
+              <a14:hiddenEffects xmlns:a14="http://schemas.microsoft.com/office/drawing/2010/main">
+                <a:effectLst>
+                  <a:outerShdw dist="35921" dir="2700000" algn="ctr" rotWithShape="0">
+                    <a:schemeClr val="bg2"/>
+                  </a:outerShdw>
+                </a:effectLst>
+              </a14:hiddenEffects>
+            </a:ext>
+          </a:extLst>
+        </p:spPr>
+        <p:txBody>
+          <a:bodyPr wrap="none" anchor="ctr"/>
+          <a:lstStyle/>
+          <a:p>
+            <a:pPr algn="ctr"/>
+            <a:r>
+              <a:rPr lang="en-US" altLang="en-US" b="1" dirty="0"/>
+              <a:t>4</a:t>
+            </a:r>
+          </a:p>
+        </p:txBody>
+      </p:sp>
+      <p:sp>
+        <p:nvSpPr>
+          <p:cNvPr id="11" name="Oval 4"/>
+          <p:cNvSpPr>
+            <a:spLocks noChangeArrowheads="1"/>
+          </p:cNvSpPr>
+          <p:nvPr/>
+        </p:nvSpPr>
+        <p:spPr bwMode="auto">
+          <a:xfrm>
+            <a:off x="7086600" y="3810000"/>
+            <a:ext cx="533400" cy="533400"/>
+          </a:xfrm>
+          <a:prstGeom prst="ellipse">
+            <a:avLst/>
+          </a:prstGeom>
+          <a:solidFill>
+            <a:schemeClr val="accent1"/>
+          </a:solidFill>
+          <a:ln w="28575">
+            <a:solidFill>
+              <a:schemeClr val="tx1"/>
+            </a:solidFill>
+            <a:round/>
+            <a:headEnd/>
+            <a:tailEnd/>
+          </a:ln>
+          <a:effectLst/>
+          <a:extLst>
+            <a:ext uri="{AF507438-7753-43E0-B8FC-AC1667EBCBE1}">
+              <a14:hiddenEffects xmlns:a14="http://schemas.microsoft.com/office/drawing/2010/main">
+                <a:effectLst>
+                  <a:outerShdw dist="35921" dir="2700000" algn="ctr" rotWithShape="0">
+                    <a:schemeClr val="bg2"/>
+                  </a:outerShdw>
+                </a:effectLst>
+              </a14:hiddenEffects>
+            </a:ext>
+          </a:extLst>
+        </p:spPr>
+        <p:txBody>
+          <a:bodyPr wrap="none" anchor="ctr"/>
+          <a:lstStyle/>
+          <a:p>
+            <a:pPr algn="ctr"/>
+            <a:r>
+              <a:rPr lang="en-US" altLang="en-US" b="1" dirty="0"/>
+              <a:t>2</a:t>
+            </a:r>
+          </a:p>
+        </p:txBody>
+      </p:sp>
+      <p:sp>
+        <p:nvSpPr>
+          <p:cNvPr id="12" name="Line 5"/>
+          <p:cNvSpPr>
+            <a:spLocks noChangeShapeType="1"/>
+          </p:cNvSpPr>
+          <p:nvPr/>
+        </p:nvSpPr>
+        <p:spPr bwMode="auto">
+          <a:xfrm>
+            <a:off x="7010400" y="3200400"/>
+            <a:ext cx="304800" cy="609600"/>
+          </a:xfrm>
+          <a:prstGeom prst="line">
+            <a:avLst/>
+          </a:prstGeom>
+          <a:noFill/>
+          <a:ln w="28575">
+            <a:solidFill>
+              <a:schemeClr val="tx1"/>
+            </a:solidFill>
+            <a:round/>
+            <a:headEnd/>
+            <a:tailEnd/>
+          </a:ln>
+          <a:effectLst/>
+          <a:extLst>
+            <a:ext uri="{909E8E84-426E-40DD-AFC4-6F175D3DCCD1}">
+              <a14:hiddenFill xmlns:a14="http://schemas.microsoft.com/office/drawing/2010/main">
+                <a:noFill/>
+              </a14:hiddenFill>
+            </a:ext>
+            <a:ext uri="{AF507438-7753-43E0-B8FC-AC1667EBCBE1}">
+              <a14:hiddenEffects xmlns:a14="http://schemas.microsoft.com/office/drawing/2010/main">
+                <a:effectLst>
+                  <a:outerShdw dist="35921" dir="2700000" algn="ctr" rotWithShape="0">
+                    <a:schemeClr val="bg2"/>
+                  </a:outerShdw>
+                </a:effectLst>
+              </a14:hiddenEffects>
+            </a:ext>
+          </a:extLst>
+        </p:spPr>
+        <p:txBody>
+          <a:bodyPr/>
+          <a:lstStyle/>
+          <a:p>
+            <a:endParaRPr lang="en-US"/>
+          </a:p>
+        </p:txBody>
+      </p:sp>
+      <p:sp>
+        <p:nvSpPr>
+          <p:cNvPr id="13" name="Oval 4"/>
+          <p:cNvSpPr>
+            <a:spLocks noChangeArrowheads="1"/>
+          </p:cNvSpPr>
+          <p:nvPr/>
+        </p:nvSpPr>
+        <p:spPr bwMode="auto">
+          <a:xfrm>
+            <a:off x="8305800" y="3810000"/>
+            <a:ext cx="533400" cy="533400"/>
+          </a:xfrm>
+          <a:prstGeom prst="ellipse">
+            <a:avLst/>
+          </a:prstGeom>
+          <a:solidFill>
+            <a:schemeClr val="accent1"/>
+          </a:solidFill>
+          <a:ln w="28575">
+            <a:solidFill>
+              <a:schemeClr val="tx1"/>
+            </a:solidFill>
+            <a:round/>
+            <a:headEnd/>
+            <a:tailEnd/>
+          </a:ln>
+          <a:effectLst/>
+          <a:extLst>
+            <a:ext uri="{AF507438-7753-43E0-B8FC-AC1667EBCBE1}">
+              <a14:hiddenEffects xmlns:a14="http://schemas.microsoft.com/office/drawing/2010/main">
+                <a:effectLst>
+                  <a:outerShdw dist="35921" dir="2700000" algn="ctr" rotWithShape="0">
+                    <a:schemeClr val="bg2"/>
+                  </a:outerShdw>
+                </a:effectLst>
+              </a14:hiddenEffects>
+            </a:ext>
+          </a:extLst>
+        </p:spPr>
+        <p:txBody>
+          <a:bodyPr wrap="none" anchor="ctr"/>
+          <a:lstStyle/>
+          <a:p>
+            <a:pPr algn="ctr"/>
+            <a:r>
+              <a:rPr lang="en-US" altLang="en-US" b="1" dirty="0"/>
+              <a:t>1</a:t>
+            </a:r>
+          </a:p>
+        </p:txBody>
+      </p:sp>
+      <p:sp>
+        <p:nvSpPr>
+          <p:cNvPr id="14" name="Line 5"/>
+          <p:cNvSpPr>
+            <a:spLocks noChangeShapeType="1"/>
+          </p:cNvSpPr>
+          <p:nvPr/>
+        </p:nvSpPr>
+        <p:spPr bwMode="auto">
+          <a:xfrm>
+            <a:off x="8229600" y="3200400"/>
+            <a:ext cx="304800" cy="609600"/>
+          </a:xfrm>
+          <a:prstGeom prst="line">
+            <a:avLst/>
+          </a:prstGeom>
+          <a:noFill/>
+          <a:ln w="28575">
+            <a:solidFill>
+              <a:schemeClr val="tx1"/>
+            </a:solidFill>
+            <a:round/>
+            <a:headEnd/>
+            <a:tailEnd/>
+          </a:ln>
+          <a:effectLst/>
+          <a:extLst>
+            <a:ext uri="{909E8E84-426E-40DD-AFC4-6F175D3DCCD1}">
+              <a14:hiddenFill xmlns:a14="http://schemas.microsoft.com/office/drawing/2010/main">
+                <a:noFill/>
+              </a14:hiddenFill>
+            </a:ext>
+            <a:ext uri="{AF507438-7753-43E0-B8FC-AC1667EBCBE1}">
+              <a14:hiddenEffects xmlns:a14="http://schemas.microsoft.com/office/drawing/2010/main">
+                <a:effectLst>
+                  <a:outerShdw dist="35921" dir="2700000" algn="ctr" rotWithShape="0">
+                    <a:schemeClr val="bg2"/>
+                  </a:outerShdw>
+                </a:effectLst>
+              </a14:hiddenEffects>
+            </a:ext>
+          </a:extLst>
+        </p:spPr>
+        <p:txBody>
+          <a:bodyPr/>
+          <a:lstStyle/>
+          <a:p>
+            <a:endParaRPr lang="en-US"/>
+          </a:p>
+        </p:txBody>
+      </p:sp>
+    </p:spTree>
+    <p:extLst>
+      <p:ext uri="{BB962C8B-B14F-4D97-AF65-F5344CB8AC3E}">
+        <p14:creationId xmlns:p14="http://schemas.microsoft.com/office/powerpoint/2010/main" val="3787782566"/>
+      </p:ext>
+    </p:extLst>
+  </p:cSld>
+  <p:clrMapOvr>
+    <a:masterClrMapping/>
+  </p:clrMapOvr>
+  <p:timing>
+    <p:tnLst>
+      <p:par>
+        <p:cTn id="1" dur="indefinite" restart="never" nodeType="tmRoot"/>
+      </p:par>
+    </p:tnLst>
+  </p:timing>
+</p:sld>
+</file>
+
+<file path=ppt/slides/slide8.xml><?xml version="1.0" encoding="utf-8"?>
+<p:sld xmlns:a="http://schemas.openxmlformats.org/drawingml/2006/main" xmlns:r="http://schemas.openxmlformats.org/officeDocument/2006/relationships" xmlns:p="http://schemas.openxmlformats.org/presentationml/2006/main">
+  <p:cSld>
+    <p:spTree>
+      <p:nvGrpSpPr>
+        <p:cNvPr id="1" name=""/>
+        <p:cNvGrpSpPr/>
+        <p:nvPr/>
+      </p:nvGrpSpPr>
+      <p:grpSpPr>
+        <a:xfrm>
+          <a:off x="0" y="0"/>
+          <a:ext cx="0" cy="0"/>
+          <a:chOff x="0" y="0"/>
+          <a:chExt cx="0" cy="0"/>
+        </a:xfrm>
+      </p:grpSpPr>
+      <p:sp>
+        <p:nvSpPr>
+          <p:cNvPr id="828418" name="Rectangle 2"/>
+          <p:cNvSpPr>
+            <a:spLocks noGrp="1" noChangeArrowheads="1"/>
+          </p:cNvSpPr>
+          <p:nvPr>
+            <p:ph type="title"/>
+          </p:nvPr>
+        </p:nvSpPr>
+        <p:spPr>
+          <a:xfrm>
+            <a:off x="0" y="0"/>
+            <a:ext cx="8001000" cy="1417638"/>
+          </a:xfrm>
+        </p:spPr>
+        <p:txBody>
+          <a:bodyPr/>
+          <a:lstStyle/>
+          <a:p>
+            <a:r>
+              <a:rPr lang="en-US" altLang="en-US" dirty="0"/>
+              <a:t>Binary tree traversal</a:t>
+            </a:r>
+          </a:p>
+        </p:txBody>
+      </p:sp>
+      <p:sp>
+        <p:nvSpPr>
+          <p:cNvPr id="828419" name="Rectangle 3"/>
+          <p:cNvSpPr>
+            <a:spLocks noGrp="1" noChangeArrowheads="1"/>
+          </p:cNvSpPr>
+          <p:nvPr>
+            <p:ph type="body" idx="1"/>
+          </p:nvPr>
+        </p:nvSpPr>
+        <p:spPr>
+          <a:xfrm>
+            <a:off x="0" y="1600200"/>
+            <a:ext cx="9144000" cy="5257800"/>
+          </a:xfrm>
+        </p:spPr>
+        <p:txBody>
+          <a:bodyPr/>
+          <a:lstStyle/>
+          <a:p>
+            <a:r>
+              <a:rPr lang="en-US" altLang="en-US" dirty="0" smtClean="0"/>
+              <a:t>Processing </a:t>
+            </a:r>
+            <a:r>
+              <a:rPr lang="en-US" altLang="en-US" dirty="0"/>
+              <a:t>all the nodes </a:t>
+            </a:r>
+            <a:r>
+              <a:rPr lang="en-US" altLang="en-US" dirty="0" smtClean="0"/>
+              <a:t>by</a:t>
+            </a:r>
+            <a:endParaRPr lang="en-US" altLang="en-US" dirty="0"/>
+          </a:p>
+          <a:p>
+            <a:pPr lvl="1"/>
+            <a:r>
+              <a:rPr lang="en-US" altLang="en-US" dirty="0" smtClean="0"/>
+              <a:t>visiting each individual node </a:t>
+            </a:r>
+            <a:r>
+              <a:rPr lang="en-US" altLang="en-US" dirty="0"/>
+              <a:t>exactly once</a:t>
+            </a:r>
+          </a:p>
+          <a:p>
+            <a:pPr lvl="2"/>
+            <a:r>
+              <a:rPr lang="en-US" altLang="en-US" dirty="0" smtClean="0"/>
+              <a:t>Pre-order </a:t>
+            </a:r>
+            <a:r>
+              <a:rPr lang="en-US" altLang="en-US" dirty="0"/>
+              <a:t>(VLR)</a:t>
+            </a:r>
+          </a:p>
+          <a:p>
+            <a:pPr lvl="2"/>
+            <a:endParaRPr lang="en-US" altLang="en-US" dirty="0" smtClean="0"/>
+          </a:p>
+          <a:p>
+            <a:pPr lvl="2"/>
+            <a:r>
+              <a:rPr lang="en-US" altLang="en-US" dirty="0" smtClean="0"/>
+              <a:t>Post-order </a:t>
+            </a:r>
+            <a:r>
+              <a:rPr lang="en-US" altLang="en-US" dirty="0"/>
+              <a:t>(</a:t>
+            </a:r>
+            <a:r>
+              <a:rPr lang="en-US" altLang="en-US" dirty="0" smtClean="0"/>
+              <a:t>LRV</a:t>
+            </a:r>
+            <a:r>
+              <a:rPr lang="en-US" altLang="en-US" dirty="0"/>
+              <a:t>)</a:t>
+            </a:r>
+            <a:endParaRPr lang="en-US" altLang="en-US" dirty="0" smtClean="0"/>
+          </a:p>
+          <a:p>
+            <a:pPr lvl="2"/>
+            <a:endParaRPr lang="en-US" altLang="en-US" dirty="0" smtClean="0"/>
+          </a:p>
+          <a:p>
+            <a:pPr lvl="2"/>
+            <a:r>
+              <a:rPr lang="en-US" altLang="en-US" dirty="0" smtClean="0"/>
+              <a:t>In-order traversal </a:t>
+            </a:r>
+            <a:r>
+              <a:rPr lang="en-US" altLang="en-US" dirty="0"/>
+              <a:t>(LVR)</a:t>
+            </a:r>
+          </a:p>
+          <a:p>
+            <a:pPr lvl="2"/>
+            <a:endParaRPr lang="en-US" altLang="en-US" dirty="0"/>
+          </a:p>
+        </p:txBody>
+      </p:sp>
+      <p:sp>
+        <p:nvSpPr>
+          <p:cNvPr id="828421" name="Oval 5"/>
+          <p:cNvSpPr>
+            <a:spLocks noChangeArrowheads="1"/>
+          </p:cNvSpPr>
+          <p:nvPr/>
+        </p:nvSpPr>
+        <p:spPr bwMode="auto">
+          <a:xfrm>
+            <a:off x="5638800" y="3124200"/>
+            <a:ext cx="533400" cy="533400"/>
+          </a:xfrm>
+          <a:prstGeom prst="ellipse">
+            <a:avLst/>
+          </a:prstGeom>
+          <a:solidFill>
+            <a:schemeClr val="accent1"/>
+          </a:solidFill>
+          <a:ln w="28575">
+            <a:solidFill>
+              <a:schemeClr val="tx1"/>
+            </a:solidFill>
+            <a:round/>
+            <a:headEnd/>
+            <a:tailEnd/>
+          </a:ln>
+          <a:effectLst/>
+          <a:extLst>
+            <a:ext uri="{AF507438-7753-43E0-B8FC-AC1667EBCBE1}">
+              <a14:hiddenEffects xmlns:a14="http://schemas.microsoft.com/office/drawing/2010/main">
+                <a:effectLst>
+                  <a:outerShdw dist="35921" dir="2700000" algn="ctr" rotWithShape="0">
+                    <a:schemeClr val="bg2"/>
+                  </a:outerShdw>
+                </a:effectLst>
+              </a14:hiddenEffects>
+            </a:ext>
+          </a:extLst>
+        </p:spPr>
+        <p:txBody>
+          <a:bodyPr wrap="none" anchor="ctr"/>
+          <a:lstStyle/>
+          <a:p>
+            <a:pPr algn="ctr"/>
+            <a:r>
+              <a:rPr lang="en-US" altLang="en-US" b="1"/>
+              <a:t>V</a:t>
+            </a:r>
+          </a:p>
+        </p:txBody>
+      </p:sp>
+      <p:sp>
+        <p:nvSpPr>
+          <p:cNvPr id="828422" name="Line 6"/>
+          <p:cNvSpPr>
+            <a:spLocks noChangeShapeType="1"/>
+          </p:cNvSpPr>
+          <p:nvPr/>
+        </p:nvSpPr>
+        <p:spPr bwMode="auto">
+          <a:xfrm flipH="1">
+            <a:off x="4800600" y="3581400"/>
+            <a:ext cx="914400" cy="609600"/>
+          </a:xfrm>
+          <a:prstGeom prst="line">
+            <a:avLst/>
+          </a:prstGeom>
+          <a:noFill/>
+          <a:ln w="28575">
+            <a:solidFill>
+              <a:schemeClr val="tx1"/>
+            </a:solidFill>
+            <a:round/>
+            <a:headEnd/>
+            <a:tailEnd/>
+          </a:ln>
+          <a:effectLst/>
+          <a:extLst>
+            <a:ext uri="{909E8E84-426E-40DD-AFC4-6F175D3DCCD1}">
+              <a14:hiddenFill xmlns:a14="http://schemas.microsoft.com/office/drawing/2010/main">
+                <a:noFill/>
+              </a14:hiddenFill>
+            </a:ext>
+            <a:ext uri="{AF507438-7753-43E0-B8FC-AC1667EBCBE1}">
+              <a14:hiddenEffects xmlns:a14="http://schemas.microsoft.com/office/drawing/2010/main">
+                <a:effectLst>
+                  <a:outerShdw dist="35921" dir="2700000" algn="ctr" rotWithShape="0">
+                    <a:schemeClr val="bg2"/>
+                  </a:outerShdw>
+                </a:effectLst>
+              </a14:hiddenEffects>
+            </a:ext>
+          </a:extLst>
+        </p:spPr>
+        <p:txBody>
+          <a:bodyPr/>
+          <a:lstStyle/>
+          <a:p>
+            <a:endParaRPr lang="en-US"/>
+          </a:p>
+        </p:txBody>
+      </p:sp>
+      <p:sp>
+        <p:nvSpPr>
+          <p:cNvPr id="828423" name="Oval 7"/>
+          <p:cNvSpPr>
+            <a:spLocks noChangeArrowheads="1"/>
+          </p:cNvSpPr>
+          <p:nvPr/>
+        </p:nvSpPr>
+        <p:spPr bwMode="auto">
+          <a:xfrm>
+            <a:off x="4419600" y="4114800"/>
+            <a:ext cx="533400" cy="533400"/>
+          </a:xfrm>
+          <a:prstGeom prst="ellipse">
+            <a:avLst/>
+          </a:prstGeom>
+          <a:solidFill>
+            <a:schemeClr val="accent1"/>
+          </a:solidFill>
+          <a:ln w="28575">
+            <a:solidFill>
+              <a:schemeClr val="tx1"/>
+            </a:solidFill>
+            <a:round/>
+            <a:headEnd/>
+            <a:tailEnd/>
+          </a:ln>
+          <a:effectLst/>
+          <a:extLst>
+            <a:ext uri="{AF507438-7753-43E0-B8FC-AC1667EBCBE1}">
+              <a14:hiddenEffects xmlns:a14="http://schemas.microsoft.com/office/drawing/2010/main">
+                <a:effectLst>
+                  <a:outerShdw dist="35921" dir="2700000" algn="ctr" rotWithShape="0">
+                    <a:schemeClr val="bg2"/>
+                  </a:outerShdw>
+                </a:effectLst>
+              </a14:hiddenEffects>
+            </a:ext>
+          </a:extLst>
+        </p:spPr>
+        <p:txBody>
+          <a:bodyPr wrap="none" anchor="ctr"/>
+          <a:lstStyle/>
+          <a:p>
+            <a:pPr algn="ctr"/>
+            <a:r>
+              <a:rPr lang="en-US" altLang="en-US" b="1"/>
+              <a:t>L</a:t>
+            </a:r>
+          </a:p>
+        </p:txBody>
+      </p:sp>
+      <p:sp>
+        <p:nvSpPr>
+          <p:cNvPr id="828424" name="Oval 8"/>
+          <p:cNvSpPr>
+            <a:spLocks noChangeArrowheads="1"/>
+          </p:cNvSpPr>
+          <p:nvPr/>
+        </p:nvSpPr>
+        <p:spPr bwMode="auto">
+          <a:xfrm>
+            <a:off x="7391400" y="4114800"/>
+            <a:ext cx="533400" cy="533400"/>
+          </a:xfrm>
+          <a:prstGeom prst="ellipse">
+            <a:avLst/>
+          </a:prstGeom>
+          <a:solidFill>
+            <a:schemeClr val="accent1"/>
+          </a:solidFill>
+          <a:ln w="28575">
+            <a:solidFill>
+              <a:schemeClr val="tx1"/>
+            </a:solidFill>
+            <a:round/>
+            <a:headEnd/>
+            <a:tailEnd/>
+          </a:ln>
+          <a:effectLst/>
+          <a:extLst>
+            <a:ext uri="{AF507438-7753-43E0-B8FC-AC1667EBCBE1}">
+              <a14:hiddenEffects xmlns:a14="http://schemas.microsoft.com/office/drawing/2010/main">
+                <a:effectLst>
+                  <a:outerShdw dist="35921" dir="2700000" algn="ctr" rotWithShape="0">
+                    <a:schemeClr val="bg2"/>
+                  </a:outerShdw>
+                </a:effectLst>
+              </a14:hiddenEffects>
+            </a:ext>
+          </a:extLst>
+        </p:spPr>
+        <p:txBody>
+          <a:bodyPr wrap="none" anchor="ctr"/>
+          <a:lstStyle/>
+          <a:p>
+            <a:pPr algn="ctr"/>
+            <a:r>
+              <a:rPr lang="en-US" altLang="en-US" b="1"/>
+              <a:t>R</a:t>
+            </a:r>
+          </a:p>
+        </p:txBody>
+      </p:sp>
+      <p:sp>
+        <p:nvSpPr>
+          <p:cNvPr id="828425" name="Line 9"/>
+          <p:cNvSpPr>
+            <a:spLocks noChangeShapeType="1"/>
+          </p:cNvSpPr>
+          <p:nvPr/>
+        </p:nvSpPr>
+        <p:spPr bwMode="auto">
+          <a:xfrm>
+            <a:off x="6172200" y="3505200"/>
+            <a:ext cx="1219200" cy="838200"/>
+          </a:xfrm>
+          <a:prstGeom prst="line">
+            <a:avLst/>
+          </a:prstGeom>
+          <a:noFill/>
+          <a:ln w="28575">
+            <a:solidFill>
+              <a:schemeClr val="tx1"/>
+            </a:solidFill>
+            <a:round/>
+            <a:headEnd/>
+            <a:tailEnd/>
+          </a:ln>
+          <a:effectLst/>
+          <a:extLst>
+            <a:ext uri="{909E8E84-426E-40DD-AFC4-6F175D3DCCD1}">
+              <a14:hiddenFill xmlns:a14="http://schemas.microsoft.com/office/drawing/2010/main">
+                <a:noFill/>
+              </a14:hiddenFill>
+            </a:ext>
+            <a:ext uri="{AF507438-7753-43E0-B8FC-AC1667EBCBE1}">
+              <a14:hiddenEffects xmlns:a14="http://schemas.microsoft.com/office/drawing/2010/main">
+                <a:effectLst>
+                  <a:outerShdw dist="35921" dir="2700000" algn="ctr" rotWithShape="0">
+                    <a:schemeClr val="bg2"/>
+                  </a:outerShdw>
+                </a:effectLst>
+              </a14:hiddenEffects>
+            </a:ext>
+          </a:extLst>
+        </p:spPr>
+        <p:txBody>
+          <a:bodyPr/>
+          <a:lstStyle/>
+          <a:p>
+            <a:endParaRPr lang="en-US"/>
+          </a:p>
+        </p:txBody>
+      </p:sp>
+    </p:spTree>
+    <p:extLst>
+      <p:ext uri="{BB962C8B-B14F-4D97-AF65-F5344CB8AC3E}">
+        <p14:creationId xmlns:p14="http://schemas.microsoft.com/office/powerpoint/2010/main" val="2201905971"/>
+      </p:ext>
+    </p:extLst>
+  </p:cSld>
+  <p:clrMapOvr>
+    <a:masterClrMapping/>
+  </p:clrMapOvr>
+</p:sld>
+</file>
+
+<file path=ppt/slides/slide9.xml><?xml version="1.0" encoding="utf-8"?>
+<p:sld xmlns:a="http://schemas.openxmlformats.org/drawingml/2006/main" xmlns:r="http://schemas.openxmlformats.org/officeDocument/2006/relationships" xmlns:p="http://schemas.openxmlformats.org/presentationml/2006/main">
+  <p:cSld>
+    <p:spTree>
+      <p:nvGrpSpPr>
+        <p:cNvPr id="1" name=""/>
+        <p:cNvGrpSpPr/>
+        <p:nvPr/>
+      </p:nvGrpSpPr>
+      <p:grpSpPr>
+        <a:xfrm>
+          <a:off x="0" y="0"/>
+          <a:ext cx="0" cy="0"/>
+          <a:chOff x="0" y="0"/>
+          <a:chExt cx="0" cy="0"/>
+        </a:xfrm>
+      </p:grpSpPr>
+      <p:sp>
+        <p:nvSpPr>
+          <p:cNvPr id="830466" name="Rectangle 2"/>
+          <p:cNvSpPr>
+            <a:spLocks noGrp="1" noChangeArrowheads="1"/>
+          </p:cNvSpPr>
+          <p:nvPr>
+            <p:ph type="title"/>
+          </p:nvPr>
+        </p:nvSpPr>
+        <p:spPr>
+          <a:xfrm>
+            <a:off x="0" y="0"/>
+            <a:ext cx="8001000" cy="1417638"/>
+          </a:xfrm>
+        </p:spPr>
+        <p:txBody>
+          <a:bodyPr/>
+          <a:lstStyle/>
+          <a:p>
+            <a:r>
+              <a:rPr lang="en-US" altLang="en-US" dirty="0" smtClean="0"/>
+              <a:t>Pre-order </a:t>
+            </a:r>
+            <a:r>
+              <a:rPr lang="en-US" altLang="en-US" dirty="0"/>
+              <a:t>traversal</a:t>
+            </a:r>
+          </a:p>
+        </p:txBody>
+      </p:sp>
+      <p:sp>
+        <p:nvSpPr>
+          <p:cNvPr id="830467" name="Rectangle 3"/>
+          <p:cNvSpPr>
+            <a:spLocks noGrp="1" noChangeArrowheads="1"/>
+          </p:cNvSpPr>
+          <p:nvPr>
+            <p:ph type="body" idx="1"/>
+          </p:nvPr>
+        </p:nvSpPr>
+        <p:spPr>
+          <a:xfrm>
+            <a:off x="0" y="1524000"/>
+            <a:ext cx="9144000" cy="5334000"/>
+          </a:xfrm>
+        </p:spPr>
+        <p:txBody>
+          <a:bodyPr/>
+          <a:lstStyle/>
+          <a:p>
+            <a:r>
+              <a:rPr lang="en-US" altLang="en-US" dirty="0"/>
+              <a:t>In a </a:t>
+            </a:r>
+            <a:r>
+              <a:rPr lang="en-US" altLang="en-US" dirty="0" smtClean="0"/>
+              <a:t>pre-order </a:t>
+            </a:r>
+            <a:r>
+              <a:rPr lang="en-US" altLang="en-US" dirty="0"/>
+              <a:t>traversal</a:t>
+            </a:r>
+          </a:p>
+          <a:p>
+            <a:pPr lvl="1"/>
+            <a:r>
+              <a:rPr lang="en-US" altLang="en-US" dirty="0"/>
+              <a:t> a node is visited before its left subtree </a:t>
+            </a:r>
+          </a:p>
+          <a:p>
+            <a:pPr lvl="1"/>
+            <a:endParaRPr lang="en-US" altLang="en-US" dirty="0"/>
+          </a:p>
+          <a:p>
+            <a:pPr lvl="1"/>
+            <a:r>
+              <a:rPr lang="en-US" altLang="en-US" dirty="0"/>
+              <a:t>And before its right subtree</a:t>
+            </a:r>
+          </a:p>
+        </p:txBody>
+      </p:sp>
+      <p:sp>
+        <p:nvSpPr>
+          <p:cNvPr id="830468" name="Text Box 4"/>
+          <p:cNvSpPr txBox="1">
+            <a:spLocks noChangeArrowheads="1"/>
+          </p:cNvSpPr>
+          <p:nvPr/>
+        </p:nvSpPr>
+        <p:spPr bwMode="auto">
+          <a:xfrm>
+            <a:off x="1828800" y="3733800"/>
+            <a:ext cx="4953000" cy="2840038"/>
+          </a:xfrm>
+          <a:prstGeom prst="rect">
+            <a:avLst/>
+          </a:prstGeom>
+          <a:noFill/>
+          <a:ln w="9525">
+            <a:solidFill>
+              <a:srgbClr val="000000"/>
+            </a:solidFill>
+            <a:miter lim="800000"/>
+            <a:headEnd/>
+            <a:tailEnd/>
+          </a:ln>
+          <a:effectLst/>
+          <a:extLst>
+            <a:ext uri="{909E8E84-426E-40DD-AFC4-6F175D3DCCD1}">
+              <a14:hiddenFill xmlns:a14="http://schemas.microsoft.com/office/drawing/2010/main">
+                <a:solidFill>
+                  <a:schemeClr val="accent1"/>
+                </a:solidFill>
+              </a14:hiddenFill>
+            </a:ext>
+            <a:ext uri="{AF507438-7753-43E0-B8FC-AC1667EBCBE1}">
+              <a14:hiddenEffects xmlns:a14="http://schemas.microsoft.com/office/drawing/2010/main">
+                <a:effectLst>
+                  <a:outerShdw dist="35921" dir="2700000" algn="ctr" rotWithShape="0">
+                    <a:schemeClr val="bg2"/>
+                  </a:outerShdw>
+                </a:effectLst>
+              </a14:hiddenEffects>
+            </a:ext>
+          </a:extLst>
+        </p:spPr>
+        <p:txBody>
+          <a:bodyPr>
+            <a:spAutoFit/>
+          </a:bodyPr>
+          <a:lstStyle/>
+          <a:p>
+            <a:pPr>
+              <a:lnSpc>
+                <a:spcPct val="90000"/>
+              </a:lnSpc>
+              <a:spcBef>
+                <a:spcPct val="20000"/>
+              </a:spcBef>
+              <a:buClr>
+                <a:schemeClr val="hlink"/>
+              </a:buClr>
+              <a:buSzPct val="110000"/>
+              <a:buFont typeface="Wingdings" panose="05000000000000000000" pitchFamily="2" charset="2"/>
+              <a:buNone/>
+            </a:pPr>
+            <a:r>
+              <a:rPr lang="en-US" altLang="en-US" sz="2400" b="1">
+                <a:solidFill>
+                  <a:srgbClr val="000000"/>
+                </a:solidFill>
+                <a:latin typeface="Times New Roman" panose="02020603050405020304" pitchFamily="18" charset="0"/>
+              </a:rPr>
+              <a:t>Algorithm</a:t>
+            </a:r>
+            <a:r>
+              <a:rPr lang="en-US" altLang="en-US" sz="2400">
+                <a:latin typeface="Times New Roman" panose="02020603050405020304" pitchFamily="18" charset="0"/>
+              </a:rPr>
+              <a:t> </a:t>
+            </a:r>
+            <a:r>
+              <a:rPr lang="en-US" altLang="en-US" sz="2400" b="1" i="1">
+                <a:solidFill>
+                  <a:schemeClr val="tx2"/>
+                </a:solidFill>
+                <a:latin typeface="Times New Roman" panose="02020603050405020304" pitchFamily="18" charset="0"/>
+              </a:rPr>
+              <a:t>PreOrder</a:t>
+            </a:r>
+            <a:r>
+              <a:rPr lang="en-US" altLang="en-US" sz="2400">
+                <a:solidFill>
+                  <a:schemeClr val="tx2"/>
+                </a:solidFill>
+                <a:latin typeface="Times New Roman" panose="02020603050405020304" pitchFamily="18" charset="0"/>
+              </a:rPr>
+              <a:t>(T,</a:t>
+            </a:r>
+            <a:r>
+              <a:rPr lang="en-US" altLang="en-US" sz="2400" b="1" i="1">
+                <a:solidFill>
+                  <a:schemeClr val="tx2"/>
+                </a:solidFill>
+                <a:latin typeface="Times New Roman" panose="02020603050405020304" pitchFamily="18" charset="0"/>
+              </a:rPr>
+              <a:t>v</a:t>
+            </a:r>
+            <a:r>
+              <a:rPr lang="en-US" altLang="en-US" sz="2400">
+                <a:solidFill>
+                  <a:schemeClr val="tx2"/>
+                </a:solidFill>
+                <a:latin typeface="Times New Roman" panose="02020603050405020304" pitchFamily="18" charset="0"/>
+              </a:rPr>
+              <a:t>)</a:t>
+            </a:r>
+          </a:p>
+          <a:p>
+            <a:pPr lvl="1">
+              <a:lnSpc>
+                <a:spcPct val="90000"/>
+              </a:lnSpc>
+              <a:spcBef>
+                <a:spcPct val="20000"/>
+              </a:spcBef>
+              <a:buClr>
+                <a:schemeClr val="tx1"/>
+              </a:buClr>
+              <a:buSzPct val="60000"/>
+              <a:buFont typeface="Wingdings" panose="05000000000000000000" pitchFamily="2" charset="2"/>
+              <a:buNone/>
+            </a:pPr>
+            <a:r>
+              <a:rPr lang="en-US" altLang="en-US" sz="2400" b="1" i="1">
+                <a:solidFill>
+                  <a:schemeClr val="accent2"/>
+                </a:solidFill>
+                <a:latin typeface="Times New Roman" panose="02020603050405020304" pitchFamily="18" charset="0"/>
+              </a:rPr>
+              <a:t>visit</a:t>
+            </a:r>
+            <a:r>
+              <a:rPr lang="en-US" altLang="en-US" sz="2400" b="1">
+                <a:solidFill>
+                  <a:schemeClr val="accent2"/>
+                </a:solidFill>
+                <a:latin typeface="Times New Roman" panose="02020603050405020304" pitchFamily="18" charset="0"/>
+              </a:rPr>
+              <a:t>(</a:t>
+            </a:r>
+            <a:r>
+              <a:rPr lang="en-US" altLang="en-US" sz="2400" b="1" i="1">
+                <a:solidFill>
+                  <a:schemeClr val="accent2"/>
+                </a:solidFill>
+                <a:latin typeface="Times New Roman" panose="02020603050405020304" pitchFamily="18" charset="0"/>
+              </a:rPr>
+              <a:t>v</a:t>
+            </a:r>
+            <a:r>
+              <a:rPr lang="en-US" altLang="en-US" sz="2400" b="1">
+                <a:solidFill>
+                  <a:schemeClr val="accent2"/>
+                </a:solidFill>
+                <a:latin typeface="Times New Roman" panose="02020603050405020304" pitchFamily="18" charset="0"/>
+              </a:rPr>
+              <a:t>)</a:t>
+            </a:r>
+          </a:p>
+          <a:p>
+            <a:pPr lvl="1">
+              <a:lnSpc>
+                <a:spcPct val="90000"/>
+              </a:lnSpc>
+              <a:spcBef>
+                <a:spcPct val="20000"/>
+              </a:spcBef>
+              <a:buClr>
+                <a:schemeClr val="hlink"/>
+              </a:buClr>
+              <a:buSzPct val="110000"/>
+              <a:buFont typeface="Wingdings" panose="05000000000000000000" pitchFamily="2" charset="2"/>
+              <a:buNone/>
+            </a:pPr>
+            <a:r>
+              <a:rPr lang="en-US" altLang="en-US" sz="2400" b="1">
+                <a:solidFill>
+                  <a:srgbClr val="000000"/>
+                </a:solidFill>
+                <a:latin typeface="Times New Roman" panose="02020603050405020304" pitchFamily="18" charset="0"/>
+              </a:rPr>
+              <a:t>if</a:t>
+            </a:r>
+            <a:r>
+              <a:rPr lang="en-US" altLang="en-US" sz="2400">
+                <a:latin typeface="Times New Roman" panose="02020603050405020304" pitchFamily="18" charset="0"/>
+              </a:rPr>
+              <a:t> </a:t>
+            </a:r>
+            <a:r>
+              <a:rPr lang="en-US" altLang="en-US" sz="2400" i="1">
+                <a:solidFill>
+                  <a:schemeClr val="accent2"/>
+                </a:solidFill>
+                <a:latin typeface="Times New Roman" panose="02020603050405020304" pitchFamily="18" charset="0"/>
+              </a:rPr>
+              <a:t>T.hasLeft(v)</a:t>
+            </a:r>
+            <a:endParaRPr lang="en-US" altLang="en-US" sz="2400" b="1" i="1">
+              <a:solidFill>
+                <a:schemeClr val="accent2"/>
+              </a:solidFill>
+              <a:latin typeface="Times New Roman" panose="02020603050405020304" pitchFamily="18" charset="0"/>
+            </a:endParaRPr>
+          </a:p>
+          <a:p>
+            <a:pPr lvl="1">
+              <a:lnSpc>
+                <a:spcPct val="90000"/>
+              </a:lnSpc>
+              <a:spcBef>
+                <a:spcPct val="20000"/>
+              </a:spcBef>
+              <a:buClr>
+                <a:schemeClr val="tx1"/>
+              </a:buClr>
+              <a:buSzPct val="60000"/>
+              <a:buFont typeface="Wingdings" panose="05000000000000000000" pitchFamily="2" charset="2"/>
+              <a:buNone/>
+            </a:pPr>
+            <a:r>
+              <a:rPr lang="en-US" altLang="en-US" sz="2400" i="1">
+                <a:solidFill>
+                  <a:schemeClr val="accent2"/>
+                </a:solidFill>
+                <a:latin typeface="Times New Roman" panose="02020603050405020304" pitchFamily="18" charset="0"/>
+              </a:rPr>
+              <a:t>	</a:t>
+            </a:r>
+            <a:r>
+              <a:rPr lang="en-US" altLang="en-US" sz="2400" b="1" i="1">
+                <a:solidFill>
+                  <a:schemeClr val="accent2"/>
+                </a:solidFill>
+                <a:latin typeface="Times New Roman" panose="02020603050405020304" pitchFamily="18" charset="0"/>
+              </a:rPr>
+              <a:t>PreOrder(T, T.left(v))</a:t>
+            </a:r>
+            <a:endParaRPr lang="en-US" altLang="en-US" sz="2400" b="1" i="1">
+              <a:latin typeface="Times New Roman" panose="02020603050405020304" pitchFamily="18" charset="0"/>
+            </a:endParaRPr>
+          </a:p>
+          <a:p>
+            <a:pPr lvl="1">
+              <a:lnSpc>
+                <a:spcPct val="90000"/>
+              </a:lnSpc>
+              <a:spcBef>
+                <a:spcPct val="20000"/>
+              </a:spcBef>
+              <a:buClr>
+                <a:schemeClr val="hlink"/>
+              </a:buClr>
+              <a:buSzPct val="110000"/>
+              <a:buFont typeface="Wingdings" panose="05000000000000000000" pitchFamily="2" charset="2"/>
+              <a:buNone/>
+            </a:pPr>
+            <a:r>
+              <a:rPr lang="en-US" altLang="en-US" sz="2400" b="1">
+                <a:solidFill>
+                  <a:srgbClr val="000000"/>
+                </a:solidFill>
+                <a:latin typeface="Times New Roman" panose="02020603050405020304" pitchFamily="18" charset="0"/>
+              </a:rPr>
+              <a:t>if</a:t>
+            </a:r>
+            <a:r>
+              <a:rPr lang="en-US" altLang="en-US" sz="2400">
+                <a:latin typeface="Times New Roman" panose="02020603050405020304" pitchFamily="18" charset="0"/>
+              </a:rPr>
+              <a:t> </a:t>
+            </a:r>
+            <a:r>
+              <a:rPr lang="en-US" altLang="en-US" sz="2400" i="1">
+                <a:solidFill>
+                  <a:schemeClr val="accent2"/>
+                </a:solidFill>
+                <a:latin typeface="Times New Roman" panose="02020603050405020304" pitchFamily="18" charset="0"/>
+              </a:rPr>
+              <a:t>T.isRight(v)</a:t>
+            </a:r>
+            <a:endParaRPr lang="en-US" altLang="en-US" sz="2400" b="1" i="1">
+              <a:solidFill>
+                <a:schemeClr val="accent2"/>
+              </a:solidFill>
+              <a:latin typeface="Times New Roman" panose="02020603050405020304" pitchFamily="18" charset="0"/>
+            </a:endParaRPr>
+          </a:p>
+          <a:p>
+            <a:pPr lvl="1">
+              <a:lnSpc>
+                <a:spcPct val="90000"/>
+              </a:lnSpc>
+              <a:spcBef>
+                <a:spcPct val="20000"/>
+              </a:spcBef>
+              <a:buClr>
+                <a:schemeClr val="tx1"/>
+              </a:buClr>
+              <a:buSzPct val="60000"/>
+              <a:buFont typeface="Wingdings" panose="05000000000000000000" pitchFamily="2" charset="2"/>
+              <a:buNone/>
+            </a:pPr>
+            <a:r>
+              <a:rPr lang="en-US" altLang="en-US" sz="2400">
+                <a:solidFill>
+                  <a:schemeClr val="accent2"/>
+                </a:solidFill>
+                <a:latin typeface="Times New Roman" panose="02020603050405020304" pitchFamily="18" charset="0"/>
+              </a:rPr>
+              <a:t>	</a:t>
+            </a:r>
+            <a:r>
+              <a:rPr lang="en-US" altLang="en-US" sz="2400" b="1">
+                <a:solidFill>
+                  <a:schemeClr val="accent2"/>
+                </a:solidFill>
+                <a:latin typeface="Times New Roman" panose="02020603050405020304" pitchFamily="18" charset="0"/>
+              </a:rPr>
+              <a:t> </a:t>
+            </a:r>
+            <a:r>
+              <a:rPr lang="en-US" altLang="en-US" sz="2400" b="1" i="1">
+                <a:solidFill>
+                  <a:schemeClr val="accent2"/>
+                </a:solidFill>
+                <a:latin typeface="Times New Roman" panose="02020603050405020304" pitchFamily="18" charset="0"/>
+              </a:rPr>
+              <a:t>PreOrder(T, T.Right(v))</a:t>
+            </a:r>
+            <a:endParaRPr lang="en-US" altLang="en-US" sz="2400" b="1">
+              <a:latin typeface="Times New Roman" panose="02020603050405020304" pitchFamily="18" charset="0"/>
+            </a:endParaRPr>
+          </a:p>
+          <a:p>
+            <a:pPr lvl="1">
+              <a:lnSpc>
+                <a:spcPct val="90000"/>
+              </a:lnSpc>
+              <a:spcBef>
+                <a:spcPct val="20000"/>
+              </a:spcBef>
+              <a:buClr>
+                <a:schemeClr val="tx1"/>
+              </a:buClr>
+              <a:buSzPct val="60000"/>
+              <a:buFont typeface="Wingdings" panose="05000000000000000000" pitchFamily="2" charset="2"/>
+              <a:buNone/>
+            </a:pPr>
+            <a:endParaRPr lang="en-US" altLang="en-US" sz="2400" b="1">
+              <a:solidFill>
+                <a:schemeClr val="accent2"/>
+              </a:solidFill>
+              <a:latin typeface="Times New Roman" panose="02020603050405020304" pitchFamily="18" charset="0"/>
+            </a:endParaRPr>
+          </a:p>
+        </p:txBody>
+      </p:sp>
+    </p:spTree>
+    <p:extLst>
+      <p:ext uri="{BB962C8B-B14F-4D97-AF65-F5344CB8AC3E}">
+        <p14:creationId xmlns:p14="http://schemas.microsoft.com/office/powerpoint/2010/main" val="1862378928"/>
+      </p:ext>
+    </p:extLst>
+  </p:cSld>
+  <p:clrMapOvr>
+    <a:masterClrMapping/>
+  </p:clrMapOvr>
 </p:sld>
 </file>
 
